--- a/Document/발표PPT.pptx
+++ b/Document/발표PPT.pptx
@@ -5,7 +5,7 @@
     <p:sldMasterId id="2147483648" r:id="rId1"/>
   </p:sldMasterIdLst>
   <p:notesMasterIdLst>
-    <p:notesMasterId r:id="rId37"/>
+    <p:notesMasterId r:id="rId36"/>
   </p:notesMasterIdLst>
   <p:sldIdLst>
     <p:sldId id="257" r:id="rId2"/>
@@ -19,30 +19,29 @@
     <p:sldId id="288" r:id="rId10"/>
     <p:sldId id="289" r:id="rId11"/>
     <p:sldId id="302" r:id="rId12"/>
-    <p:sldId id="290" r:id="rId13"/>
-    <p:sldId id="303" r:id="rId14"/>
-    <p:sldId id="304" r:id="rId15"/>
-    <p:sldId id="305" r:id="rId16"/>
-    <p:sldId id="291" r:id="rId17"/>
-    <p:sldId id="306" r:id="rId18"/>
-    <p:sldId id="307" r:id="rId19"/>
-    <p:sldId id="308" r:id="rId20"/>
-    <p:sldId id="309" r:id="rId21"/>
-    <p:sldId id="310" r:id="rId22"/>
-    <p:sldId id="297" r:id="rId23"/>
-    <p:sldId id="311" r:id="rId24"/>
-    <p:sldId id="312" r:id="rId25"/>
-    <p:sldId id="301" r:id="rId26"/>
-    <p:sldId id="300" r:id="rId27"/>
-    <p:sldId id="261" r:id="rId28"/>
-    <p:sldId id="258" r:id="rId29"/>
-    <p:sldId id="264" r:id="rId30"/>
-    <p:sldId id="267" r:id="rId31"/>
-    <p:sldId id="265" r:id="rId32"/>
-    <p:sldId id="269" r:id="rId33"/>
-    <p:sldId id="262" r:id="rId34"/>
-    <p:sldId id="274" r:id="rId35"/>
-    <p:sldId id="259" r:id="rId36"/>
+    <p:sldId id="303" r:id="rId13"/>
+    <p:sldId id="304" r:id="rId14"/>
+    <p:sldId id="305" r:id="rId15"/>
+    <p:sldId id="291" r:id="rId16"/>
+    <p:sldId id="306" r:id="rId17"/>
+    <p:sldId id="307" r:id="rId18"/>
+    <p:sldId id="308" r:id="rId19"/>
+    <p:sldId id="309" r:id="rId20"/>
+    <p:sldId id="310" r:id="rId21"/>
+    <p:sldId id="297" r:id="rId22"/>
+    <p:sldId id="311" r:id="rId23"/>
+    <p:sldId id="312" r:id="rId24"/>
+    <p:sldId id="301" r:id="rId25"/>
+    <p:sldId id="300" r:id="rId26"/>
+    <p:sldId id="261" r:id="rId27"/>
+    <p:sldId id="258" r:id="rId28"/>
+    <p:sldId id="264" r:id="rId29"/>
+    <p:sldId id="267" r:id="rId30"/>
+    <p:sldId id="265" r:id="rId31"/>
+    <p:sldId id="269" r:id="rId32"/>
+    <p:sldId id="262" r:id="rId33"/>
+    <p:sldId id="274" r:id="rId34"/>
+    <p:sldId id="259" r:id="rId35"/>
   </p:sldIdLst>
   <p:sldSz cx="9144000" cy="6858000" type="screen4x3"/>
   <p:notesSz cx="6858000" cy="9144000"/>
@@ -6401,7 +6400,7 @@
             <a:fld id="{65771C21-3757-4199-83DE-22960358A2A5}" type="datetimeFigureOut">
               <a:rPr lang="ko-KR" altLang="en-US" smtClean="0"/>
               <a:pPr/>
-              <a:t>2019-12-01</a:t>
+              <a:t>2019-12-02</a:t>
             </a:fld>
             <a:endParaRPr lang="ko-KR" altLang="en-US"/>
           </a:p>
@@ -7067,12 +7066,96 @@
               <a:defRPr/>
             </a:pPr>
             <a:r>
+              <a:rPr lang="ko-KR" altLang="en-US" sz="1200" dirty="0"/>
+              <a:t>권한 설정 후 </a:t>
+            </a:r>
+            <a:r>
+              <a:rPr lang="en-US" altLang="ko-KR" sz="1200" dirty="0" err="1"/>
+              <a:t>SeekBar</a:t>
+            </a:r>
+            <a:r>
+              <a:rPr lang="ko-KR" altLang="en-US" sz="1200" dirty="0" err="1"/>
+              <a:t>를</a:t>
+            </a:r>
+            <a:r>
+              <a:rPr lang="ko-KR" altLang="en-US" sz="1200" dirty="0"/>
+              <a:t> 사용해서 서비스 실행 환경 설정을 할 수 있습니다</a:t>
+            </a:r>
+            <a:r>
               <a:rPr lang="en-US" altLang="ko-KR" sz="1200" dirty="0"/>
-              <a:t>http://minheeblog.tistory.com/category/PPT</a:t>
-            </a:r>
-            <a:endParaRPr lang="ko-KR" altLang="en-US" sz="1200" dirty="0"/>
-          </a:p>
-          <a:p>
+              <a:t>.</a:t>
+            </a:r>
+            <a:r>
+              <a:rPr lang="ko-KR" altLang="en-US" sz="1200" dirty="0"/>
+              <a:t> 실행 시 버튼의 모양이 바뀌며 </a:t>
+            </a:r>
+            <a:r>
+              <a:rPr lang="en-US" altLang="ko-KR" sz="1200" dirty="0"/>
+              <a:t>3</a:t>
+            </a:r>
+            <a:r>
+              <a:rPr lang="ko-KR" altLang="en-US" sz="1200" dirty="0"/>
+              <a:t>초 후 어플리케이션을 종료합니다</a:t>
+            </a:r>
+            <a:r>
+              <a:rPr lang="en-US" altLang="ko-KR" sz="1200" dirty="0"/>
+              <a:t>.</a:t>
+            </a:r>
+            <a:r>
+              <a:rPr lang="ko-KR" altLang="en-US" sz="1200" dirty="0"/>
+              <a:t> 서비스는 계속 실행됩니다</a:t>
+            </a:r>
+            <a:r>
+              <a:rPr lang="en-US" altLang="ko-KR" sz="1200" dirty="0"/>
+              <a:t>.</a:t>
+            </a:r>
+          </a:p>
+          <a:p>
+            <a:pPr marL="0" marR="0" indent="0" algn="l" defTabSz="914400" rtl="0" eaLnBrk="1" fontAlgn="auto" latinLnBrk="1" hangingPunct="1">
+              <a:lnSpc>
+                <a:spcPct val="100000"/>
+              </a:lnSpc>
+              <a:spcBef>
+                <a:spcPts val="0"/>
+              </a:spcBef>
+              <a:spcAft>
+                <a:spcPts val="0"/>
+              </a:spcAft>
+              <a:buClrTx/>
+              <a:buSzTx/>
+              <a:buFontTx/>
+              <a:buNone/>
+              <a:tabLst/>
+              <a:defRPr/>
+            </a:pPr>
+            <a:r>
+              <a:rPr lang="en-US" altLang="ko-KR" sz="1200" dirty="0"/>
+              <a:t>Notification</a:t>
+            </a:r>
+            <a:r>
+              <a:rPr lang="ko-KR" altLang="en-US" sz="1200" dirty="0"/>
+              <a:t>을 통해 앱 종료 후에도 서비스가 실행되고 있음을 확인할 수 있습니다</a:t>
+            </a:r>
+            <a:r>
+              <a:rPr lang="en-US" altLang="ko-KR" sz="1200" dirty="0"/>
+              <a:t>.</a:t>
+            </a:r>
+            <a:r>
+              <a:rPr lang="ko-KR" altLang="en-US" sz="1200" dirty="0"/>
+              <a:t> </a:t>
+            </a:r>
+            <a:r>
+              <a:rPr lang="en-US" altLang="ko-KR" sz="1200" dirty="0"/>
+              <a:t>Notification</a:t>
+            </a:r>
+            <a:r>
+              <a:rPr lang="ko-KR" altLang="en-US" sz="1200" dirty="0"/>
+              <a:t>을 눌러 서비스를 앱을 이용하거나 서비스를 종료할 수 있습니다</a:t>
+            </a:r>
+            <a:r>
+              <a:rPr lang="en-US" altLang="ko-KR" sz="1200" dirty="0"/>
+              <a:t>.</a:t>
+            </a:r>
             <a:endParaRPr lang="ko-KR" altLang="en-US" dirty="0"/>
           </a:p>
         </p:txBody>
@@ -7104,7 +7187,7 @@
     </p:spTree>
     <p:extLst>
       <p:ext uri="{BB962C8B-B14F-4D97-AF65-F5344CB8AC3E}">
-        <p14:creationId xmlns:p14="http://schemas.microsoft.com/office/powerpoint/2010/main" val="916489979"/>
+        <p14:creationId xmlns:p14="http://schemas.microsoft.com/office/powerpoint/2010/main" val="1729220233"/>
       </p:ext>
     </p:extLst>
   </p:cSld>
@@ -7179,19 +7262,19 @@
             </a:pPr>
             <a:r>
               <a:rPr lang="ko-KR" altLang="en-US" sz="1200" dirty="0"/>
-              <a:t>권한 설정 후 </a:t>
-            </a:r>
-            <a:r>
-              <a:rPr lang="en-US" altLang="ko-KR" sz="1200" dirty="0" err="1"/>
-              <a:t>SeekBar</a:t>
+              <a:t>우측 상단 </a:t>
+            </a:r>
+            <a:r>
+              <a:rPr lang="en-US" altLang="ko-KR" sz="1200" dirty="0"/>
+              <a:t>1</a:t>
+            </a:r>
+            <a:r>
+              <a:rPr lang="ko-KR" altLang="en-US" sz="1200" dirty="0"/>
+              <a:t>시 방향 버튼을 통해 눈 건강 정보를 얻을 수 있는 화면으로 </a:t>
             </a:r>
             <a:r>
               <a:rPr lang="ko-KR" altLang="en-US" sz="1200" dirty="0" err="1"/>
-              <a:t>를</a:t>
-            </a:r>
-            <a:r>
-              <a:rPr lang="ko-KR" altLang="en-US" sz="1200" dirty="0"/>
-              <a:t> 사용해서 서비스 실행 환경 설정을 할 수 있습니다</a:t>
+              <a:t>이동가능합니다</a:t>
             </a:r>
             <a:r>
               <a:rPr lang="en-US" altLang="ko-KR" sz="1200" dirty="0"/>
@@ -7199,70 +7282,15 @@
             </a:r>
             <a:r>
               <a:rPr lang="ko-KR" altLang="en-US" sz="1200" dirty="0"/>
-              <a:t> 실행 시 버튼의 모양이 바뀌며 </a:t>
-            </a:r>
-            <a:r>
-              <a:rPr lang="en-US" altLang="ko-KR" sz="1200" dirty="0"/>
-              <a:t>3</a:t>
+              <a:t> 눈 건강 정보에서 </a:t>
+            </a:r>
+            <a:r>
+              <a:rPr lang="ko-KR" altLang="en-US" sz="1200" dirty="0" err="1"/>
+              <a:t>뒤로가기</a:t>
             </a:r>
             <a:r>
               <a:rPr lang="ko-KR" altLang="en-US" sz="1200" dirty="0"/>
-              <a:t>초 후 어플리케이션을 종료합니다</a:t>
-            </a:r>
-            <a:r>
-              <a:rPr lang="en-US" altLang="ko-KR" sz="1200" dirty="0"/>
-              <a:t>.</a:t>
-            </a:r>
-            <a:r>
-              <a:rPr lang="ko-KR" altLang="en-US" sz="1200" dirty="0"/>
-              <a:t> 서비스는 계속 실행됩니다</a:t>
-            </a:r>
-            <a:r>
-              <a:rPr lang="en-US" altLang="ko-KR" sz="1200" dirty="0"/>
-              <a:t>.</a:t>
-            </a:r>
-          </a:p>
-          <a:p>
-            <a:pPr marL="0" marR="0" indent="0" algn="l" defTabSz="914400" rtl="0" eaLnBrk="1" fontAlgn="auto" latinLnBrk="1" hangingPunct="1">
-              <a:lnSpc>
-                <a:spcPct val="100000"/>
-              </a:lnSpc>
-              <a:spcBef>
-                <a:spcPts val="0"/>
-              </a:spcBef>
-              <a:spcAft>
-                <a:spcPts val="0"/>
-              </a:spcAft>
-              <a:buClrTx/>
-              <a:buSzTx/>
-              <a:buFontTx/>
-              <a:buNone/>
-              <a:tabLst/>
-              <a:defRPr/>
-            </a:pPr>
-            <a:r>
-              <a:rPr lang="en-US" altLang="ko-KR" sz="1200" dirty="0"/>
-              <a:t>Notification</a:t>
-            </a:r>
-            <a:r>
-              <a:rPr lang="ko-KR" altLang="en-US" sz="1200" dirty="0"/>
-              <a:t>을 통해 앱 종료 후에도 서비스가 실행되고 있음을 확인할 수 있습니다</a:t>
-            </a:r>
-            <a:r>
-              <a:rPr lang="en-US" altLang="ko-KR" sz="1200" dirty="0"/>
-              <a:t>.</a:t>
-            </a:r>
-            <a:r>
-              <a:rPr lang="ko-KR" altLang="en-US" sz="1200" dirty="0"/>
-              <a:t> </a:t>
-            </a:r>
-            <a:r>
-              <a:rPr lang="en-US" altLang="ko-KR" sz="1200" dirty="0"/>
-              <a:t>Notification</a:t>
-            </a:r>
-            <a:r>
-              <a:rPr lang="ko-KR" altLang="en-US" sz="1200" dirty="0"/>
-              <a:t>을 눌러 서비스를 앱을 이용하거나 서비스를 종료할 수 있습니다</a:t>
+              <a:t> 버튼을 클릭할 경우 다시 메인 화면으로 나올 수 있습니다</a:t>
             </a:r>
             <a:r>
               <a:rPr lang="en-US" altLang="ko-KR" sz="1200" dirty="0"/>
@@ -7299,7 +7327,7 @@
     </p:spTree>
     <p:extLst>
       <p:ext uri="{BB962C8B-B14F-4D97-AF65-F5344CB8AC3E}">
-        <p14:creationId xmlns:p14="http://schemas.microsoft.com/office/powerpoint/2010/main" val="1729220233"/>
+        <p14:creationId xmlns:p14="http://schemas.microsoft.com/office/powerpoint/2010/main" val="1554650747"/>
       </p:ext>
     </p:extLst>
   </p:cSld>
@@ -7374,19 +7402,7 @@
             </a:pPr>
             <a:r>
               <a:rPr lang="ko-KR" altLang="en-US" sz="1200" dirty="0"/>
-              <a:t>우측 상단 </a:t>
-            </a:r>
-            <a:r>
-              <a:rPr lang="en-US" altLang="ko-KR" sz="1200" dirty="0"/>
-              <a:t>1</a:t>
-            </a:r>
-            <a:r>
-              <a:rPr lang="ko-KR" altLang="en-US" sz="1200" dirty="0"/>
-              <a:t>시 방향 버튼을 통해 눈 건강 정보를 얻을 수 있는 화면으로 </a:t>
-            </a:r>
-            <a:r>
-              <a:rPr lang="ko-KR" altLang="en-US" sz="1200" dirty="0" err="1"/>
-              <a:t>이동가능합니다</a:t>
+              <a:t>눈 건강 정보에서 항목 클릭을 통해 해당 정보 제공 화면으로 이동할 수 있습니다</a:t>
             </a:r>
             <a:r>
               <a:rPr lang="en-US" altLang="ko-KR" sz="1200" dirty="0"/>
@@ -7394,15 +7410,55 @@
             </a:r>
             <a:r>
               <a:rPr lang="ko-KR" altLang="en-US" sz="1200" dirty="0"/>
-              <a:t> 눈 건강 정보에서 </a:t>
-            </a:r>
-            <a:r>
-              <a:rPr lang="ko-KR" altLang="en-US" sz="1200" dirty="0" err="1"/>
-              <a:t>뒤로가기</a:t>
+              <a:t> 정보 제공 화면에서는 제목을 클릭하여 </a:t>
+            </a:r>
+            <a:r>
+              <a:rPr lang="en-US" altLang="ko-KR" sz="1200" dirty="0"/>
+              <a:t>firebase </a:t>
+            </a:r>
+            <a:r>
+              <a:rPr lang="en-US" altLang="ko-KR" sz="1200" dirty="0" err="1"/>
+              <a:t>realtime</a:t>
+            </a:r>
+            <a:r>
+              <a:rPr lang="en-US" altLang="ko-KR" sz="1200" dirty="0"/>
+              <a:t> database</a:t>
             </a:r>
             <a:r>
               <a:rPr lang="ko-KR" altLang="en-US" sz="1200" dirty="0"/>
-              <a:t> 버튼을 클릭할 경우 다시 메인 화면으로 나올 수 있습니다</a:t>
+              <a:t>에서 데이터를 가져와서 </a:t>
+            </a:r>
+            <a:r>
+              <a:rPr lang="en-US" altLang="ko-KR" sz="1200" dirty="0" err="1"/>
+              <a:t>RecyclerView</a:t>
+            </a:r>
+            <a:r>
+              <a:rPr lang="ko-KR" altLang="en-US" sz="1200" dirty="0"/>
+              <a:t>에 항목들을 보여줍니다</a:t>
+            </a:r>
+            <a:r>
+              <a:rPr lang="en-US" altLang="ko-KR" sz="1200" dirty="0"/>
+              <a:t>.</a:t>
+            </a:r>
+            <a:r>
+              <a:rPr lang="ko-KR" altLang="en-US" sz="1200" dirty="0"/>
+              <a:t> </a:t>
+            </a:r>
+            <a:r>
+              <a:rPr lang="en-US" altLang="ko-KR" sz="1200" dirty="0" err="1"/>
+              <a:t>RecyclerView</a:t>
+            </a:r>
+            <a:r>
+              <a:rPr lang="ko-KR" altLang="en-US" sz="1200" dirty="0"/>
+              <a:t>의 각 아이템 클릭 시 세부 정보를 확인할 수 있습니다</a:t>
+            </a:r>
+            <a:r>
+              <a:rPr lang="en-US" altLang="ko-KR" sz="1200" dirty="0"/>
+              <a:t>.</a:t>
+            </a:r>
+            <a:r>
+              <a:rPr lang="ko-KR" altLang="en-US" sz="1200" dirty="0"/>
+              <a:t> 뒤로 가기 버튼을 통해 바로 이전 화면으로 돌아갈 수 있습니다</a:t>
             </a:r>
             <a:r>
               <a:rPr lang="en-US" altLang="ko-KR" sz="1200" dirty="0"/>
@@ -7439,7 +7495,7 @@
     </p:spTree>
     <p:extLst>
       <p:ext uri="{BB962C8B-B14F-4D97-AF65-F5344CB8AC3E}">
-        <p14:creationId xmlns:p14="http://schemas.microsoft.com/office/powerpoint/2010/main" val="1554650747"/>
+        <p14:creationId xmlns:p14="http://schemas.microsoft.com/office/powerpoint/2010/main" val="871781703"/>
       </p:ext>
     </p:extLst>
   </p:cSld>
@@ -7513,69 +7569,12 @@
               <a:defRPr/>
             </a:pPr>
             <a:r>
-              <a:rPr lang="ko-KR" altLang="en-US" sz="1200" dirty="0"/>
-              <a:t>눈 건강 정보에서 항목 클릭을 통해 해당 정보 제공 화면으로 이동할 수 있습니다</a:t>
-            </a:r>
-            <a:r>
               <a:rPr lang="en-US" altLang="ko-KR" sz="1200" dirty="0"/>
-              <a:t>.</a:t>
-            </a:r>
-            <a:r>
-              <a:rPr lang="ko-KR" altLang="en-US" sz="1200" dirty="0"/>
-              <a:t> 정보 제공 화면에서는 제목을 클릭하여 </a:t>
-            </a:r>
-            <a:r>
-              <a:rPr lang="en-US" altLang="ko-KR" sz="1200" dirty="0"/>
-              <a:t>firebase </a:t>
-            </a:r>
-            <a:r>
-              <a:rPr lang="en-US" altLang="ko-KR" sz="1200" dirty="0" err="1"/>
-              <a:t>realtime</a:t>
-            </a:r>
-            <a:r>
-              <a:rPr lang="en-US" altLang="ko-KR" sz="1200" dirty="0"/>
-              <a:t> database</a:t>
-            </a:r>
-            <a:r>
-              <a:rPr lang="ko-KR" altLang="en-US" sz="1200" dirty="0"/>
-              <a:t>에서 데이터를 가져와서 </a:t>
-            </a:r>
-            <a:r>
-              <a:rPr lang="en-US" altLang="ko-KR" sz="1200" dirty="0" err="1"/>
-              <a:t>RecyclerView</a:t>
-            </a:r>
-            <a:r>
-              <a:rPr lang="ko-KR" altLang="en-US" sz="1200" dirty="0"/>
-              <a:t>에 항목들을 보여줍니다</a:t>
-            </a:r>
-            <a:r>
-              <a:rPr lang="en-US" altLang="ko-KR" sz="1200" dirty="0"/>
-              <a:t>.</a:t>
-            </a:r>
-            <a:r>
-              <a:rPr lang="ko-KR" altLang="en-US" sz="1200" dirty="0"/>
-              <a:t> </a:t>
-            </a:r>
-            <a:r>
-              <a:rPr lang="en-US" altLang="ko-KR" sz="1200" dirty="0" err="1"/>
-              <a:t>RecyclerView</a:t>
-            </a:r>
-            <a:r>
-              <a:rPr lang="ko-KR" altLang="en-US" sz="1200" dirty="0"/>
-              <a:t>의 각 아이템 클릭 시 세부 정보를 확인할 수 있습니다</a:t>
-            </a:r>
-            <a:r>
-              <a:rPr lang="en-US" altLang="ko-KR" sz="1200" dirty="0"/>
-              <a:t>.</a:t>
-            </a:r>
-            <a:r>
-              <a:rPr lang="ko-KR" altLang="en-US" sz="1200" dirty="0"/>
-              <a:t> 뒤로 가기 버튼을 통해 바로 이전 화면으로 돌아갈 수 있습니다</a:t>
-            </a:r>
-            <a:r>
-              <a:rPr lang="en-US" altLang="ko-KR" sz="1200" dirty="0"/>
-              <a:t>.</a:t>
-            </a:r>
+              <a:t>http://minheeblog.tistory.com/category/PPT</a:t>
+            </a:r>
+            <a:endParaRPr lang="ko-KR" altLang="en-US" sz="1200" dirty="0"/>
+          </a:p>
+          <a:p>
             <a:endParaRPr lang="ko-KR" altLang="en-US" dirty="0"/>
           </a:p>
         </p:txBody>
@@ -7607,7 +7606,7 @@
     </p:spTree>
     <p:extLst>
       <p:ext uri="{BB962C8B-B14F-4D97-AF65-F5344CB8AC3E}">
-        <p14:creationId xmlns:p14="http://schemas.microsoft.com/office/powerpoint/2010/main" val="871781703"/>
+        <p14:creationId xmlns:p14="http://schemas.microsoft.com/office/powerpoint/2010/main" val="2508886481"/>
       </p:ext>
     </p:extLst>
   </p:cSld>
@@ -7681,12 +7680,201 @@
               <a:defRPr/>
             </a:pPr>
             <a:r>
+              <a:rPr lang="ko-KR" altLang="en-US" sz="1200" dirty="0"/>
+              <a:t>데이터의 흐름입니다</a:t>
+            </a:r>
+            <a:r>
               <a:rPr lang="en-US" altLang="ko-KR" sz="1200" dirty="0"/>
-              <a:t>http://minheeblog.tistory.com/category/PPT</a:t>
-            </a:r>
-            <a:endParaRPr lang="ko-KR" altLang="en-US" sz="1200" dirty="0"/>
-          </a:p>
-          <a:p>
+              <a:t>.</a:t>
+            </a:r>
+            <a:r>
+              <a:rPr lang="ko-KR" altLang="en-US" sz="1200" dirty="0"/>
+              <a:t> </a:t>
+            </a:r>
+            <a:r>
+              <a:rPr lang="en-US" altLang="ko-KR" sz="1200" dirty="0" err="1"/>
+              <a:t>EyeTipSelectActivity</a:t>
+            </a:r>
+            <a:r>
+              <a:rPr lang="ko-KR" altLang="en-US" sz="1200" dirty="0"/>
+              <a:t>에서 버튼을 통해 어떤 데이터베이스를 불러와야 하는지 </a:t>
+            </a:r>
+            <a:r>
+              <a:rPr lang="en-US" altLang="ko-KR" sz="1200" dirty="0"/>
+              <a:t>intent</a:t>
+            </a:r>
+            <a:r>
+              <a:rPr lang="ko-KR" altLang="en-US" sz="1200" dirty="0" err="1"/>
+              <a:t>를</a:t>
+            </a:r>
+            <a:r>
+              <a:rPr lang="ko-KR" altLang="en-US" sz="1200" dirty="0"/>
+              <a:t> 통해 </a:t>
+            </a:r>
+            <a:r>
+              <a:rPr lang="en-US" altLang="ko-KR" sz="1200" dirty="0" err="1"/>
+              <a:t>EyeTipActivity</a:t>
+            </a:r>
+            <a:r>
+              <a:rPr lang="ko-KR" altLang="en-US" sz="1200" dirty="0"/>
+              <a:t>에 전달합니다</a:t>
+            </a:r>
+            <a:r>
+              <a:rPr lang="en-US" altLang="ko-KR" sz="1200" dirty="0"/>
+              <a:t>.</a:t>
+            </a:r>
+          </a:p>
+          <a:p>
+            <a:pPr marL="0" marR="0" indent="0" algn="l" defTabSz="914400" rtl="0" eaLnBrk="1" fontAlgn="auto" latinLnBrk="1" hangingPunct="1">
+              <a:lnSpc>
+                <a:spcPct val="100000"/>
+              </a:lnSpc>
+              <a:spcBef>
+                <a:spcPts val="0"/>
+              </a:spcBef>
+              <a:spcAft>
+                <a:spcPts val="0"/>
+              </a:spcAft>
+              <a:buClrTx/>
+              <a:buSzTx/>
+              <a:buFontTx/>
+              <a:buNone/>
+              <a:tabLst/>
+              <a:defRPr/>
+            </a:pPr>
+            <a:r>
+              <a:rPr lang="en-US" altLang="ko-KR" sz="1200" dirty="0" err="1"/>
+              <a:t>EyeTipActivity</a:t>
+            </a:r>
+            <a:r>
+              <a:rPr lang="ko-KR" altLang="en-US" sz="1200" dirty="0"/>
+              <a:t>에서는 </a:t>
+            </a:r>
+            <a:r>
+              <a:rPr lang="en-US" altLang="ko-KR" sz="1200" dirty="0"/>
+              <a:t>Firebase database instance</a:t>
+            </a:r>
+            <a:r>
+              <a:rPr lang="ko-KR" altLang="en-US" sz="1200" dirty="0" err="1"/>
+              <a:t>를</a:t>
+            </a:r>
+            <a:r>
+              <a:rPr lang="ko-KR" altLang="en-US" sz="1200" dirty="0"/>
+              <a:t> 가져와 </a:t>
+            </a:r>
+            <a:r>
+              <a:rPr lang="en-US" altLang="ko-KR" sz="1200" dirty="0" err="1"/>
+              <a:t>EyeDataClass</a:t>
+            </a:r>
+            <a:r>
+              <a:rPr lang="ko-KR" altLang="en-US" sz="1200" dirty="0"/>
+              <a:t>에 전달합니다</a:t>
+            </a:r>
+            <a:r>
+              <a:rPr lang="en-US" altLang="ko-KR" sz="1200" dirty="0"/>
+              <a:t>.</a:t>
+            </a:r>
+          </a:p>
+          <a:p>
+            <a:pPr marL="0" marR="0" indent="0" algn="l" defTabSz="914400" rtl="0" eaLnBrk="1" fontAlgn="auto" latinLnBrk="1" hangingPunct="1">
+              <a:lnSpc>
+                <a:spcPct val="100000"/>
+              </a:lnSpc>
+              <a:spcBef>
+                <a:spcPts val="0"/>
+              </a:spcBef>
+              <a:spcAft>
+                <a:spcPts val="0"/>
+              </a:spcAft>
+              <a:buClrTx/>
+              <a:buSzTx/>
+              <a:buFontTx/>
+              <a:buNone/>
+              <a:tabLst/>
+              <a:defRPr/>
+            </a:pPr>
+            <a:r>
+              <a:rPr lang="en-US" altLang="ko-KR" sz="1200" dirty="0" err="1"/>
+              <a:t>EyeDataClass</a:t>
+            </a:r>
+            <a:r>
+              <a:rPr lang="ko-KR" altLang="en-US" sz="1200" dirty="0"/>
+              <a:t>에서는 전달받은 </a:t>
+            </a:r>
+            <a:r>
+              <a:rPr lang="en-US" altLang="ko-KR" sz="1200" dirty="0"/>
+              <a:t>instance</a:t>
+            </a:r>
+            <a:r>
+              <a:rPr lang="ko-KR" altLang="en-US" sz="1200" dirty="0"/>
+              <a:t>로 정보 객체 배열을 만들어 </a:t>
+            </a:r>
+            <a:r>
+              <a:rPr lang="en-US" altLang="ko-KR" sz="1200" dirty="0" err="1"/>
+              <a:t>EyeTipActivity</a:t>
+            </a:r>
+            <a:r>
+              <a:rPr lang="ko-KR" altLang="en-US" sz="1200" dirty="0"/>
+              <a:t>에 다시 전달합니다</a:t>
+            </a:r>
+            <a:r>
+              <a:rPr lang="en-US" altLang="ko-KR" sz="1200" dirty="0"/>
+              <a:t>.</a:t>
+            </a:r>
+            <a:br>
+              <a:rPr lang="en-US" altLang="ko-KR" sz="1200" dirty="0"/>
+            </a:br>
+            <a:r>
+              <a:rPr lang="en-US" altLang="ko-KR" sz="1200" dirty="0" err="1"/>
+              <a:t>EyeTipActivity</a:t>
+            </a:r>
+            <a:r>
+              <a:rPr lang="ko-KR" altLang="en-US" sz="1200" dirty="0"/>
+              <a:t>에서는 </a:t>
+            </a:r>
+            <a:r>
+              <a:rPr lang="en-US" altLang="ko-KR" sz="1200" dirty="0"/>
+              <a:t>intent</a:t>
+            </a:r>
+            <a:r>
+              <a:rPr lang="ko-KR" altLang="en-US" sz="1200" dirty="0"/>
+              <a:t>로 전달받은 값에 따라 정보 객체 배열을 </a:t>
+            </a:r>
+            <a:r>
+              <a:rPr lang="en-US" altLang="ko-KR" sz="1200" dirty="0" err="1"/>
+              <a:t>recyclerViewAdapter</a:t>
+            </a:r>
+            <a:r>
+              <a:rPr lang="ko-KR" altLang="en-US" sz="1200" dirty="0"/>
+              <a:t>에 전달합니다</a:t>
+            </a:r>
+            <a:r>
+              <a:rPr lang="en-US" altLang="ko-KR" sz="1200" dirty="0"/>
+              <a:t>.</a:t>
+            </a:r>
+            <a:br>
+              <a:rPr lang="en-US" altLang="ko-KR" sz="1200" dirty="0"/>
+            </a:br>
+            <a:r>
+              <a:rPr lang="en-US" altLang="ko-KR" sz="1200" dirty="0" err="1"/>
+              <a:t>recyclerViewAdapter</a:t>
+            </a:r>
+            <a:r>
+              <a:rPr lang="ko-KR" altLang="en-US" sz="1200" dirty="0"/>
+              <a:t>에서는 전달받은 정보 객체 배열을 </a:t>
+            </a:r>
+            <a:r>
+              <a:rPr lang="en-US" altLang="ko-KR" sz="1200" dirty="0" err="1"/>
+              <a:t>recyclerView</a:t>
+            </a:r>
+            <a:r>
+              <a:rPr lang="ko-KR" altLang="en-US" sz="1200" dirty="0"/>
+              <a:t>와 바인딩해서 사용자에게 보여줍니다</a:t>
+            </a:r>
+            <a:r>
+              <a:rPr lang="en-US" altLang="ko-KR" sz="1200" dirty="0"/>
+              <a:t>.</a:t>
+            </a:r>
             <a:endParaRPr lang="ko-KR" altLang="en-US" dirty="0"/>
           </a:p>
         </p:txBody>
@@ -7718,7 +7906,7 @@
     </p:spTree>
     <p:extLst>
       <p:ext uri="{BB962C8B-B14F-4D97-AF65-F5344CB8AC3E}">
-        <p14:creationId xmlns:p14="http://schemas.microsoft.com/office/powerpoint/2010/main" val="2508886481"/>
+        <p14:creationId xmlns:p14="http://schemas.microsoft.com/office/powerpoint/2010/main" val="1655092048"/>
       </p:ext>
     </p:extLst>
   </p:cSld>
@@ -7793,7 +7981,15 @@
             </a:pPr>
             <a:r>
               <a:rPr lang="ko-KR" altLang="en-US" sz="1200" dirty="0"/>
-              <a:t>데이터의 흐름입니다</a:t>
+              <a:t>모든 정보들을 같은 양식으로 되어 있어 </a:t>
+            </a:r>
+            <a:r>
+              <a:rPr lang="en-US" altLang="ko-KR" sz="1200" dirty="0" err="1"/>
+              <a:t>EyeInfo</a:t>
+            </a:r>
+            <a:r>
+              <a:rPr lang="ko-KR" altLang="en-US" sz="1200" dirty="0"/>
+              <a:t>라는 객체로 각 아이템을 표현합니다</a:t>
             </a:r>
             <a:r>
               <a:rPr lang="en-US" altLang="ko-KR" sz="1200" dirty="0"/>
@@ -7804,16 +8000,8 @@
               <a:t> </a:t>
             </a:r>
             <a:r>
-              <a:rPr lang="en-US" altLang="ko-KR" sz="1200" dirty="0" err="1"/>
-              <a:t>EyeTipSelectActivity</a:t>
-            </a:r>
-            <a:r>
-              <a:rPr lang="ko-KR" altLang="en-US" sz="1200" dirty="0"/>
-              <a:t>에서 버튼을 통해 어떤 데이터베이스를 불러와야 하는지 </a:t>
-            </a:r>
-            <a:r>
               <a:rPr lang="en-US" altLang="ko-KR" sz="1200" dirty="0"/>
-              <a:t>intent</a:t>
+              <a:t>Value</a:t>
             </a:r>
             <a:r>
               <a:rPr lang="ko-KR" altLang="en-US" sz="1200" dirty="0" err="1"/>
@@ -7824,47 +8012,8 @@
               <a:t> 통해 </a:t>
             </a:r>
             <a:r>
-              <a:rPr lang="en-US" altLang="ko-KR" sz="1200" dirty="0" err="1"/>
-              <a:t>EyeTipActivity</a:t>
-            </a:r>
-            <a:r>
-              <a:rPr lang="ko-KR" altLang="en-US" sz="1200" dirty="0"/>
-              <a:t>에 전달합니다</a:t>
-            </a:r>
-            <a:r>
               <a:rPr lang="en-US" altLang="ko-KR" sz="1200" dirty="0"/>
-              <a:t>.</a:t>
-            </a:r>
-          </a:p>
-          <a:p>
-            <a:pPr marL="0" marR="0" indent="0" algn="l" defTabSz="914400" rtl="0" eaLnBrk="1" fontAlgn="auto" latinLnBrk="1" hangingPunct="1">
-              <a:lnSpc>
-                <a:spcPct val="100000"/>
-              </a:lnSpc>
-              <a:spcBef>
-                <a:spcPts val="0"/>
-              </a:spcBef>
-              <a:spcAft>
-                <a:spcPts val="0"/>
-              </a:spcAft>
-              <a:buClrTx/>
-              <a:buSzTx/>
-              <a:buFontTx/>
-              <a:buNone/>
-              <a:tabLst/>
-              <a:defRPr/>
-            </a:pPr>
-            <a:r>
-              <a:rPr lang="en-US" altLang="ko-KR" sz="1200" dirty="0" err="1"/>
-              <a:t>EyeTipActivity</a:t>
-            </a:r>
-            <a:r>
-              <a:rPr lang="ko-KR" altLang="en-US" sz="1200" dirty="0"/>
-              <a:t>에서는 </a:t>
-            </a:r>
-            <a:r>
-              <a:rPr lang="en-US" altLang="ko-KR" sz="1200" dirty="0"/>
-              <a:t>Firebase database instance</a:t>
+              <a:t>firebase instance</a:t>
             </a:r>
             <a:r>
               <a:rPr lang="ko-KR" altLang="en-US" sz="1200" dirty="0" err="1"/>
@@ -7872,116 +8021,7 @@
             </a:r>
             <a:r>
               <a:rPr lang="ko-KR" altLang="en-US" sz="1200" dirty="0"/>
-              <a:t> 가져와 </a:t>
-            </a:r>
-            <a:r>
-              <a:rPr lang="en-US" altLang="ko-KR" sz="1200" dirty="0" err="1"/>
-              <a:t>EyeDataClass</a:t>
-            </a:r>
-            <a:r>
-              <a:rPr lang="ko-KR" altLang="en-US" sz="1200" dirty="0"/>
-              <a:t>에 전달합니다</a:t>
-            </a:r>
-            <a:r>
-              <a:rPr lang="en-US" altLang="ko-KR" sz="1200" dirty="0"/>
-              <a:t>.</a:t>
-            </a:r>
-          </a:p>
-          <a:p>
-            <a:pPr marL="0" marR="0" indent="0" algn="l" defTabSz="914400" rtl="0" eaLnBrk="1" fontAlgn="auto" latinLnBrk="1" hangingPunct="1">
-              <a:lnSpc>
-                <a:spcPct val="100000"/>
-              </a:lnSpc>
-              <a:spcBef>
-                <a:spcPts val="0"/>
-              </a:spcBef>
-              <a:spcAft>
-                <a:spcPts val="0"/>
-              </a:spcAft>
-              <a:buClrTx/>
-              <a:buSzTx/>
-              <a:buFontTx/>
-              <a:buNone/>
-              <a:tabLst/>
-              <a:defRPr/>
-            </a:pPr>
-            <a:r>
-              <a:rPr lang="en-US" altLang="ko-KR" sz="1200" dirty="0" err="1"/>
-              <a:t>EyeDataClass</a:t>
-            </a:r>
-            <a:r>
-              <a:rPr lang="ko-KR" altLang="en-US" sz="1200" dirty="0"/>
-              <a:t>에서는 전달받은 </a:t>
-            </a:r>
-            <a:r>
-              <a:rPr lang="en-US" altLang="ko-KR" sz="1200" dirty="0"/>
-              <a:t>instance</a:t>
-            </a:r>
-            <a:r>
-              <a:rPr lang="ko-KR" altLang="en-US" sz="1200" dirty="0"/>
-              <a:t>로 정보 객체 배열을 만들어 </a:t>
-            </a:r>
-            <a:r>
-              <a:rPr lang="en-US" altLang="ko-KR" sz="1200" dirty="0" err="1"/>
-              <a:t>EyeTipActivity</a:t>
-            </a:r>
-            <a:r>
-              <a:rPr lang="ko-KR" altLang="en-US" sz="1200" dirty="0"/>
-              <a:t>에 다시 전달합니다</a:t>
-            </a:r>
-            <a:r>
-              <a:rPr lang="en-US" altLang="ko-KR" sz="1200" dirty="0"/>
-              <a:t>.</a:t>
-            </a:r>
-            <a:br>
-              <a:rPr lang="en-US" altLang="ko-KR" sz="1200" dirty="0"/>
-            </a:br>
-            <a:r>
-              <a:rPr lang="en-US" altLang="ko-KR" sz="1200" dirty="0" err="1"/>
-              <a:t>EyeTipActivity</a:t>
-            </a:r>
-            <a:r>
-              <a:rPr lang="ko-KR" altLang="en-US" sz="1200" dirty="0"/>
-              <a:t>에서는 </a:t>
-            </a:r>
-            <a:r>
-              <a:rPr lang="en-US" altLang="ko-KR" sz="1200" dirty="0"/>
-              <a:t>intent</a:t>
-            </a:r>
-            <a:r>
-              <a:rPr lang="ko-KR" altLang="en-US" sz="1200" dirty="0"/>
-              <a:t>로 전달받은 값에 따라 정보 객체 배열을 </a:t>
-            </a:r>
-            <a:r>
-              <a:rPr lang="en-US" altLang="ko-KR" sz="1200" dirty="0" err="1"/>
-              <a:t>recyclerViewAdapter</a:t>
-            </a:r>
-            <a:r>
-              <a:rPr lang="ko-KR" altLang="en-US" sz="1200" dirty="0"/>
-              <a:t>에 전달합니다</a:t>
-            </a:r>
-            <a:r>
-              <a:rPr lang="en-US" altLang="ko-KR" sz="1200" dirty="0"/>
-              <a:t>.</a:t>
-            </a:r>
-            <a:br>
-              <a:rPr lang="en-US" altLang="ko-KR" sz="1200" dirty="0"/>
-            </a:br>
-            <a:r>
-              <a:rPr lang="en-US" altLang="ko-KR" sz="1200" dirty="0" err="1"/>
-              <a:t>recyclerViewAdapter</a:t>
-            </a:r>
-            <a:r>
-              <a:rPr lang="ko-KR" altLang="en-US" sz="1200" dirty="0"/>
-              <a:t>에서는 전달받은 정보 객체 배열을 </a:t>
-            </a:r>
-            <a:r>
-              <a:rPr lang="en-US" altLang="ko-KR" sz="1200" dirty="0" err="1"/>
-              <a:t>recyclerView</a:t>
-            </a:r>
-            <a:r>
-              <a:rPr lang="ko-KR" altLang="en-US" sz="1200" dirty="0"/>
-              <a:t>와 바인딩해서 사용자에게 보여줍니다</a:t>
+              <a:t> 전달받습니다</a:t>
             </a:r>
             <a:r>
               <a:rPr lang="en-US" altLang="ko-KR" sz="1200" dirty="0"/>
@@ -8018,7 +8058,7 @@
     </p:spTree>
     <p:extLst>
       <p:ext uri="{BB962C8B-B14F-4D97-AF65-F5344CB8AC3E}">
-        <p14:creationId xmlns:p14="http://schemas.microsoft.com/office/powerpoint/2010/main" val="1655092048"/>
+        <p14:creationId xmlns:p14="http://schemas.microsoft.com/office/powerpoint/2010/main" val="3823875702"/>
       </p:ext>
     </p:extLst>
   </p:cSld>
@@ -8092,51 +8132,19 @@
               <a:defRPr/>
             </a:pPr>
             <a:r>
-              <a:rPr lang="ko-KR" altLang="en-US" sz="1200" dirty="0"/>
-              <a:t>모든 정보들을 같은 양식으로 되어 있어 </a:t>
-            </a:r>
-            <a:r>
-              <a:rPr lang="en-US" altLang="ko-KR" sz="1200" dirty="0" err="1"/>
-              <a:t>EyeInfo</a:t>
-            </a:r>
-            <a:r>
-              <a:rPr lang="ko-KR" altLang="en-US" sz="1200" dirty="0"/>
-              <a:t>라는 객체로 각 아이템을 표현합니다</a:t>
-            </a:r>
-            <a:r>
-              <a:rPr lang="en-US" altLang="ko-KR" sz="1200" dirty="0"/>
-              <a:t>.</a:t>
-            </a:r>
-            <a:r>
-              <a:rPr lang="ko-KR" altLang="en-US" sz="1200" dirty="0"/>
-              <a:t> </a:t>
-            </a:r>
-            <a:r>
-              <a:rPr lang="en-US" altLang="ko-KR" sz="1200" dirty="0"/>
-              <a:t>Value</a:t>
-            </a:r>
-            <a:r>
-              <a:rPr lang="ko-KR" altLang="en-US" sz="1200" dirty="0" err="1"/>
-              <a:t>를</a:t>
-            </a:r>
-            <a:r>
-              <a:rPr lang="ko-KR" altLang="en-US" sz="1200" dirty="0"/>
-              <a:t> 통해 </a:t>
-            </a:r>
-            <a:r>
-              <a:rPr lang="en-US" altLang="ko-KR" sz="1200" dirty="0"/>
-              <a:t>firebase instance</a:t>
-            </a:r>
-            <a:r>
-              <a:rPr lang="ko-KR" altLang="en-US" sz="1200" dirty="0" err="1"/>
-              <a:t>를</a:t>
-            </a:r>
-            <a:r>
-              <a:rPr lang="ko-KR" altLang="en-US" sz="1200" dirty="0"/>
-              <a:t> 전달받습니다</a:t>
-            </a:r>
-            <a:r>
-              <a:rPr lang="en-US" altLang="ko-KR" sz="1200" dirty="0"/>
+              <a:rPr lang="ko-KR" altLang="en-US" dirty="0"/>
+              <a:t>파이어 베이스 데이터베이스 인스턴스를 </a:t>
+            </a:r>
+            <a:r>
+              <a:rPr lang="en-US" altLang="ko-KR" dirty="0"/>
+              <a:t>Map</a:t>
+            </a:r>
+            <a:r>
+              <a:rPr lang="ko-KR" altLang="en-US" dirty="0"/>
+              <a:t>의 형태로 가져옵니다</a:t>
+            </a:r>
+            <a:r>
+              <a:rPr lang="en-US" altLang="ko-KR" dirty="0"/>
               <a:t>.</a:t>
             </a:r>
             <a:endParaRPr lang="ko-KR" altLang="en-US" dirty="0"/>
@@ -8170,7 +8178,7 @@
     </p:spTree>
     <p:extLst>
       <p:ext uri="{BB962C8B-B14F-4D97-AF65-F5344CB8AC3E}">
-        <p14:creationId xmlns:p14="http://schemas.microsoft.com/office/powerpoint/2010/main" val="3823875702"/>
+        <p14:creationId xmlns:p14="http://schemas.microsoft.com/office/powerpoint/2010/main" val="1024339931"/>
       </p:ext>
     </p:extLst>
   </p:cSld>
@@ -8245,15 +8253,43 @@
             </a:pPr>
             <a:r>
               <a:rPr lang="ko-KR" altLang="en-US" dirty="0"/>
-              <a:t>파이어 베이스 데이터베이스 인스턴스를 </a:t>
-            </a:r>
-            <a:r>
-              <a:rPr lang="en-US" altLang="ko-KR" dirty="0"/>
-              <a:t>Map</a:t>
+              <a:t>가져온 인스턴스를 </a:t>
+            </a:r>
+            <a:r>
+              <a:rPr lang="en-US" altLang="ko-KR" dirty="0" err="1"/>
+              <a:t>EyeDataClass</a:t>
             </a:r>
             <a:r>
               <a:rPr lang="ko-KR" altLang="en-US" dirty="0"/>
-              <a:t>의 형태로 가져옵니다</a:t>
+              <a:t>에 전달하고 </a:t>
+            </a:r>
+            <a:r>
+              <a:rPr lang="en-US" altLang="ko-KR" dirty="0" err="1"/>
+              <a:t>EyeTipActivity</a:t>
+            </a:r>
+            <a:r>
+              <a:rPr lang="ko-KR" altLang="en-US" dirty="0"/>
+              <a:t>에서 받은 </a:t>
+            </a:r>
+            <a:r>
+              <a:rPr lang="en-US" altLang="ko-KR" dirty="0" err="1"/>
+              <a:t>dbKey</a:t>
+            </a:r>
+            <a:r>
+              <a:rPr lang="ko-KR" altLang="en-US" dirty="0"/>
+              <a:t> 값에 따라 </a:t>
+            </a:r>
+            <a:r>
+              <a:rPr lang="en-US" altLang="ko-KR" dirty="0" err="1"/>
+              <a:t>recyclerViewAdapter</a:t>
+            </a:r>
+            <a:r>
+              <a:rPr lang="ko-KR" altLang="en-US" dirty="0" err="1"/>
+              <a:t>를</a:t>
+            </a:r>
+            <a:r>
+              <a:rPr lang="ko-KR" altLang="en-US" dirty="0"/>
+              <a:t> 적용합니다</a:t>
             </a:r>
             <a:r>
               <a:rPr lang="en-US" altLang="ko-KR" dirty="0"/>
@@ -8290,7 +8326,7 @@
     </p:spTree>
     <p:extLst>
       <p:ext uri="{BB962C8B-B14F-4D97-AF65-F5344CB8AC3E}">
-        <p14:creationId xmlns:p14="http://schemas.microsoft.com/office/powerpoint/2010/main" val="1024339931"/>
+        <p14:creationId xmlns:p14="http://schemas.microsoft.com/office/powerpoint/2010/main" val="3465245568"/>
       </p:ext>
     </p:extLst>
   </p:cSld>
@@ -8470,36 +8506,16 @@
               <a:defRPr/>
             </a:pPr>
             <a:r>
+              <a:rPr lang="en-US" altLang="ko-KR" dirty="0" err="1"/>
+              <a:t>RecylcerViewAdapter</a:t>
+            </a:r>
+            <a:r>
               <a:rPr lang="ko-KR" altLang="en-US" dirty="0"/>
-              <a:t>가져온 인스턴스를 </a:t>
+              <a:t>에서는 가져온 데이터베이스와 </a:t>
             </a:r>
             <a:r>
               <a:rPr lang="en-US" altLang="ko-KR" dirty="0" err="1"/>
-              <a:t>EyeDataClass</a:t>
-            </a:r>
-            <a:r>
-              <a:rPr lang="ko-KR" altLang="en-US" dirty="0"/>
-              <a:t>에 전달하고 </a:t>
-            </a:r>
-            <a:r>
-              <a:rPr lang="en-US" altLang="ko-KR" dirty="0" err="1"/>
-              <a:t>EyeTipActivity</a:t>
-            </a:r>
-            <a:r>
-              <a:rPr lang="ko-KR" altLang="en-US" dirty="0"/>
-              <a:t>에서 받은 </a:t>
-            </a:r>
-            <a:r>
-              <a:rPr lang="en-US" altLang="ko-KR" dirty="0" err="1"/>
-              <a:t>dbKey</a:t>
-            </a:r>
-            <a:r>
-              <a:rPr lang="ko-KR" altLang="en-US" dirty="0"/>
-              <a:t> 값에 따라 </a:t>
-            </a:r>
-            <a:r>
-              <a:rPr lang="en-US" altLang="ko-KR" dirty="0" err="1"/>
-              <a:t>recyclerViewAdapter</a:t>
+              <a:t>recyclerView</a:t>
             </a:r>
             <a:r>
               <a:rPr lang="ko-KR" altLang="en-US" dirty="0" err="1"/>
@@ -8507,7 +8523,15 @@
             </a:r>
             <a:r>
               <a:rPr lang="ko-KR" altLang="en-US" dirty="0"/>
-              <a:t> 적용합니다</a:t>
+              <a:t> </a:t>
+            </a:r>
+            <a:r>
+              <a:rPr lang="ko-KR" altLang="en-US" dirty="0" err="1"/>
+              <a:t>바인드하여</a:t>
+            </a:r>
+            <a:r>
+              <a:rPr lang="ko-KR" altLang="en-US" dirty="0"/>
+              <a:t> 사용자에게 제공합니다</a:t>
             </a:r>
             <a:r>
               <a:rPr lang="en-US" altLang="ko-KR" dirty="0"/>
@@ -8544,7 +8568,7 @@
     </p:spTree>
     <p:extLst>
       <p:ext uri="{BB962C8B-B14F-4D97-AF65-F5344CB8AC3E}">
-        <p14:creationId xmlns:p14="http://schemas.microsoft.com/office/powerpoint/2010/main" val="3465245568"/>
+        <p14:creationId xmlns:p14="http://schemas.microsoft.com/office/powerpoint/2010/main" val="1127977508"/>
       </p:ext>
     </p:extLst>
   </p:cSld>
@@ -8618,37 +8642,12 @@
               <a:defRPr/>
             </a:pPr>
             <a:r>
-              <a:rPr lang="en-US" altLang="ko-KR" dirty="0" err="1"/>
-              <a:t>RecylcerViewAdapter</a:t>
-            </a:r>
-            <a:r>
-              <a:rPr lang="ko-KR" altLang="en-US" dirty="0"/>
-              <a:t>에서는 가져온 데이터베이스와 </a:t>
-            </a:r>
-            <a:r>
-              <a:rPr lang="en-US" altLang="ko-KR" dirty="0" err="1"/>
-              <a:t>recyclerView</a:t>
-            </a:r>
-            <a:r>
-              <a:rPr lang="ko-KR" altLang="en-US" dirty="0" err="1"/>
-              <a:t>를</a:t>
-            </a:r>
-            <a:r>
-              <a:rPr lang="ko-KR" altLang="en-US" dirty="0"/>
-              <a:t> </a:t>
-            </a:r>
-            <a:r>
-              <a:rPr lang="ko-KR" altLang="en-US" dirty="0" err="1"/>
-              <a:t>바인드하여</a:t>
-            </a:r>
-            <a:r>
-              <a:rPr lang="ko-KR" altLang="en-US" dirty="0"/>
-              <a:t> 사용자에게 제공합니다</a:t>
-            </a:r>
-            <a:r>
-              <a:rPr lang="en-US" altLang="ko-KR" dirty="0"/>
-              <a:t>.</a:t>
-            </a:r>
+              <a:rPr lang="en-US" altLang="ko-KR" sz="1200" dirty="0"/>
+              <a:t>http://minheeblog.tistory.com/category/PPT</a:t>
+            </a:r>
+            <a:endParaRPr lang="ko-KR" altLang="en-US" sz="1200" dirty="0"/>
+          </a:p>
+          <a:p>
             <a:endParaRPr lang="ko-KR" altLang="en-US" dirty="0"/>
           </a:p>
         </p:txBody>
@@ -8680,7 +8679,7 @@
     </p:spTree>
     <p:extLst>
       <p:ext uri="{BB962C8B-B14F-4D97-AF65-F5344CB8AC3E}">
-        <p14:creationId xmlns:p14="http://schemas.microsoft.com/office/powerpoint/2010/main" val="1127977508"/>
+        <p14:creationId xmlns:p14="http://schemas.microsoft.com/office/powerpoint/2010/main" val="2594600762"/>
       </p:ext>
     </p:extLst>
   </p:cSld>
@@ -8791,7 +8790,7 @@
     </p:spTree>
     <p:extLst>
       <p:ext uri="{BB962C8B-B14F-4D97-AF65-F5344CB8AC3E}">
-        <p14:creationId xmlns:p14="http://schemas.microsoft.com/office/powerpoint/2010/main" val="2594600762"/>
+        <p14:creationId xmlns:p14="http://schemas.microsoft.com/office/powerpoint/2010/main" val="2973493988"/>
       </p:ext>
     </p:extLst>
   </p:cSld>
@@ -8902,7 +8901,7 @@
     </p:spTree>
     <p:extLst>
       <p:ext uri="{BB962C8B-B14F-4D97-AF65-F5344CB8AC3E}">
-        <p14:creationId xmlns:p14="http://schemas.microsoft.com/office/powerpoint/2010/main" val="2973493988"/>
+        <p14:creationId xmlns:p14="http://schemas.microsoft.com/office/powerpoint/2010/main" val="491041647"/>
       </p:ext>
     </p:extLst>
   </p:cSld>
@@ -9013,7 +9012,7 @@
     </p:spTree>
     <p:extLst>
       <p:ext uri="{BB962C8B-B14F-4D97-AF65-F5344CB8AC3E}">
-        <p14:creationId xmlns:p14="http://schemas.microsoft.com/office/powerpoint/2010/main" val="491041647"/>
+        <p14:creationId xmlns:p14="http://schemas.microsoft.com/office/powerpoint/2010/main" val="3904559952"/>
       </p:ext>
     </p:extLst>
   </p:cSld>
@@ -9115,18 +9114,13 @@
             <a:fld id="{04A4E647-5A0F-41E6-A0EF-B58D8C1C6CD4}" type="slidenum">
               <a:rPr lang="ko-KR" altLang="en-US" smtClean="0"/>
               <a:pPr/>
-              <a:t>25</a:t>
+              <a:t>26</a:t>
             </a:fld>
             <a:endParaRPr lang="ko-KR" altLang="en-US"/>
           </a:p>
         </p:txBody>
       </p:sp>
     </p:spTree>
-    <p:extLst>
-      <p:ext uri="{BB962C8B-B14F-4D97-AF65-F5344CB8AC3E}">
-        <p14:creationId xmlns:p14="http://schemas.microsoft.com/office/powerpoint/2010/main" val="3904559952"/>
-      </p:ext>
-    </p:extLst>
   </p:cSld>
   <p:clrMapOvr>
     <a:masterClrMapping/>
@@ -9738,9 +9732,6 @@
             </a:r>
             <a:endParaRPr lang="ko-KR" altLang="en-US" sz="1200" dirty="0"/>
           </a:p>
-          <a:p>
-            <a:endParaRPr lang="ko-KR" altLang="en-US" dirty="0"/>
-          </a:p>
         </p:txBody>
       </p:sp>
       <p:sp>
@@ -9844,6 +9835,9 @@
             </a:r>
             <a:endParaRPr lang="ko-KR" altLang="en-US" sz="1200" dirty="0"/>
           </a:p>
+          <a:p>
+            <a:endParaRPr lang="ko-KR" altLang="en-US" dirty="0"/>
+          </a:p>
         </p:txBody>
       </p:sp>
       <p:sp>
@@ -10077,112 +10071,6 @@
               <a:rPr lang="ko-KR" altLang="en-US" smtClean="0"/>
               <a:pPr/>
               <a:t>34</a:t>
-            </a:fld>
-            <a:endParaRPr lang="ko-KR" altLang="en-US"/>
-          </a:p>
-        </p:txBody>
-      </p:sp>
-    </p:spTree>
-  </p:cSld>
-  <p:clrMapOvr>
-    <a:masterClrMapping/>
-  </p:clrMapOvr>
-</p:notes>
-</file>
-
-<file path=ppt/notesSlides/notesSlide34.xml><?xml version="1.0" encoding="utf-8"?>
-<p:notes xmlns:a="http://schemas.openxmlformats.org/drawingml/2006/main" xmlns:r="http://schemas.openxmlformats.org/officeDocument/2006/relationships" xmlns:p="http://schemas.openxmlformats.org/presentationml/2006/main">
-  <p:cSld>
-    <p:spTree>
-      <p:nvGrpSpPr>
-        <p:cNvPr id="1" name=""/>
-        <p:cNvGrpSpPr/>
-        <p:nvPr/>
-      </p:nvGrpSpPr>
-      <p:grpSpPr>
-        <a:xfrm>
-          <a:off x="0" y="0"/>
-          <a:ext cx="0" cy="0"/>
-          <a:chOff x="0" y="0"/>
-          <a:chExt cx="0" cy="0"/>
-        </a:xfrm>
-      </p:grpSpPr>
-      <p:sp>
-        <p:nvSpPr>
-          <p:cNvPr id="2" name="슬라이드 이미지 개체 틀 1"/>
-          <p:cNvSpPr>
-            <a:spLocks noGrp="1" noRot="1" noChangeAspect="1"/>
-          </p:cNvSpPr>
-          <p:nvPr>
-            <p:ph type="sldImg"/>
-          </p:nvPr>
-        </p:nvSpPr>
-        <p:spPr/>
-      </p:sp>
-      <p:sp>
-        <p:nvSpPr>
-          <p:cNvPr id="3" name="슬라이드 노트 개체 틀 2"/>
-          <p:cNvSpPr>
-            <a:spLocks noGrp="1"/>
-          </p:cNvSpPr>
-          <p:nvPr>
-            <p:ph type="body" idx="1"/>
-          </p:nvPr>
-        </p:nvSpPr>
-        <p:spPr/>
-        <p:txBody>
-          <a:bodyPr>
-            <a:normAutofit/>
-          </a:bodyPr>
-          <a:lstStyle/>
-          <a:p>
-            <a:pPr marL="0" marR="0" indent="0" algn="l" defTabSz="914400" rtl="0" eaLnBrk="1" fontAlgn="auto" latinLnBrk="1" hangingPunct="1">
-              <a:lnSpc>
-                <a:spcPct val="100000"/>
-              </a:lnSpc>
-              <a:spcBef>
-                <a:spcPts val="0"/>
-              </a:spcBef>
-              <a:spcAft>
-                <a:spcPts val="0"/>
-              </a:spcAft>
-              <a:buClrTx/>
-              <a:buSzTx/>
-              <a:buFontTx/>
-              <a:buNone/>
-              <a:tabLst/>
-              <a:defRPr/>
-            </a:pPr>
-            <a:r>
-              <a:rPr lang="en-US" altLang="ko-KR" sz="1200" dirty="0"/>
-              <a:t>http://minheeblog.tistory.com/category/PPT</a:t>
-            </a:r>
-            <a:endParaRPr lang="ko-KR" altLang="en-US" sz="1200" dirty="0"/>
-          </a:p>
-          <a:p>
-            <a:endParaRPr lang="ko-KR" altLang="en-US" dirty="0"/>
-          </a:p>
-        </p:txBody>
-      </p:sp>
-      <p:sp>
-        <p:nvSpPr>
-          <p:cNvPr id="4" name="슬라이드 번호 개체 틀 3"/>
-          <p:cNvSpPr>
-            <a:spLocks noGrp="1"/>
-          </p:cNvSpPr>
-          <p:nvPr>
-            <p:ph type="sldNum" sz="quarter" idx="10"/>
-          </p:nvPr>
-        </p:nvSpPr>
-        <p:spPr/>
-        <p:txBody>
-          <a:bodyPr/>
-          <a:lstStyle/>
-          <a:p>
-            <a:fld id="{04A4E647-5A0F-41E6-A0EF-B58D8C1C6CD4}" type="slidenum">
-              <a:rPr lang="ko-KR" altLang="en-US" smtClean="0"/>
-              <a:pPr/>
-              <a:t>35</a:t>
             </a:fld>
             <a:endParaRPr lang="ko-KR" altLang="en-US"/>
           </a:p>
@@ -11150,7 +11038,7 @@
             <a:fld id="{A22FE722-38C7-4231-8BB5-7A27D4E5977D}" type="datetimeFigureOut">
               <a:rPr lang="ko-KR" altLang="en-US" smtClean="0"/>
               <a:pPr/>
-              <a:t>2019-12-01</a:t>
+              <a:t>2019-12-02</a:t>
             </a:fld>
             <a:endParaRPr lang="ko-KR" altLang="en-US"/>
           </a:p>
@@ -11315,7 +11203,7 @@
             <a:fld id="{A22FE722-38C7-4231-8BB5-7A27D4E5977D}" type="datetimeFigureOut">
               <a:rPr lang="ko-KR" altLang="en-US" smtClean="0"/>
               <a:pPr/>
-              <a:t>2019-12-01</a:t>
+              <a:t>2019-12-02</a:t>
             </a:fld>
             <a:endParaRPr lang="ko-KR" altLang="en-US"/>
           </a:p>
@@ -11490,7 +11378,7 @@
             <a:fld id="{A22FE722-38C7-4231-8BB5-7A27D4E5977D}" type="datetimeFigureOut">
               <a:rPr lang="ko-KR" altLang="en-US" smtClean="0"/>
               <a:pPr/>
-              <a:t>2019-12-01</a:t>
+              <a:t>2019-12-02</a:t>
             </a:fld>
             <a:endParaRPr lang="ko-KR" altLang="en-US"/>
           </a:p>
@@ -11655,7 +11543,7 @@
             <a:fld id="{A22FE722-38C7-4231-8BB5-7A27D4E5977D}" type="datetimeFigureOut">
               <a:rPr lang="ko-KR" altLang="en-US" smtClean="0"/>
               <a:pPr/>
-              <a:t>2019-12-01</a:t>
+              <a:t>2019-12-02</a:t>
             </a:fld>
             <a:endParaRPr lang="ko-KR" altLang="en-US"/>
           </a:p>
@@ -11897,7 +11785,7 @@
             <a:fld id="{A22FE722-38C7-4231-8BB5-7A27D4E5977D}" type="datetimeFigureOut">
               <a:rPr lang="ko-KR" altLang="en-US" smtClean="0"/>
               <a:pPr/>
-              <a:t>2019-12-01</a:t>
+              <a:t>2019-12-02</a:t>
             </a:fld>
             <a:endParaRPr lang="ko-KR" altLang="en-US"/>
           </a:p>
@@ -12179,7 +12067,7 @@
             <a:fld id="{A22FE722-38C7-4231-8BB5-7A27D4E5977D}" type="datetimeFigureOut">
               <a:rPr lang="ko-KR" altLang="en-US" smtClean="0"/>
               <a:pPr/>
-              <a:t>2019-12-01</a:t>
+              <a:t>2019-12-02</a:t>
             </a:fld>
             <a:endParaRPr lang="ko-KR" altLang="en-US"/>
           </a:p>
@@ -12595,7 +12483,7 @@
             <a:fld id="{A22FE722-38C7-4231-8BB5-7A27D4E5977D}" type="datetimeFigureOut">
               <a:rPr lang="ko-KR" altLang="en-US" smtClean="0"/>
               <a:pPr/>
-              <a:t>2019-12-01</a:t>
+              <a:t>2019-12-02</a:t>
             </a:fld>
             <a:endParaRPr lang="ko-KR" altLang="en-US"/>
           </a:p>
@@ -12709,7 +12597,7 @@
             <a:fld id="{A22FE722-38C7-4231-8BB5-7A27D4E5977D}" type="datetimeFigureOut">
               <a:rPr lang="ko-KR" altLang="en-US" smtClean="0"/>
               <a:pPr/>
-              <a:t>2019-12-01</a:t>
+              <a:t>2019-12-02</a:t>
             </a:fld>
             <a:endParaRPr lang="ko-KR" altLang="en-US"/>
           </a:p>
@@ -12801,7 +12689,7 @@
             <a:fld id="{A22FE722-38C7-4231-8BB5-7A27D4E5977D}" type="datetimeFigureOut">
               <a:rPr lang="ko-KR" altLang="en-US" smtClean="0"/>
               <a:pPr/>
-              <a:t>2019-12-01</a:t>
+              <a:t>2019-12-02</a:t>
             </a:fld>
             <a:endParaRPr lang="ko-KR" altLang="en-US"/>
           </a:p>
@@ -13073,7 +12961,7 @@
             <a:fld id="{A22FE722-38C7-4231-8BB5-7A27D4E5977D}" type="datetimeFigureOut">
               <a:rPr lang="ko-KR" altLang="en-US" smtClean="0"/>
               <a:pPr/>
-              <a:t>2019-12-01</a:t>
+              <a:t>2019-12-02</a:t>
             </a:fld>
             <a:endParaRPr lang="ko-KR" altLang="en-US"/>
           </a:p>
@@ -13322,7 +13210,7 @@
             <a:fld id="{A22FE722-38C7-4231-8BB5-7A27D4E5977D}" type="datetimeFigureOut">
               <a:rPr lang="ko-KR" altLang="en-US" smtClean="0"/>
               <a:pPr/>
-              <a:t>2019-12-01</a:t>
+              <a:t>2019-12-02</a:t>
             </a:fld>
             <a:endParaRPr lang="ko-KR" altLang="en-US"/>
           </a:p>
@@ -13530,7 +13418,7 @@
             <a:fld id="{A22FE722-38C7-4231-8BB5-7A27D4E5977D}" type="datetimeFigureOut">
               <a:rPr lang="ko-KR" altLang="en-US" smtClean="0"/>
               <a:pPr/>
-              <a:t>2019-12-01</a:t>
+              <a:t>2019-12-02</a:t>
             </a:fld>
             <a:endParaRPr lang="ko-KR" altLang="en-US"/>
           </a:p>
@@ -15666,47 +15554,6 @@
       </p:sp>
       <p:sp>
         <p:nvSpPr>
-          <p:cNvPr id="18" name="TextBox 17">
-            <a:extLst>
-              <a:ext uri="{FF2B5EF4-FFF2-40B4-BE49-F238E27FC236}">
-                <a16:creationId xmlns:a16="http://schemas.microsoft.com/office/drawing/2014/main" id="{E828F7CB-EC04-42D6-9D46-15462EAD419D}"/>
-              </a:ext>
-            </a:extLst>
-          </p:cNvPr>
-          <p:cNvSpPr txBox="1"/>
-          <p:nvPr/>
-        </p:nvSpPr>
-        <p:spPr>
-          <a:xfrm>
-            <a:off x="936668" y="1709538"/>
-            <a:ext cx="1980220" cy="506357"/>
-          </a:xfrm>
-          <a:prstGeom prst="rect">
-            <a:avLst/>
-          </a:prstGeom>
-          <a:noFill/>
-        </p:spPr>
-        <p:txBody>
-          <a:bodyPr wrap="square" rtlCol="0">
-            <a:spAutoFit/>
-          </a:bodyPr>
-          <a:lstStyle/>
-          <a:p>
-            <a:pPr fontAlgn="base">
-              <a:lnSpc>
-                <a:spcPct val="200000"/>
-              </a:lnSpc>
-            </a:pPr>
-            <a:r>
-              <a:rPr lang="en-US" altLang="ko-KR" sz="1600" b="1" dirty="0" err="1"/>
-              <a:t>NormalService.kt</a:t>
-            </a:r>
-            <a:endParaRPr lang="ko-KR" altLang="en-US" sz="1600" dirty="0"/>
-          </a:p>
-        </p:txBody>
-      </p:sp>
-      <p:sp>
-        <p:nvSpPr>
           <p:cNvPr id="20" name="TextBox 19">
             <a:extLst>
               <a:ext uri="{FF2B5EF4-FFF2-40B4-BE49-F238E27FC236}">
@@ -15809,10 +15656,10 @@
       </p:sp>
       <p:pic>
         <p:nvPicPr>
-          <p:cNvPr id="2" name="그림 1">
+          <p:cNvPr id="10" name="그림 9">
             <a:extLst>
               <a:ext uri="{FF2B5EF4-FFF2-40B4-BE49-F238E27FC236}">
-                <a16:creationId xmlns:a16="http://schemas.microsoft.com/office/drawing/2014/main" id="{7AAF7599-8921-4C08-82F8-5E1154C57076}"/>
+                <a16:creationId xmlns:a16="http://schemas.microsoft.com/office/drawing/2014/main" id="{9BED5CB5-EFB1-F146-A1C1-5DDB287BF2B1}"/>
               </a:ext>
             </a:extLst>
           </p:cNvPr>
@@ -15822,15 +15669,21 @@
           <p:nvPr/>
         </p:nvPicPr>
         <p:blipFill>
-          <a:blip r:embed="rId3"/>
+          <a:blip r:embed="rId3" cstate="print">
+            <a:extLst>
+              <a:ext uri="{28A0092B-C50C-407E-A947-70E740481C1C}">
+                <a14:useLocalDpi xmlns:a14="http://schemas.microsoft.com/office/drawing/2010/main" val="0"/>
+              </a:ext>
+            </a:extLst>
+          </a:blip>
           <a:stretch>
             <a:fillRect/>
           </a:stretch>
         </p:blipFill>
         <p:spPr>
           <a:xfrm>
-            <a:off x="827584" y="2482744"/>
-            <a:ext cx="1757363" cy="3124200"/>
+            <a:off x="899592" y="1995709"/>
+            <a:ext cx="2329815" cy="4120252"/>
           </a:xfrm>
           <a:prstGeom prst="rect">
             <a:avLst/>
@@ -15839,10 +15692,10 @@
       </p:pic>
       <p:pic>
         <p:nvPicPr>
-          <p:cNvPr id="4" name="그림 3">
+          <p:cNvPr id="5" name="그림 4" descr="모니터, 화면, 휴대폰, 전화이(가) 표시된 사진&#10;&#10;자동 생성된 설명">
             <a:extLst>
               <a:ext uri="{FF2B5EF4-FFF2-40B4-BE49-F238E27FC236}">
-                <a16:creationId xmlns:a16="http://schemas.microsoft.com/office/drawing/2014/main" id="{8EBC21B7-3357-4A62-9EA3-F2AE38BABA69}"/>
+                <a16:creationId xmlns:a16="http://schemas.microsoft.com/office/drawing/2014/main" id="{2C108302-DD40-584F-9663-2341BB32FC96}"/>
               </a:ext>
             </a:extLst>
           </p:cNvPr>
@@ -15852,15 +15705,21 @@
           <p:nvPr/>
         </p:nvPicPr>
         <p:blipFill>
-          <a:blip r:embed="rId4"/>
+          <a:blip r:embed="rId4" cstate="print">
+            <a:extLst>
+              <a:ext uri="{28A0092B-C50C-407E-A947-70E740481C1C}">
+                <a14:useLocalDpi xmlns:a14="http://schemas.microsoft.com/office/drawing/2010/main" val="0"/>
+              </a:ext>
+            </a:extLst>
+          </a:blip>
           <a:stretch>
             <a:fillRect/>
           </a:stretch>
         </p:blipFill>
         <p:spPr>
           <a:xfrm>
-            <a:off x="2604671" y="2482744"/>
-            <a:ext cx="1757363" cy="3124200"/>
+            <a:off x="3555844" y="2000292"/>
+            <a:ext cx="2358751" cy="4120253"/>
           </a:xfrm>
           <a:prstGeom prst="rect">
             <a:avLst/>
@@ -15869,10 +15728,10 @@
       </p:pic>
       <p:pic>
         <p:nvPicPr>
-          <p:cNvPr id="5" name="그림 4">
+          <p:cNvPr id="7" name="그림 6" descr="스크린샷, 모니터, 컴퓨터, 시계이(가) 표시된 사진&#10;&#10;자동 생성된 설명">
             <a:extLst>
               <a:ext uri="{FF2B5EF4-FFF2-40B4-BE49-F238E27FC236}">
-                <a16:creationId xmlns:a16="http://schemas.microsoft.com/office/drawing/2014/main" id="{8A7FAF8B-AC50-437C-8B05-09CFD38C75E7}"/>
+                <a16:creationId xmlns:a16="http://schemas.microsoft.com/office/drawing/2014/main" id="{B53DE4AB-E8BF-7F47-9B5A-16DF5A0BECEA}"/>
               </a:ext>
             </a:extLst>
           </p:cNvPr>
@@ -15882,45 +15741,21 @@
           <p:nvPr/>
         </p:nvPicPr>
         <p:blipFill>
-          <a:blip r:embed="rId5"/>
+          <a:blip r:embed="rId5" cstate="print">
+            <a:extLst>
+              <a:ext uri="{28A0092B-C50C-407E-A947-70E740481C1C}">
+                <a14:useLocalDpi xmlns:a14="http://schemas.microsoft.com/office/drawing/2010/main" val="0"/>
+              </a:ext>
+            </a:extLst>
+          </a:blip>
           <a:stretch>
             <a:fillRect/>
           </a:stretch>
         </p:blipFill>
         <p:spPr>
           <a:xfrm>
-            <a:off x="4381758" y="2482744"/>
-            <a:ext cx="1757363" cy="3124201"/>
-          </a:xfrm>
-          <a:prstGeom prst="rect">
-            <a:avLst/>
-          </a:prstGeom>
-        </p:spPr>
-      </p:pic>
-      <p:pic>
-        <p:nvPicPr>
-          <p:cNvPr id="7" name="그림 6">
-            <a:extLst>
-              <a:ext uri="{FF2B5EF4-FFF2-40B4-BE49-F238E27FC236}">
-                <a16:creationId xmlns:a16="http://schemas.microsoft.com/office/drawing/2014/main" id="{7DA1946D-5A00-4AFC-8D27-1A9F10C77F44}"/>
-              </a:ext>
-            </a:extLst>
-          </p:cNvPr>
-          <p:cNvPicPr>
-            <a:picLocks noChangeAspect="1"/>
-          </p:cNvPicPr>
-          <p:nvPr/>
-        </p:nvPicPr>
-        <p:blipFill>
-          <a:blip r:embed="rId6"/>
-          <a:stretch>
-            <a:fillRect/>
-          </a:stretch>
-        </p:blipFill>
-        <p:spPr>
-          <a:xfrm>
-            <a:off x="6174178" y="2489454"/>
-            <a:ext cx="1757364" cy="3124203"/>
+            <a:off x="6182030" y="1997138"/>
+            <a:ext cx="2252548" cy="4120253"/>
           </a:xfrm>
           <a:prstGeom prst="rect">
             <a:avLst/>
@@ -15930,7 +15765,7 @@
     </p:spTree>
     <p:extLst>
       <p:ext uri="{BB962C8B-B14F-4D97-AF65-F5344CB8AC3E}">
-        <p14:creationId xmlns:p14="http://schemas.microsoft.com/office/powerpoint/2010/main" val="3650555012"/>
+        <p14:creationId xmlns:p14="http://schemas.microsoft.com/office/powerpoint/2010/main" val="1585989475"/>
       </p:ext>
     </p:extLst>
   </p:cSld>
@@ -16251,10 +16086,10 @@
       </p:sp>
       <p:pic>
         <p:nvPicPr>
-          <p:cNvPr id="10" name="그림 9">
+          <p:cNvPr id="5" name="그림 4" descr="스크린샷, 그리기이(가) 표시된 사진&#10;&#10;자동 생성된 설명">
             <a:extLst>
               <a:ext uri="{FF2B5EF4-FFF2-40B4-BE49-F238E27FC236}">
-                <a16:creationId xmlns:a16="http://schemas.microsoft.com/office/drawing/2014/main" id="{9BED5CB5-EFB1-F146-A1C1-5DDB287BF2B1}"/>
+                <a16:creationId xmlns:a16="http://schemas.microsoft.com/office/drawing/2014/main" id="{E7E297FA-1395-EB4D-BC4E-6777BB3A945B}"/>
               </a:ext>
             </a:extLst>
           </p:cNvPr>
@@ -16277,8 +16112,8 @@
         </p:blipFill>
         <p:spPr>
           <a:xfrm>
-            <a:off x="899592" y="1995709"/>
-            <a:ext cx="2329815" cy="4120252"/>
+            <a:off x="4976068" y="1993765"/>
+            <a:ext cx="2329816" cy="4120253"/>
           </a:xfrm>
           <a:prstGeom prst="rect">
             <a:avLst/>
@@ -16287,10 +16122,10 @@
       </p:pic>
       <p:pic>
         <p:nvPicPr>
-          <p:cNvPr id="5" name="그림 4" descr="모니터, 화면, 휴대폰, 전화이(가) 표시된 사진&#10;&#10;자동 생성된 설명">
+          <p:cNvPr id="13" name="그림 12">
             <a:extLst>
               <a:ext uri="{FF2B5EF4-FFF2-40B4-BE49-F238E27FC236}">
-                <a16:creationId xmlns:a16="http://schemas.microsoft.com/office/drawing/2014/main" id="{2C108302-DD40-584F-9663-2341BB32FC96}"/>
+                <a16:creationId xmlns:a16="http://schemas.microsoft.com/office/drawing/2014/main" id="{ADE023BA-87BD-FB41-BE08-D1D3629CA1FE}"/>
               </a:ext>
             </a:extLst>
           </p:cNvPr>
@@ -16313,44 +16148,8 @@
         </p:blipFill>
         <p:spPr>
           <a:xfrm>
-            <a:off x="3555844" y="2000292"/>
-            <a:ext cx="2358751" cy="4120253"/>
-          </a:xfrm>
-          <a:prstGeom prst="rect">
-            <a:avLst/>
-          </a:prstGeom>
-        </p:spPr>
-      </p:pic>
-      <p:pic>
-        <p:nvPicPr>
-          <p:cNvPr id="7" name="그림 6" descr="스크린샷, 모니터, 컴퓨터, 시계이(가) 표시된 사진&#10;&#10;자동 생성된 설명">
-            <a:extLst>
-              <a:ext uri="{FF2B5EF4-FFF2-40B4-BE49-F238E27FC236}">
-                <a16:creationId xmlns:a16="http://schemas.microsoft.com/office/drawing/2014/main" id="{B53DE4AB-E8BF-7F47-9B5A-16DF5A0BECEA}"/>
-              </a:ext>
-            </a:extLst>
-          </p:cNvPr>
-          <p:cNvPicPr>
-            <a:picLocks noChangeAspect="1"/>
-          </p:cNvPicPr>
-          <p:nvPr/>
-        </p:nvPicPr>
-        <p:blipFill>
-          <a:blip r:embed="rId5" cstate="print">
-            <a:extLst>
-              <a:ext uri="{28A0092B-C50C-407E-A947-70E740481C1C}">
-                <a14:useLocalDpi xmlns:a14="http://schemas.microsoft.com/office/drawing/2010/main" val="0"/>
-              </a:ext>
-            </a:extLst>
-          </a:blip>
-          <a:stretch>
-            <a:fillRect/>
-          </a:stretch>
-        </p:blipFill>
-        <p:spPr>
-          <a:xfrm>
-            <a:off x="6182030" y="1997138"/>
-            <a:ext cx="2252548" cy="4120253"/>
+            <a:off x="1710193" y="1993765"/>
+            <a:ext cx="2329815" cy="4120252"/>
           </a:xfrm>
           <a:prstGeom prst="rect">
             <a:avLst/>
@@ -16360,7 +16159,7 @@
     </p:spTree>
     <p:extLst>
       <p:ext uri="{BB962C8B-B14F-4D97-AF65-F5344CB8AC3E}">
-        <p14:creationId xmlns:p14="http://schemas.microsoft.com/office/powerpoint/2010/main" val="1585989475"/>
+        <p14:creationId xmlns:p14="http://schemas.microsoft.com/office/powerpoint/2010/main" val="773285363"/>
       </p:ext>
     </p:extLst>
   </p:cSld>
@@ -16681,10 +16480,10 @@
       </p:sp>
       <p:pic>
         <p:nvPicPr>
-          <p:cNvPr id="5" name="그림 4" descr="스크린샷, 그리기이(가) 표시된 사진&#10;&#10;자동 생성된 설명">
+          <p:cNvPr id="4" name="그림 3" descr="스크린샷이(가) 표시된 사진&#10;&#10;자동 생성된 설명">
             <a:extLst>
               <a:ext uri="{FF2B5EF4-FFF2-40B4-BE49-F238E27FC236}">
-                <a16:creationId xmlns:a16="http://schemas.microsoft.com/office/drawing/2014/main" id="{E7E297FA-1395-EB4D-BC4E-6777BB3A945B}"/>
+                <a16:creationId xmlns:a16="http://schemas.microsoft.com/office/drawing/2014/main" id="{58898136-0E9C-3C49-92CF-5535DE11CB6B}"/>
               </a:ext>
             </a:extLst>
           </p:cNvPr>
@@ -16707,8 +16506,8 @@
         </p:blipFill>
         <p:spPr>
           <a:xfrm>
-            <a:off x="4976068" y="1993765"/>
-            <a:ext cx="2329816" cy="4120253"/>
+            <a:off x="740357" y="1942510"/>
+            <a:ext cx="2283245" cy="4120253"/>
           </a:xfrm>
           <a:prstGeom prst="rect">
             <a:avLst/>
@@ -16717,10 +16516,10 @@
       </p:pic>
       <p:pic>
         <p:nvPicPr>
-          <p:cNvPr id="13" name="그림 12">
+          <p:cNvPr id="7" name="그림 6" descr="스크린샷, 음식이(가) 표시된 사진&#10;&#10;자동 생성된 설명">
             <a:extLst>
               <a:ext uri="{FF2B5EF4-FFF2-40B4-BE49-F238E27FC236}">
-                <a16:creationId xmlns:a16="http://schemas.microsoft.com/office/drawing/2014/main" id="{ADE023BA-87BD-FB41-BE08-D1D3629CA1FE}"/>
+                <a16:creationId xmlns:a16="http://schemas.microsoft.com/office/drawing/2014/main" id="{C67696F1-86F5-A74F-9082-0ECA87A66F77}"/>
               </a:ext>
             </a:extLst>
           </p:cNvPr>
@@ -16743,8 +16542,44 @@
         </p:blipFill>
         <p:spPr>
           <a:xfrm>
-            <a:off x="1710193" y="1993765"/>
-            <a:ext cx="2329815" cy="4120252"/>
+            <a:off x="3412945" y="1938633"/>
+            <a:ext cx="2318109" cy="4120253"/>
+          </a:xfrm>
+          <a:prstGeom prst="rect">
+            <a:avLst/>
+          </a:prstGeom>
+        </p:spPr>
+      </p:pic>
+      <p:pic>
+        <p:nvPicPr>
+          <p:cNvPr id="10" name="그림 9" descr="스크린샷, 음식이(가) 표시된 사진&#10;&#10;자동 생성된 설명">
+            <a:extLst>
+              <a:ext uri="{FF2B5EF4-FFF2-40B4-BE49-F238E27FC236}">
+                <a16:creationId xmlns:a16="http://schemas.microsoft.com/office/drawing/2014/main" id="{4C3BF3D4-C1FD-5448-8CF7-86718CBC816A}"/>
+              </a:ext>
+            </a:extLst>
+          </p:cNvPr>
+          <p:cNvPicPr>
+            <a:picLocks noChangeAspect="1"/>
+          </p:cNvPicPr>
+          <p:nvPr/>
+        </p:nvPicPr>
+        <p:blipFill>
+          <a:blip r:embed="rId5" cstate="print">
+            <a:extLst>
+              <a:ext uri="{28A0092B-C50C-407E-A947-70E740481C1C}">
+                <a14:useLocalDpi xmlns:a14="http://schemas.microsoft.com/office/drawing/2010/main" val="0"/>
+              </a:ext>
+            </a:extLst>
+          </a:blip>
+          <a:stretch>
+            <a:fillRect/>
+          </a:stretch>
+        </p:blipFill>
+        <p:spPr>
+          <a:xfrm>
+            <a:off x="6120397" y="1945302"/>
+            <a:ext cx="2310165" cy="4113584"/>
           </a:xfrm>
           <a:prstGeom prst="rect">
             <a:avLst/>
@@ -16754,7 +16589,7 @@
     </p:spTree>
     <p:extLst>
       <p:ext uri="{BB962C8B-B14F-4D97-AF65-F5344CB8AC3E}">
-        <p14:creationId xmlns:p14="http://schemas.microsoft.com/office/powerpoint/2010/main" val="773285363"/>
+        <p14:creationId xmlns:p14="http://schemas.microsoft.com/office/powerpoint/2010/main" val="785008953"/>
       </p:ext>
     </p:extLst>
   </p:cSld>
@@ -16962,21 +16797,70 @@
           <a:p>
             <a:r>
               <a:rPr lang="en-US" altLang="ko-KR" b="1" spc="-150" dirty="0"/>
-              <a:t>3)  </a:t>
+              <a:t>4)  </a:t>
             </a:r>
             <a:r>
               <a:rPr lang="ko-KR" altLang="en-US" b="1" spc="-150" dirty="0"/>
-              <a:t>그래픽 설계</a:t>
-            </a:r>
-          </a:p>
-        </p:txBody>
-      </p:sp>
-      <p:sp>
-        <p:nvSpPr>
-          <p:cNvPr id="20" name="TextBox 19">
+              <a:t>데이터 설계</a:t>
+            </a:r>
+          </a:p>
+        </p:txBody>
+      </p:sp>
+      <p:sp>
+        <p:nvSpPr>
+          <p:cNvPr id="18" name="TextBox 17">
             <a:extLst>
               <a:ext uri="{FF2B5EF4-FFF2-40B4-BE49-F238E27FC236}">
-                <a16:creationId xmlns:a16="http://schemas.microsoft.com/office/drawing/2014/main" id="{69B4D2DC-0326-4307-BE53-59125F5E3B08}"/>
+                <a16:creationId xmlns:a16="http://schemas.microsoft.com/office/drawing/2014/main" id="{E828F7CB-EC04-42D6-9D46-15462EAD419D}"/>
+              </a:ext>
+            </a:extLst>
+          </p:cNvPr>
+          <p:cNvSpPr txBox="1"/>
+          <p:nvPr/>
+        </p:nvSpPr>
+        <p:spPr>
+          <a:xfrm>
+            <a:off x="936668" y="1709538"/>
+            <a:ext cx="6587660" cy="506357"/>
+          </a:xfrm>
+          <a:prstGeom prst="rect">
+            <a:avLst/>
+          </a:prstGeom>
+          <a:noFill/>
+        </p:spPr>
+        <p:txBody>
+          <a:bodyPr wrap="square" rtlCol="0">
+            <a:spAutoFit/>
+          </a:bodyPr>
+          <a:lstStyle/>
+          <a:p>
+            <a:pPr fontAlgn="base">
+              <a:lnSpc>
+                <a:spcPct val="200000"/>
+              </a:lnSpc>
+            </a:pPr>
+            <a:r>
+              <a:rPr lang="en-US" altLang="ko-KR" sz="1600" dirty="0" err="1"/>
+              <a:t>FirebaseRealtimeDatabase</a:t>
+            </a:r>
+            <a:r>
+              <a:rPr lang="en-US" altLang="ko-KR" sz="1600" dirty="0"/>
+              <a:t> &amp; </a:t>
+            </a:r>
+            <a:r>
+              <a:rPr lang="en-US" altLang="ko-KR" sz="1600" dirty="0" err="1"/>
+              <a:t>FirebaseStorage</a:t>
+            </a:r>
+            <a:endParaRPr lang="ko-KR" altLang="en-US" sz="1600" dirty="0"/>
+          </a:p>
+        </p:txBody>
+      </p:sp>
+      <p:sp>
+        <p:nvSpPr>
+          <p:cNvPr id="21" name="TextBox 20">
+            <a:extLst>
+              <a:ext uri="{FF2B5EF4-FFF2-40B4-BE49-F238E27FC236}">
+                <a16:creationId xmlns:a16="http://schemas.microsoft.com/office/drawing/2014/main" id="{49D7D781-9523-4842-A2F6-699E0C5946D4}"/>
               </a:ext>
             </a:extLst>
           </p:cNvPr>
@@ -17026,10 +16910,10 @@
       </p:sp>
       <p:sp>
         <p:nvSpPr>
-          <p:cNvPr id="21" name="TextBox 20">
+          <p:cNvPr id="22" name="TextBox 21">
             <a:extLst>
               <a:ext uri="{FF2B5EF4-FFF2-40B4-BE49-F238E27FC236}">
-                <a16:creationId xmlns:a16="http://schemas.microsoft.com/office/drawing/2014/main" id="{DBE42767-60CB-41A4-9572-83623D89CC12}"/>
+                <a16:creationId xmlns:a16="http://schemas.microsoft.com/office/drawing/2014/main" id="{F9E1DCCC-D0B8-4991-9B37-3982DEE09593}"/>
               </a:ext>
             </a:extLst>
           </p:cNvPr>
@@ -17075,10 +16959,10 @@
       </p:sp>
       <p:pic>
         <p:nvPicPr>
-          <p:cNvPr id="4" name="그림 3" descr="스크린샷이(가) 표시된 사진&#10;&#10;자동 생성된 설명">
+          <p:cNvPr id="2" name="그림 1">
             <a:extLst>
               <a:ext uri="{FF2B5EF4-FFF2-40B4-BE49-F238E27FC236}">
-                <a16:creationId xmlns:a16="http://schemas.microsoft.com/office/drawing/2014/main" id="{58898136-0E9C-3C49-92CF-5535DE11CB6B}"/>
+                <a16:creationId xmlns:a16="http://schemas.microsoft.com/office/drawing/2014/main" id="{AB9FE9E9-4437-49C2-9E31-DC496ACACFA7}"/>
               </a:ext>
             </a:extLst>
           </p:cNvPr>
@@ -17088,21 +16972,15 @@
           <p:nvPr/>
         </p:nvPicPr>
         <p:blipFill>
-          <a:blip r:embed="rId3" cstate="print">
-            <a:extLst>
-              <a:ext uri="{28A0092B-C50C-407E-A947-70E740481C1C}">
-                <a14:useLocalDpi xmlns:a14="http://schemas.microsoft.com/office/drawing/2010/main" val="0"/>
-              </a:ext>
-            </a:extLst>
-          </a:blip>
+          <a:blip r:embed="rId3"/>
           <a:stretch>
             <a:fillRect/>
           </a:stretch>
         </p:blipFill>
         <p:spPr>
           <a:xfrm>
-            <a:off x="740357" y="1942510"/>
-            <a:ext cx="2283245" cy="4120253"/>
+            <a:off x="539552" y="2444406"/>
+            <a:ext cx="4162313" cy="2536054"/>
           </a:xfrm>
           <a:prstGeom prst="rect">
             <a:avLst/>
@@ -17111,10 +16989,10 @@
       </p:pic>
       <p:pic>
         <p:nvPicPr>
-          <p:cNvPr id="7" name="그림 6" descr="스크린샷, 음식이(가) 표시된 사진&#10;&#10;자동 생성된 설명">
+          <p:cNvPr id="4" name="그림 3">
             <a:extLst>
               <a:ext uri="{FF2B5EF4-FFF2-40B4-BE49-F238E27FC236}">
-                <a16:creationId xmlns:a16="http://schemas.microsoft.com/office/drawing/2014/main" id="{C67696F1-86F5-A74F-9082-0ECA87A66F77}"/>
+                <a16:creationId xmlns:a16="http://schemas.microsoft.com/office/drawing/2014/main" id="{C1F9E423-35DF-4751-B46F-F459F8145CF3}"/>
               </a:ext>
             </a:extLst>
           </p:cNvPr>
@@ -17124,67 +17002,97 @@
           <p:nvPr/>
         </p:nvPicPr>
         <p:blipFill>
-          <a:blip r:embed="rId4" cstate="print">
-            <a:extLst>
-              <a:ext uri="{28A0092B-C50C-407E-A947-70E740481C1C}">
-                <a14:useLocalDpi xmlns:a14="http://schemas.microsoft.com/office/drawing/2010/main" val="0"/>
-              </a:ext>
-            </a:extLst>
-          </a:blip>
+          <a:blip r:embed="rId4"/>
           <a:stretch>
             <a:fillRect/>
           </a:stretch>
         </p:blipFill>
         <p:spPr>
           <a:xfrm>
-            <a:off x="3412945" y="1938633"/>
-            <a:ext cx="2318109" cy="4120253"/>
+            <a:off x="4230497" y="2441878"/>
+            <a:ext cx="4162313" cy="2536054"/>
           </a:xfrm>
           <a:prstGeom prst="rect">
             <a:avLst/>
           </a:prstGeom>
         </p:spPr>
       </p:pic>
-      <p:pic>
-        <p:nvPicPr>
-          <p:cNvPr id="10" name="그림 9" descr="스크린샷, 음식이(가) 표시된 사진&#10;&#10;자동 생성된 설명">
+      <p:sp>
+        <p:nvSpPr>
+          <p:cNvPr id="5" name="TextBox 4">
             <a:extLst>
               <a:ext uri="{FF2B5EF4-FFF2-40B4-BE49-F238E27FC236}">
-                <a16:creationId xmlns:a16="http://schemas.microsoft.com/office/drawing/2014/main" id="{4C3BF3D4-C1FD-5448-8CF7-86718CBC816A}"/>
+                <a16:creationId xmlns:a16="http://schemas.microsoft.com/office/drawing/2014/main" id="{4E86353F-467D-469F-B2FF-E8371816D3F7}"/>
               </a:ext>
             </a:extLst>
           </p:cNvPr>
-          <p:cNvPicPr>
-            <a:picLocks noChangeAspect="1"/>
-          </p:cNvPicPr>
-          <p:nvPr/>
-        </p:nvPicPr>
-        <p:blipFill>
-          <a:blip r:embed="rId5" cstate="print">
+          <p:cNvSpPr txBox="1"/>
+          <p:nvPr/>
+        </p:nvSpPr>
+        <p:spPr>
+          <a:xfrm>
+            <a:off x="1896847" y="5024305"/>
+            <a:ext cx="2088232" cy="369332"/>
+          </a:xfrm>
+          <a:prstGeom prst="rect">
+            <a:avLst/>
+          </a:prstGeom>
+          <a:noFill/>
+        </p:spPr>
+        <p:txBody>
+          <a:bodyPr wrap="square" rtlCol="0">
+            <a:spAutoFit/>
+          </a:bodyPr>
+          <a:lstStyle/>
+          <a:p>
+            <a:r>
+              <a:rPr lang="en-US" altLang="ko-KR" dirty="0"/>
+              <a:t>Database</a:t>
+            </a:r>
+            <a:endParaRPr lang="ko-KR" altLang="en-US" dirty="0"/>
+          </a:p>
+        </p:txBody>
+      </p:sp>
+      <p:sp>
+        <p:nvSpPr>
+          <p:cNvPr id="12" name="TextBox 11">
             <a:extLst>
-              <a:ext uri="{28A0092B-C50C-407E-A947-70E740481C1C}">
-                <a14:useLocalDpi xmlns:a14="http://schemas.microsoft.com/office/drawing/2010/main" val="0"/>
+              <a:ext uri="{FF2B5EF4-FFF2-40B4-BE49-F238E27FC236}">
+                <a16:creationId xmlns:a16="http://schemas.microsoft.com/office/drawing/2014/main" id="{56AB6F85-5FA8-4DE4-B7A4-3A56DCD85BD9}"/>
               </a:ext>
             </a:extLst>
-          </a:blip>
-          <a:stretch>
-            <a:fillRect/>
-          </a:stretch>
-        </p:blipFill>
-        <p:spPr>
-          <a:xfrm>
-            <a:off x="6120397" y="1945302"/>
-            <a:ext cx="2310165" cy="4113584"/>
+          </p:cNvPr>
+          <p:cNvSpPr txBox="1"/>
+          <p:nvPr/>
+        </p:nvSpPr>
+        <p:spPr>
+          <a:xfrm>
+            <a:off x="6012160" y="4993552"/>
+            <a:ext cx="2088232" cy="369332"/>
           </a:xfrm>
           <a:prstGeom prst="rect">
             <a:avLst/>
           </a:prstGeom>
-        </p:spPr>
-      </p:pic>
+          <a:noFill/>
+        </p:spPr>
+        <p:txBody>
+          <a:bodyPr wrap="square" rtlCol="0">
+            <a:spAutoFit/>
+          </a:bodyPr>
+          <a:lstStyle/>
+          <a:p>
+            <a:r>
+              <a:rPr lang="en-US" altLang="ko-KR" dirty="0"/>
+              <a:t>Storage</a:t>
+            </a:r>
+            <a:endParaRPr lang="ko-KR" altLang="en-US" dirty="0"/>
+          </a:p>
+        </p:txBody>
+      </p:sp>
     </p:spTree>
     <p:extLst>
       <p:ext uri="{BB962C8B-B14F-4D97-AF65-F5344CB8AC3E}">
-        <p14:creationId xmlns:p14="http://schemas.microsoft.com/office/powerpoint/2010/main" val="785008953"/>
+        <p14:creationId xmlns:p14="http://schemas.microsoft.com/office/powerpoint/2010/main" val="1575765091"/>
       </p:ext>
     </p:extLst>
   </p:cSld>
@@ -17267,7 +17175,7 @@
           <a:lstStyle/>
           <a:p>
             <a:pPr algn="ctr"/>
-            <a:endParaRPr lang="ko-KR" altLang="en-US"/>
+            <a:endParaRPr lang="ko-KR" altLang="en-US" dirty="0"/>
           </a:p>
         </p:txBody>
       </p:sp>
@@ -17403,55 +17311,6 @@
       </p:sp>
       <p:sp>
         <p:nvSpPr>
-          <p:cNvPr id="18" name="TextBox 17">
-            <a:extLst>
-              <a:ext uri="{FF2B5EF4-FFF2-40B4-BE49-F238E27FC236}">
-                <a16:creationId xmlns:a16="http://schemas.microsoft.com/office/drawing/2014/main" id="{E828F7CB-EC04-42D6-9D46-15462EAD419D}"/>
-              </a:ext>
-            </a:extLst>
-          </p:cNvPr>
-          <p:cNvSpPr txBox="1"/>
-          <p:nvPr/>
-        </p:nvSpPr>
-        <p:spPr>
-          <a:xfrm>
-            <a:off x="936668" y="1709538"/>
-            <a:ext cx="6587660" cy="506357"/>
-          </a:xfrm>
-          <a:prstGeom prst="rect">
-            <a:avLst/>
-          </a:prstGeom>
-          <a:noFill/>
-        </p:spPr>
-        <p:txBody>
-          <a:bodyPr wrap="square" rtlCol="0">
-            <a:spAutoFit/>
-          </a:bodyPr>
-          <a:lstStyle/>
-          <a:p>
-            <a:pPr fontAlgn="base">
-              <a:lnSpc>
-                <a:spcPct val="200000"/>
-              </a:lnSpc>
-            </a:pPr>
-            <a:r>
-              <a:rPr lang="en-US" altLang="ko-KR" sz="1600" dirty="0" err="1"/>
-              <a:t>FirebaseRealtimeDatabase</a:t>
-            </a:r>
-            <a:r>
-              <a:rPr lang="en-US" altLang="ko-KR" sz="1600" dirty="0"/>
-              <a:t> &amp; </a:t>
-            </a:r>
-            <a:r>
-              <a:rPr lang="en-US" altLang="ko-KR" sz="1600" dirty="0" err="1"/>
-              <a:t>FirebaseStorage</a:t>
-            </a:r>
-            <a:endParaRPr lang="ko-KR" altLang="en-US" sz="1600" dirty="0"/>
-          </a:p>
-        </p:txBody>
-      </p:sp>
-      <p:sp>
-        <p:nvSpPr>
           <p:cNvPr id="21" name="TextBox 20">
             <a:extLst>
               <a:ext uri="{FF2B5EF4-FFF2-40B4-BE49-F238E27FC236}">
@@ -17552,72 +17411,185 @@
           </a:p>
         </p:txBody>
       </p:sp>
-      <p:pic>
-        <p:nvPicPr>
-          <p:cNvPr id="2" name="그림 1">
+      <p:sp>
+        <p:nvSpPr>
+          <p:cNvPr id="2" name="직사각형 1">
             <a:extLst>
               <a:ext uri="{FF2B5EF4-FFF2-40B4-BE49-F238E27FC236}">
-                <a16:creationId xmlns:a16="http://schemas.microsoft.com/office/drawing/2014/main" id="{AB9FE9E9-4437-49C2-9E31-DC496ACACFA7}"/>
+                <a16:creationId xmlns:a16="http://schemas.microsoft.com/office/drawing/2014/main" id="{27CF4EFA-286C-1348-94D6-AB2205B35C69}"/>
               </a:ext>
             </a:extLst>
           </p:cNvPr>
-          <p:cNvPicPr>
-            <a:picLocks noChangeAspect="1"/>
-          </p:cNvPicPr>
-          <p:nvPr/>
-        </p:nvPicPr>
-        <p:blipFill>
-          <a:blip r:embed="rId3"/>
-          <a:stretch>
-            <a:fillRect/>
-          </a:stretch>
-        </p:blipFill>
-        <p:spPr>
-          <a:xfrm>
-            <a:off x="539552" y="2444406"/>
-            <a:ext cx="4162313" cy="2536054"/>
+          <p:cNvSpPr/>
+          <p:nvPr/>
+        </p:nvSpPr>
+        <p:spPr>
+          <a:xfrm>
+            <a:off x="971600" y="2204864"/>
+            <a:ext cx="2448272" cy="1492133"/>
           </a:xfrm>
           <a:prstGeom prst="rect">
             <a:avLst/>
           </a:prstGeom>
-        </p:spPr>
-      </p:pic>
-      <p:pic>
-        <p:nvPicPr>
-          <p:cNvPr id="4" name="그림 3">
+          <a:noFill/>
+          <a:ln w="38100">
+            <a:solidFill>
+              <a:schemeClr val="tx1"/>
+            </a:solidFill>
+          </a:ln>
+        </p:spPr>
+        <p:style>
+          <a:lnRef idx="2">
+            <a:schemeClr val="accent1">
+              <a:shade val="50000"/>
+            </a:schemeClr>
+          </a:lnRef>
+          <a:fillRef idx="1">
+            <a:schemeClr val="accent1"/>
+          </a:fillRef>
+          <a:effectRef idx="0">
+            <a:schemeClr val="accent1"/>
+          </a:effectRef>
+          <a:fontRef idx="minor">
+            <a:schemeClr val="lt1"/>
+          </a:fontRef>
+        </p:style>
+        <p:txBody>
+          <a:bodyPr rtlCol="0" anchor="ctr"/>
+          <a:lstStyle/>
+          <a:p>
+            <a:pPr algn="ctr"/>
+            <a:r>
+              <a:rPr kumimoji="1" lang="en-US" altLang="ko-KR" dirty="0" err="1">
+                <a:solidFill>
+                  <a:schemeClr val="tx1"/>
+                </a:solidFill>
+              </a:rPr>
+              <a:t>EyeTipSelectActivity.kt</a:t>
+            </a:r>
+            <a:endParaRPr kumimoji="1" lang="ko-KR" altLang="en-US" dirty="0">
+              <a:solidFill>
+                <a:schemeClr val="tx1"/>
+              </a:solidFill>
+            </a:endParaRPr>
+          </a:p>
+        </p:txBody>
+      </p:sp>
+      <p:sp>
+        <p:nvSpPr>
+          <p:cNvPr id="12" name="직사각형 11">
             <a:extLst>
               <a:ext uri="{FF2B5EF4-FFF2-40B4-BE49-F238E27FC236}">
-                <a16:creationId xmlns:a16="http://schemas.microsoft.com/office/drawing/2014/main" id="{C1F9E423-35DF-4751-B46F-F459F8145CF3}"/>
+                <a16:creationId xmlns:a16="http://schemas.microsoft.com/office/drawing/2014/main" id="{E834B03E-D234-6A49-B226-045AFA17C489}"/>
               </a:ext>
             </a:extLst>
           </p:cNvPr>
-          <p:cNvPicPr>
-            <a:picLocks noChangeAspect="1"/>
-          </p:cNvPicPr>
-          <p:nvPr/>
-        </p:nvPicPr>
-        <p:blipFill>
-          <a:blip r:embed="rId4"/>
-          <a:stretch>
-            <a:fillRect/>
-          </a:stretch>
-        </p:blipFill>
-        <p:spPr>
-          <a:xfrm>
-            <a:off x="4230497" y="2441878"/>
-            <a:ext cx="4162313" cy="2536054"/>
+          <p:cNvSpPr/>
+          <p:nvPr/>
+        </p:nvSpPr>
+        <p:spPr>
+          <a:xfrm>
+            <a:off x="5292080" y="2204864"/>
+            <a:ext cx="2448272" cy="1492133"/>
           </a:xfrm>
           <a:prstGeom prst="rect">
             <a:avLst/>
           </a:prstGeom>
-        </p:spPr>
-      </p:pic>
-      <p:sp>
-        <p:nvSpPr>
-          <p:cNvPr id="5" name="TextBox 4">
+          <a:noFill/>
+          <a:ln w="38100">
+            <a:solidFill>
+              <a:schemeClr val="tx1"/>
+            </a:solidFill>
+          </a:ln>
+        </p:spPr>
+        <p:style>
+          <a:lnRef idx="2">
+            <a:schemeClr val="accent1">
+              <a:shade val="50000"/>
+            </a:schemeClr>
+          </a:lnRef>
+          <a:fillRef idx="1">
+            <a:schemeClr val="accent1"/>
+          </a:fillRef>
+          <a:effectRef idx="0">
+            <a:schemeClr val="accent1"/>
+          </a:effectRef>
+          <a:fontRef idx="minor">
+            <a:schemeClr val="lt1"/>
+          </a:fontRef>
+        </p:style>
+        <p:txBody>
+          <a:bodyPr rtlCol="0" anchor="ctr"/>
+          <a:lstStyle/>
+          <a:p>
+            <a:pPr algn="ctr"/>
+            <a:r>
+              <a:rPr kumimoji="1" lang="en-US" altLang="ko-KR" dirty="0" err="1">
+                <a:solidFill>
+                  <a:schemeClr val="tx1"/>
+                </a:solidFill>
+              </a:rPr>
+              <a:t>EyeTipActivity.kt</a:t>
+            </a:r>
+            <a:endParaRPr kumimoji="1" lang="ko-KR" altLang="en-US" dirty="0">
+              <a:solidFill>
+                <a:schemeClr val="tx1"/>
+              </a:solidFill>
+            </a:endParaRPr>
+          </a:p>
+        </p:txBody>
+      </p:sp>
+      <p:cxnSp>
+        <p:nvCxnSpPr>
+          <p:cNvPr id="6" name="직선 화살표 연결선 5">
             <a:extLst>
               <a:ext uri="{FF2B5EF4-FFF2-40B4-BE49-F238E27FC236}">
-                <a16:creationId xmlns:a16="http://schemas.microsoft.com/office/drawing/2014/main" id="{4E86353F-467D-469F-B2FF-E8371816D3F7}"/>
+                <a16:creationId xmlns:a16="http://schemas.microsoft.com/office/drawing/2014/main" id="{D34377A1-5D71-6246-A1AB-8C496210BD35}"/>
+              </a:ext>
+            </a:extLst>
+          </p:cNvPr>
+          <p:cNvCxnSpPr>
+            <a:stCxn id="2" idx="3"/>
+            <a:endCxn id="12" idx="1"/>
+          </p:cNvCxnSpPr>
+          <p:nvPr/>
+        </p:nvCxnSpPr>
+        <p:spPr>
+          <a:xfrm>
+            <a:off x="3419872" y="2950931"/>
+            <a:ext cx="1872208" cy="0"/>
+          </a:xfrm>
+          <a:prstGeom prst="straightConnector1">
+            <a:avLst/>
+          </a:prstGeom>
+          <a:ln>
+            <a:solidFill>
+              <a:schemeClr val="tx1"/>
+            </a:solidFill>
+            <a:tailEnd type="triangle"/>
+          </a:ln>
+        </p:spPr>
+        <p:style>
+          <a:lnRef idx="1">
+            <a:schemeClr val="accent1"/>
+          </a:lnRef>
+          <a:fillRef idx="0">
+            <a:schemeClr val="accent1"/>
+          </a:fillRef>
+          <a:effectRef idx="0">
+            <a:schemeClr val="accent1"/>
+          </a:effectRef>
+          <a:fontRef idx="minor">
+            <a:schemeClr val="tx1"/>
+          </a:fontRef>
+        </p:style>
+      </p:cxnSp>
+      <p:sp>
+        <p:nvSpPr>
+          <p:cNvPr id="8" name="TextBox 7">
+            <a:extLst>
+              <a:ext uri="{FF2B5EF4-FFF2-40B4-BE49-F238E27FC236}">
+                <a16:creationId xmlns:a16="http://schemas.microsoft.com/office/drawing/2014/main" id="{1AFB5148-26E3-9D43-A9CB-F3CE7C0EBC33}"/>
               </a:ext>
             </a:extLst>
           </p:cNvPr>
@@ -17626,8 +17598,8 @@
         </p:nvSpPr>
         <p:spPr>
           <a:xfrm>
-            <a:off x="1896847" y="5024305"/>
-            <a:ext cx="2088232" cy="369332"/>
+            <a:off x="3493712" y="2722252"/>
+            <a:ext cx="1726360" cy="246221"/>
           </a:xfrm>
           <a:prstGeom prst="rect">
             <a:avLst/>
@@ -17641,19 +17613,128 @@
           <a:lstStyle/>
           <a:p>
             <a:r>
-              <a:rPr lang="en-US" altLang="ko-KR" dirty="0"/>
-              <a:t>Database</a:t>
-            </a:r>
-            <a:endParaRPr lang="ko-KR" altLang="en-US" dirty="0"/>
-          </a:p>
-        </p:txBody>
-      </p:sp>
-      <p:sp>
-        <p:nvSpPr>
-          <p:cNvPr id="12" name="TextBox 11">
+              <a:rPr kumimoji="1" lang="en-US" altLang="ko-KR" sz="1000" dirty="0"/>
+              <a:t>1.</a:t>
+            </a:r>
+            <a:r>
+              <a:rPr kumimoji="1" lang="ko-KR" altLang="en-US" sz="1000" dirty="0"/>
+              <a:t> 데이터베이스 종류 전달</a:t>
+            </a:r>
+          </a:p>
+        </p:txBody>
+      </p:sp>
+      <p:sp>
+        <p:nvSpPr>
+          <p:cNvPr id="17" name="직사각형 16">
             <a:extLst>
               <a:ext uri="{FF2B5EF4-FFF2-40B4-BE49-F238E27FC236}">
-                <a16:creationId xmlns:a16="http://schemas.microsoft.com/office/drawing/2014/main" id="{56AB6F85-5FA8-4DE4-B7A4-3A56DCD85BD9}"/>
+                <a16:creationId xmlns:a16="http://schemas.microsoft.com/office/drawing/2014/main" id="{56D10276-7A00-A246-97F7-4339C5674D3B}"/>
+              </a:ext>
+            </a:extLst>
+          </p:cNvPr>
+          <p:cNvSpPr/>
+          <p:nvPr/>
+        </p:nvSpPr>
+        <p:spPr>
+          <a:xfrm>
+            <a:off x="971600" y="4502866"/>
+            <a:ext cx="2448272" cy="1492133"/>
+          </a:xfrm>
+          <a:prstGeom prst="rect">
+            <a:avLst/>
+          </a:prstGeom>
+          <a:noFill/>
+          <a:ln w="38100">
+            <a:solidFill>
+              <a:schemeClr val="tx1"/>
+            </a:solidFill>
+          </a:ln>
+        </p:spPr>
+        <p:style>
+          <a:lnRef idx="2">
+            <a:schemeClr val="accent1">
+              <a:shade val="50000"/>
+            </a:schemeClr>
+          </a:lnRef>
+          <a:fillRef idx="1">
+            <a:schemeClr val="accent1"/>
+          </a:fillRef>
+          <a:effectRef idx="0">
+            <a:schemeClr val="accent1"/>
+          </a:effectRef>
+          <a:fontRef idx="minor">
+            <a:schemeClr val="lt1"/>
+          </a:fontRef>
+        </p:style>
+        <p:txBody>
+          <a:bodyPr rtlCol="0" anchor="ctr"/>
+          <a:lstStyle/>
+          <a:p>
+            <a:pPr algn="ctr"/>
+            <a:r>
+              <a:rPr kumimoji="1" lang="en-US" altLang="ko-KR" dirty="0" err="1">
+                <a:solidFill>
+                  <a:schemeClr val="tx1"/>
+                </a:solidFill>
+              </a:rPr>
+              <a:t>EyeDataClass.kt</a:t>
+            </a:r>
+            <a:endParaRPr kumimoji="1" lang="ko-KR" altLang="en-US" dirty="0">
+              <a:solidFill>
+                <a:schemeClr val="tx1"/>
+              </a:solidFill>
+            </a:endParaRPr>
+          </a:p>
+        </p:txBody>
+      </p:sp>
+      <p:cxnSp>
+        <p:nvCxnSpPr>
+          <p:cNvPr id="23" name="직선 화살표 연결선 22">
+            <a:extLst>
+              <a:ext uri="{FF2B5EF4-FFF2-40B4-BE49-F238E27FC236}">
+                <a16:creationId xmlns:a16="http://schemas.microsoft.com/office/drawing/2014/main" id="{AE5C4D61-97FC-AC48-8898-3CB87BB33910}"/>
+              </a:ext>
+            </a:extLst>
+          </p:cNvPr>
+          <p:cNvCxnSpPr/>
+          <p:nvPr/>
+        </p:nvCxnSpPr>
+        <p:spPr>
+          <a:xfrm flipH="1">
+            <a:off x="3203848" y="3609020"/>
+            <a:ext cx="2088232" cy="893846"/>
+          </a:xfrm>
+          <a:prstGeom prst="straightConnector1">
+            <a:avLst/>
+          </a:prstGeom>
+          <a:ln>
+            <a:solidFill>
+              <a:schemeClr val="tx1"/>
+            </a:solidFill>
+            <a:tailEnd type="triangle"/>
+          </a:ln>
+        </p:spPr>
+        <p:style>
+          <a:lnRef idx="1">
+            <a:schemeClr val="accent1"/>
+          </a:lnRef>
+          <a:fillRef idx="0">
+            <a:schemeClr val="accent1"/>
+          </a:fillRef>
+          <a:effectRef idx="0">
+            <a:schemeClr val="accent1"/>
+          </a:effectRef>
+          <a:fontRef idx="minor">
+            <a:schemeClr val="tx1"/>
+          </a:fontRef>
+        </p:style>
+      </p:cxnSp>
+      <p:sp>
+        <p:nvSpPr>
+          <p:cNvPr id="24" name="TextBox 23">
+            <a:extLst>
+              <a:ext uri="{FF2B5EF4-FFF2-40B4-BE49-F238E27FC236}">
+                <a16:creationId xmlns:a16="http://schemas.microsoft.com/office/drawing/2014/main" id="{E7975D2F-58FC-EC4E-8389-D8ACFDF22C95}"/>
               </a:ext>
             </a:extLst>
           </p:cNvPr>
@@ -17661,9 +17742,9 @@
           <p:nvPr/>
         </p:nvSpPr>
         <p:spPr>
-          <a:xfrm>
-            <a:off x="6012160" y="4993552"/>
-            <a:ext cx="2088232" cy="369332"/>
+          <a:xfrm rot="20248129">
+            <a:off x="3466273" y="3785430"/>
+            <a:ext cx="1659835" cy="246221"/>
           </a:xfrm>
           <a:prstGeom prst="rect">
             <a:avLst/>
@@ -17677,17 +17758,345 @@
           <a:lstStyle/>
           <a:p>
             <a:r>
-              <a:rPr lang="en-US" altLang="ko-KR" dirty="0"/>
-              <a:t>Storage</a:t>
-            </a:r>
-            <a:endParaRPr lang="ko-KR" altLang="en-US" dirty="0"/>
+              <a:rPr kumimoji="1" lang="en-US" altLang="ko-KR" sz="1000" dirty="0"/>
+              <a:t>2.</a:t>
+            </a:r>
+            <a:r>
+              <a:rPr kumimoji="1" lang="ko-KR" altLang="en-US" sz="1000" dirty="0"/>
+              <a:t> </a:t>
+            </a:r>
+            <a:r>
+              <a:rPr kumimoji="1" lang="en-US" altLang="ko-KR" sz="1000" dirty="0"/>
+              <a:t>Firebase instance </a:t>
+            </a:r>
+            <a:r>
+              <a:rPr kumimoji="1" lang="ko-KR" altLang="en-US" sz="1000" dirty="0"/>
+              <a:t>전달</a:t>
+            </a:r>
+          </a:p>
+        </p:txBody>
+      </p:sp>
+      <p:cxnSp>
+        <p:nvCxnSpPr>
+          <p:cNvPr id="26" name="직선 화살표 연결선 25">
+            <a:extLst>
+              <a:ext uri="{FF2B5EF4-FFF2-40B4-BE49-F238E27FC236}">
+                <a16:creationId xmlns:a16="http://schemas.microsoft.com/office/drawing/2014/main" id="{4B3E6926-A93D-F743-AEE8-1820859A84D6}"/>
+              </a:ext>
+            </a:extLst>
+          </p:cNvPr>
+          <p:cNvCxnSpPr>
+            <a:cxnSpLocks/>
+          </p:cNvCxnSpPr>
+          <p:nvPr/>
+        </p:nvCxnSpPr>
+        <p:spPr>
+          <a:xfrm flipV="1">
+            <a:off x="3419872" y="3696997"/>
+            <a:ext cx="2232248" cy="956140"/>
+          </a:xfrm>
+          <a:prstGeom prst="straightConnector1">
+            <a:avLst/>
+          </a:prstGeom>
+          <a:ln>
+            <a:solidFill>
+              <a:schemeClr val="tx1"/>
+            </a:solidFill>
+            <a:tailEnd type="triangle"/>
+          </a:ln>
+        </p:spPr>
+        <p:style>
+          <a:lnRef idx="1">
+            <a:schemeClr val="accent1"/>
+          </a:lnRef>
+          <a:fillRef idx="0">
+            <a:schemeClr val="accent1"/>
+          </a:fillRef>
+          <a:effectRef idx="0">
+            <a:schemeClr val="accent1"/>
+          </a:effectRef>
+          <a:fontRef idx="minor">
+            <a:schemeClr val="tx1"/>
+          </a:fontRef>
+        </p:style>
+      </p:cxnSp>
+      <p:sp>
+        <p:nvSpPr>
+          <p:cNvPr id="28" name="TextBox 27">
+            <a:extLst>
+              <a:ext uri="{FF2B5EF4-FFF2-40B4-BE49-F238E27FC236}">
+                <a16:creationId xmlns:a16="http://schemas.microsoft.com/office/drawing/2014/main" id="{CFC1CA1D-5E55-9E4E-A0C3-FDC7326C9FB6}"/>
+              </a:ext>
+            </a:extLst>
+          </p:cNvPr>
+          <p:cNvSpPr txBox="1"/>
+          <p:nvPr/>
+        </p:nvSpPr>
+        <p:spPr>
+          <a:xfrm rot="20179173">
+            <a:off x="3689398" y="4212835"/>
+            <a:ext cx="1555380" cy="400110"/>
+          </a:xfrm>
+          <a:prstGeom prst="rect">
+            <a:avLst/>
+          </a:prstGeom>
+          <a:noFill/>
+        </p:spPr>
+        <p:txBody>
+          <a:bodyPr wrap="square" rtlCol="0">
+            <a:spAutoFit/>
+          </a:bodyPr>
+          <a:lstStyle/>
+          <a:p>
+            <a:r>
+              <a:rPr kumimoji="1" lang="en-US" altLang="ko-KR" sz="1000" dirty="0"/>
+              <a:t>3.</a:t>
+            </a:r>
+            <a:r>
+              <a:rPr kumimoji="1" lang="ko-KR" altLang="en-US" sz="1000" dirty="0"/>
+              <a:t> 해당 데이터베이스에 맞는 데이터 배열 전달</a:t>
+            </a:r>
+          </a:p>
+        </p:txBody>
+      </p:sp>
+      <p:sp>
+        <p:nvSpPr>
+          <p:cNvPr id="29" name="직사각형 28">
+            <a:extLst>
+              <a:ext uri="{FF2B5EF4-FFF2-40B4-BE49-F238E27FC236}">
+                <a16:creationId xmlns:a16="http://schemas.microsoft.com/office/drawing/2014/main" id="{A8D5E246-EF78-CC4B-B6AD-69811EA1C8E4}"/>
+              </a:ext>
+            </a:extLst>
+          </p:cNvPr>
+          <p:cNvSpPr/>
+          <p:nvPr/>
+        </p:nvSpPr>
+        <p:spPr>
+          <a:xfrm>
+            <a:off x="5290248" y="4492967"/>
+            <a:ext cx="2593754" cy="1492133"/>
+          </a:xfrm>
+          <a:prstGeom prst="rect">
+            <a:avLst/>
+          </a:prstGeom>
+          <a:noFill/>
+          <a:ln w="38100">
+            <a:solidFill>
+              <a:schemeClr val="tx1"/>
+            </a:solidFill>
+          </a:ln>
+        </p:spPr>
+        <p:style>
+          <a:lnRef idx="2">
+            <a:schemeClr val="accent1">
+              <a:shade val="50000"/>
+            </a:schemeClr>
+          </a:lnRef>
+          <a:fillRef idx="1">
+            <a:schemeClr val="accent1"/>
+          </a:fillRef>
+          <a:effectRef idx="0">
+            <a:schemeClr val="accent1"/>
+          </a:effectRef>
+          <a:fontRef idx="minor">
+            <a:schemeClr val="lt1"/>
+          </a:fontRef>
+        </p:style>
+        <p:txBody>
+          <a:bodyPr rtlCol="0" anchor="ctr"/>
+          <a:lstStyle/>
+          <a:p>
+            <a:pPr algn="ctr"/>
+            <a:r>
+              <a:rPr kumimoji="1" lang="en-US" altLang="ko-KR" dirty="0" err="1">
+                <a:solidFill>
+                  <a:schemeClr val="tx1"/>
+                </a:solidFill>
+              </a:rPr>
+              <a:t>recyclerViewAdapter.kt</a:t>
+            </a:r>
+            <a:endParaRPr kumimoji="1" lang="ko-KR" altLang="en-US" dirty="0">
+              <a:solidFill>
+                <a:schemeClr val="tx1"/>
+              </a:solidFill>
+            </a:endParaRPr>
+          </a:p>
+        </p:txBody>
+      </p:sp>
+      <p:cxnSp>
+        <p:nvCxnSpPr>
+          <p:cNvPr id="31" name="직선 화살표 연결선 30">
+            <a:extLst>
+              <a:ext uri="{FF2B5EF4-FFF2-40B4-BE49-F238E27FC236}">
+                <a16:creationId xmlns:a16="http://schemas.microsoft.com/office/drawing/2014/main" id="{BF544F0F-A3AF-A449-8FA8-60030ACCAE30}"/>
+              </a:ext>
+            </a:extLst>
+          </p:cNvPr>
+          <p:cNvCxnSpPr/>
+          <p:nvPr/>
+        </p:nvCxnSpPr>
+        <p:spPr>
+          <a:xfrm>
+            <a:off x="6156176" y="3696997"/>
+            <a:ext cx="0" cy="805868"/>
+          </a:xfrm>
+          <a:prstGeom prst="straightConnector1">
+            <a:avLst/>
+          </a:prstGeom>
+          <a:ln>
+            <a:solidFill>
+              <a:schemeClr val="tx1"/>
+            </a:solidFill>
+            <a:tailEnd type="triangle"/>
+          </a:ln>
+        </p:spPr>
+        <p:style>
+          <a:lnRef idx="1">
+            <a:schemeClr val="accent1"/>
+          </a:lnRef>
+          <a:fillRef idx="0">
+            <a:schemeClr val="accent1"/>
+          </a:fillRef>
+          <a:effectRef idx="0">
+            <a:schemeClr val="accent1"/>
+          </a:effectRef>
+          <a:fontRef idx="minor">
+            <a:schemeClr val="tx1"/>
+          </a:fontRef>
+        </p:style>
+      </p:cxnSp>
+      <p:sp>
+        <p:nvSpPr>
+          <p:cNvPr id="32" name="TextBox 31">
+            <a:extLst>
+              <a:ext uri="{FF2B5EF4-FFF2-40B4-BE49-F238E27FC236}">
+                <a16:creationId xmlns:a16="http://schemas.microsoft.com/office/drawing/2014/main" id="{B2783901-421C-DC41-A9D7-C198A762F45D}"/>
+              </a:ext>
+            </a:extLst>
+          </p:cNvPr>
+          <p:cNvSpPr txBox="1"/>
+          <p:nvPr/>
+        </p:nvSpPr>
+        <p:spPr>
+          <a:xfrm>
+            <a:off x="5219996" y="3988184"/>
+            <a:ext cx="1584176" cy="246221"/>
+          </a:xfrm>
+          <a:prstGeom prst="rect">
+            <a:avLst/>
+          </a:prstGeom>
+          <a:noFill/>
+        </p:spPr>
+        <p:txBody>
+          <a:bodyPr wrap="square" rtlCol="0">
+            <a:spAutoFit/>
+          </a:bodyPr>
+          <a:lstStyle/>
+          <a:p>
+            <a:r>
+              <a:rPr kumimoji="1" lang="en-US" altLang="ko-KR" sz="1000" dirty="0"/>
+              <a:t>4.</a:t>
+            </a:r>
+            <a:r>
+              <a:rPr kumimoji="1" lang="ko-KR" altLang="en-US" sz="1000" dirty="0"/>
+              <a:t> 데이터 배열 전달</a:t>
+            </a:r>
+          </a:p>
+        </p:txBody>
+      </p:sp>
+      <p:cxnSp>
+        <p:nvCxnSpPr>
+          <p:cNvPr id="34" name="직선 화살표 연결선 33">
+            <a:extLst>
+              <a:ext uri="{FF2B5EF4-FFF2-40B4-BE49-F238E27FC236}">
+                <a16:creationId xmlns:a16="http://schemas.microsoft.com/office/drawing/2014/main" id="{FE0BCBA1-2C3D-CC47-BB50-383AEDFA99D7}"/>
+              </a:ext>
+            </a:extLst>
+          </p:cNvPr>
+          <p:cNvCxnSpPr/>
+          <p:nvPr/>
+        </p:nvCxnSpPr>
+        <p:spPr>
+          <a:xfrm flipV="1">
+            <a:off x="7020273" y="3696995"/>
+            <a:ext cx="0" cy="776355"/>
+          </a:xfrm>
+          <a:prstGeom prst="straightConnector1">
+            <a:avLst/>
+          </a:prstGeom>
+          <a:ln>
+            <a:solidFill>
+              <a:schemeClr val="tx1"/>
+            </a:solidFill>
+            <a:tailEnd type="triangle"/>
+          </a:ln>
+        </p:spPr>
+        <p:style>
+          <a:lnRef idx="1">
+            <a:schemeClr val="accent1"/>
+          </a:lnRef>
+          <a:fillRef idx="0">
+            <a:schemeClr val="accent1"/>
+          </a:fillRef>
+          <a:effectRef idx="0">
+            <a:schemeClr val="accent1"/>
+          </a:effectRef>
+          <a:fontRef idx="minor">
+            <a:schemeClr val="tx1"/>
+          </a:fontRef>
+        </p:style>
+      </p:cxnSp>
+      <p:sp>
+        <p:nvSpPr>
+          <p:cNvPr id="35" name="TextBox 34">
+            <a:extLst>
+              <a:ext uri="{FF2B5EF4-FFF2-40B4-BE49-F238E27FC236}">
+                <a16:creationId xmlns:a16="http://schemas.microsoft.com/office/drawing/2014/main" id="{6D3C852E-E520-A64E-B766-1FC5B4DE45E2}"/>
+              </a:ext>
+            </a:extLst>
+          </p:cNvPr>
+          <p:cNvSpPr txBox="1"/>
+          <p:nvPr/>
+        </p:nvSpPr>
+        <p:spPr>
+          <a:xfrm>
+            <a:off x="6981456" y="3911922"/>
+            <a:ext cx="1584176" cy="400110"/>
+          </a:xfrm>
+          <a:prstGeom prst="rect">
+            <a:avLst/>
+          </a:prstGeom>
+          <a:noFill/>
+        </p:spPr>
+        <p:txBody>
+          <a:bodyPr wrap="square" rtlCol="0">
+            <a:spAutoFit/>
+          </a:bodyPr>
+          <a:lstStyle/>
+          <a:p>
+            <a:r>
+              <a:rPr kumimoji="1" lang="en-US" altLang="ko-KR" sz="1000" dirty="0"/>
+              <a:t>5.</a:t>
+            </a:r>
+            <a:r>
+              <a:rPr kumimoji="1" lang="ko-KR" altLang="en-US" sz="1000" dirty="0"/>
+              <a:t> 전달된 데이터 배열을 </a:t>
+            </a:r>
+            <a:r>
+              <a:rPr kumimoji="1" lang="en-US" altLang="ko-KR" sz="1000" dirty="0" err="1"/>
+              <a:t>recyclerView</a:t>
+            </a:r>
+            <a:r>
+              <a:rPr kumimoji="1" lang="ko-KR" altLang="en-US" sz="1000" dirty="0"/>
+              <a:t>와 바인딩</a:t>
+            </a:r>
           </a:p>
         </p:txBody>
       </p:sp>
     </p:spTree>
     <p:extLst>
       <p:ext uri="{BB962C8B-B14F-4D97-AF65-F5344CB8AC3E}">
-        <p14:creationId xmlns:p14="http://schemas.microsoft.com/office/powerpoint/2010/main" val="1575765091"/>
+        <p14:creationId xmlns:p14="http://schemas.microsoft.com/office/powerpoint/2010/main" val="3645421146"/>
       </p:ext>
     </p:extLst>
   </p:cSld>
@@ -17770,7 +18179,7 @@
           <a:lstStyle/>
           <a:p>
             <a:pPr algn="ctr"/>
-            <a:endParaRPr lang="ko-KR" altLang="en-US" dirty="0"/>
+            <a:endParaRPr lang="ko-KR" altLang="en-US"/>
           </a:p>
         </p:txBody>
       </p:sp>
@@ -17906,6 +18315,47 @@
       </p:sp>
       <p:sp>
         <p:nvSpPr>
+          <p:cNvPr id="18" name="TextBox 17">
+            <a:extLst>
+              <a:ext uri="{FF2B5EF4-FFF2-40B4-BE49-F238E27FC236}">
+                <a16:creationId xmlns:a16="http://schemas.microsoft.com/office/drawing/2014/main" id="{E828F7CB-EC04-42D6-9D46-15462EAD419D}"/>
+              </a:ext>
+            </a:extLst>
+          </p:cNvPr>
+          <p:cNvSpPr txBox="1"/>
+          <p:nvPr/>
+        </p:nvSpPr>
+        <p:spPr>
+          <a:xfrm>
+            <a:off x="936668" y="1709538"/>
+            <a:ext cx="1980220" cy="506357"/>
+          </a:xfrm>
+          <a:prstGeom prst="rect">
+            <a:avLst/>
+          </a:prstGeom>
+          <a:noFill/>
+        </p:spPr>
+        <p:txBody>
+          <a:bodyPr wrap="square" rtlCol="0">
+            <a:spAutoFit/>
+          </a:bodyPr>
+          <a:lstStyle/>
+          <a:p>
+            <a:pPr fontAlgn="base">
+              <a:lnSpc>
+                <a:spcPct val="200000"/>
+              </a:lnSpc>
+            </a:pPr>
+            <a:r>
+              <a:rPr lang="en-US" altLang="ko-KR" sz="1600" b="1" dirty="0" err="1"/>
+              <a:t>EyeDataClass.kt</a:t>
+            </a:r>
+            <a:endParaRPr lang="ko-KR" altLang="en-US" sz="1600" dirty="0"/>
+          </a:p>
+        </p:txBody>
+      </p:sp>
+      <p:sp>
+        <p:nvSpPr>
           <p:cNvPr id="21" name="TextBox 20">
             <a:extLst>
               <a:ext uri="{FF2B5EF4-FFF2-40B4-BE49-F238E27FC236}">
@@ -18006,692 +18456,46 @@
           </a:p>
         </p:txBody>
       </p:sp>
-      <p:sp>
-        <p:nvSpPr>
-          <p:cNvPr id="2" name="직사각형 1">
+      <p:pic>
+        <p:nvPicPr>
+          <p:cNvPr id="4" name="그림 3" descr="스크린샷이(가) 표시된 사진&#10;&#10;자동 생성된 설명">
             <a:extLst>
               <a:ext uri="{FF2B5EF4-FFF2-40B4-BE49-F238E27FC236}">
-                <a16:creationId xmlns:a16="http://schemas.microsoft.com/office/drawing/2014/main" id="{27CF4EFA-286C-1348-94D6-AB2205B35C69}"/>
+                <a16:creationId xmlns:a16="http://schemas.microsoft.com/office/drawing/2014/main" id="{AD1F54DE-9277-F74D-B1DD-5337289697E4}"/>
               </a:ext>
             </a:extLst>
           </p:cNvPr>
-          <p:cNvSpPr/>
-          <p:nvPr/>
-        </p:nvSpPr>
-        <p:spPr>
-          <a:xfrm>
-            <a:off x="971600" y="2204864"/>
-            <a:ext cx="2448272" cy="1492133"/>
-          </a:xfrm>
-          <a:prstGeom prst="rect">
-            <a:avLst/>
-          </a:prstGeom>
-          <a:noFill/>
-          <a:ln w="38100">
-            <a:solidFill>
-              <a:schemeClr val="tx1"/>
-            </a:solidFill>
-          </a:ln>
-        </p:spPr>
-        <p:style>
-          <a:lnRef idx="2">
-            <a:schemeClr val="accent1">
-              <a:shade val="50000"/>
-            </a:schemeClr>
-          </a:lnRef>
-          <a:fillRef idx="1">
-            <a:schemeClr val="accent1"/>
-          </a:fillRef>
-          <a:effectRef idx="0">
-            <a:schemeClr val="accent1"/>
-          </a:effectRef>
-          <a:fontRef idx="minor">
-            <a:schemeClr val="lt1"/>
-          </a:fontRef>
-        </p:style>
-        <p:txBody>
-          <a:bodyPr rtlCol="0" anchor="ctr"/>
-          <a:lstStyle/>
-          <a:p>
-            <a:pPr algn="ctr"/>
-            <a:r>
-              <a:rPr kumimoji="1" lang="en-US" altLang="ko-KR" dirty="0" err="1">
-                <a:solidFill>
-                  <a:schemeClr val="tx1"/>
-                </a:solidFill>
-              </a:rPr>
-              <a:t>EyeTipSelectActivity.kt</a:t>
-            </a:r>
-            <a:endParaRPr kumimoji="1" lang="ko-KR" altLang="en-US" dirty="0">
-              <a:solidFill>
-                <a:schemeClr val="tx1"/>
-              </a:solidFill>
-            </a:endParaRPr>
-          </a:p>
-        </p:txBody>
-      </p:sp>
-      <p:sp>
-        <p:nvSpPr>
-          <p:cNvPr id="12" name="직사각형 11">
+          <p:cNvPicPr>
+            <a:picLocks noChangeAspect="1"/>
+          </p:cNvPicPr>
+          <p:nvPr/>
+        </p:nvPicPr>
+        <p:blipFill>
+          <a:blip r:embed="rId3" cstate="print">
             <a:extLst>
-              <a:ext uri="{FF2B5EF4-FFF2-40B4-BE49-F238E27FC236}">
-                <a16:creationId xmlns:a16="http://schemas.microsoft.com/office/drawing/2014/main" id="{E834B03E-D234-6A49-B226-045AFA17C489}"/>
+              <a:ext uri="{28A0092B-C50C-407E-A947-70E740481C1C}">
+                <a14:useLocalDpi xmlns:a14="http://schemas.microsoft.com/office/drawing/2010/main" val="0"/>
               </a:ext>
             </a:extLst>
-          </p:cNvPr>
-          <p:cNvSpPr/>
-          <p:nvPr/>
-        </p:nvSpPr>
-        <p:spPr>
-          <a:xfrm>
-            <a:off x="5292080" y="2204864"/>
-            <a:ext cx="2448272" cy="1492133"/>
+          </a:blip>
+          <a:stretch>
+            <a:fillRect/>
+          </a:stretch>
+        </p:blipFill>
+        <p:spPr>
+          <a:xfrm>
+            <a:off x="899028" y="2398140"/>
+            <a:ext cx="7308304" cy="3800040"/>
           </a:xfrm>
           <a:prstGeom prst="rect">
             <a:avLst/>
           </a:prstGeom>
-          <a:noFill/>
-          <a:ln w="38100">
-            <a:solidFill>
-              <a:schemeClr val="tx1"/>
-            </a:solidFill>
-          </a:ln>
-        </p:spPr>
-        <p:style>
-          <a:lnRef idx="2">
-            <a:schemeClr val="accent1">
-              <a:shade val="50000"/>
-            </a:schemeClr>
-          </a:lnRef>
-          <a:fillRef idx="1">
-            <a:schemeClr val="accent1"/>
-          </a:fillRef>
-          <a:effectRef idx="0">
-            <a:schemeClr val="accent1"/>
-          </a:effectRef>
-          <a:fontRef idx="minor">
-            <a:schemeClr val="lt1"/>
-          </a:fontRef>
-        </p:style>
-        <p:txBody>
-          <a:bodyPr rtlCol="0" anchor="ctr"/>
-          <a:lstStyle/>
-          <a:p>
-            <a:pPr algn="ctr"/>
-            <a:r>
-              <a:rPr kumimoji="1" lang="en-US" altLang="ko-KR" dirty="0" err="1">
-                <a:solidFill>
-                  <a:schemeClr val="tx1"/>
-                </a:solidFill>
-              </a:rPr>
-              <a:t>EyeTipActivity.kt</a:t>
-            </a:r>
-            <a:endParaRPr kumimoji="1" lang="ko-KR" altLang="en-US" dirty="0">
-              <a:solidFill>
-                <a:schemeClr val="tx1"/>
-              </a:solidFill>
-            </a:endParaRPr>
-          </a:p>
-        </p:txBody>
-      </p:sp>
-      <p:cxnSp>
-        <p:nvCxnSpPr>
-          <p:cNvPr id="6" name="직선 화살표 연결선 5">
-            <a:extLst>
-              <a:ext uri="{FF2B5EF4-FFF2-40B4-BE49-F238E27FC236}">
-                <a16:creationId xmlns:a16="http://schemas.microsoft.com/office/drawing/2014/main" id="{D34377A1-5D71-6246-A1AB-8C496210BD35}"/>
-              </a:ext>
-            </a:extLst>
-          </p:cNvPr>
-          <p:cNvCxnSpPr>
-            <a:stCxn id="2" idx="3"/>
-            <a:endCxn id="12" idx="1"/>
-          </p:cNvCxnSpPr>
-          <p:nvPr/>
-        </p:nvCxnSpPr>
-        <p:spPr>
-          <a:xfrm>
-            <a:off x="3419872" y="2950931"/>
-            <a:ext cx="1872208" cy="0"/>
-          </a:xfrm>
-          <a:prstGeom prst="straightConnector1">
-            <a:avLst/>
-          </a:prstGeom>
-          <a:ln>
-            <a:solidFill>
-              <a:schemeClr val="tx1"/>
-            </a:solidFill>
-            <a:tailEnd type="triangle"/>
-          </a:ln>
-        </p:spPr>
-        <p:style>
-          <a:lnRef idx="1">
-            <a:schemeClr val="accent1"/>
-          </a:lnRef>
-          <a:fillRef idx="0">
-            <a:schemeClr val="accent1"/>
-          </a:fillRef>
-          <a:effectRef idx="0">
-            <a:schemeClr val="accent1"/>
-          </a:effectRef>
-          <a:fontRef idx="minor">
-            <a:schemeClr val="tx1"/>
-          </a:fontRef>
-        </p:style>
-      </p:cxnSp>
-      <p:sp>
-        <p:nvSpPr>
-          <p:cNvPr id="8" name="TextBox 7">
-            <a:extLst>
-              <a:ext uri="{FF2B5EF4-FFF2-40B4-BE49-F238E27FC236}">
-                <a16:creationId xmlns:a16="http://schemas.microsoft.com/office/drawing/2014/main" id="{1AFB5148-26E3-9D43-A9CB-F3CE7C0EBC33}"/>
-              </a:ext>
-            </a:extLst>
-          </p:cNvPr>
-          <p:cNvSpPr txBox="1"/>
-          <p:nvPr/>
-        </p:nvSpPr>
-        <p:spPr>
-          <a:xfrm>
-            <a:off x="3493712" y="2722252"/>
-            <a:ext cx="1726360" cy="246221"/>
-          </a:xfrm>
-          <a:prstGeom prst="rect">
-            <a:avLst/>
-          </a:prstGeom>
-          <a:noFill/>
-        </p:spPr>
-        <p:txBody>
-          <a:bodyPr wrap="square" rtlCol="0">
-            <a:spAutoFit/>
-          </a:bodyPr>
-          <a:lstStyle/>
-          <a:p>
-            <a:r>
-              <a:rPr kumimoji="1" lang="en-US" altLang="ko-KR" sz="1000" dirty="0"/>
-              <a:t>1.</a:t>
-            </a:r>
-            <a:r>
-              <a:rPr kumimoji="1" lang="ko-KR" altLang="en-US" sz="1000" dirty="0"/>
-              <a:t> 데이터베이스 종류 전달</a:t>
-            </a:r>
-          </a:p>
-        </p:txBody>
-      </p:sp>
-      <p:sp>
-        <p:nvSpPr>
-          <p:cNvPr id="17" name="직사각형 16">
-            <a:extLst>
-              <a:ext uri="{FF2B5EF4-FFF2-40B4-BE49-F238E27FC236}">
-                <a16:creationId xmlns:a16="http://schemas.microsoft.com/office/drawing/2014/main" id="{56D10276-7A00-A246-97F7-4339C5674D3B}"/>
-              </a:ext>
-            </a:extLst>
-          </p:cNvPr>
-          <p:cNvSpPr/>
-          <p:nvPr/>
-        </p:nvSpPr>
-        <p:spPr>
-          <a:xfrm>
-            <a:off x="971600" y="4502866"/>
-            <a:ext cx="2448272" cy="1492133"/>
-          </a:xfrm>
-          <a:prstGeom prst="rect">
-            <a:avLst/>
-          </a:prstGeom>
-          <a:noFill/>
-          <a:ln w="38100">
-            <a:solidFill>
-              <a:schemeClr val="tx1"/>
-            </a:solidFill>
-          </a:ln>
-        </p:spPr>
-        <p:style>
-          <a:lnRef idx="2">
-            <a:schemeClr val="accent1">
-              <a:shade val="50000"/>
-            </a:schemeClr>
-          </a:lnRef>
-          <a:fillRef idx="1">
-            <a:schemeClr val="accent1"/>
-          </a:fillRef>
-          <a:effectRef idx="0">
-            <a:schemeClr val="accent1"/>
-          </a:effectRef>
-          <a:fontRef idx="minor">
-            <a:schemeClr val="lt1"/>
-          </a:fontRef>
-        </p:style>
-        <p:txBody>
-          <a:bodyPr rtlCol="0" anchor="ctr"/>
-          <a:lstStyle/>
-          <a:p>
-            <a:pPr algn="ctr"/>
-            <a:r>
-              <a:rPr kumimoji="1" lang="en-US" altLang="ko-KR" dirty="0" err="1">
-                <a:solidFill>
-                  <a:schemeClr val="tx1"/>
-                </a:solidFill>
-              </a:rPr>
-              <a:t>EyeDataClass.kt</a:t>
-            </a:r>
-            <a:endParaRPr kumimoji="1" lang="ko-KR" altLang="en-US" dirty="0">
-              <a:solidFill>
-                <a:schemeClr val="tx1"/>
-              </a:solidFill>
-            </a:endParaRPr>
-          </a:p>
-        </p:txBody>
-      </p:sp>
-      <p:cxnSp>
-        <p:nvCxnSpPr>
-          <p:cNvPr id="23" name="직선 화살표 연결선 22">
-            <a:extLst>
-              <a:ext uri="{FF2B5EF4-FFF2-40B4-BE49-F238E27FC236}">
-                <a16:creationId xmlns:a16="http://schemas.microsoft.com/office/drawing/2014/main" id="{AE5C4D61-97FC-AC48-8898-3CB87BB33910}"/>
-              </a:ext>
-            </a:extLst>
-          </p:cNvPr>
-          <p:cNvCxnSpPr/>
-          <p:nvPr/>
-        </p:nvCxnSpPr>
-        <p:spPr>
-          <a:xfrm flipH="1">
-            <a:off x="3203848" y="3609020"/>
-            <a:ext cx="2088232" cy="893846"/>
-          </a:xfrm>
-          <a:prstGeom prst="straightConnector1">
-            <a:avLst/>
-          </a:prstGeom>
-          <a:ln>
-            <a:solidFill>
-              <a:schemeClr val="tx1"/>
-            </a:solidFill>
-            <a:tailEnd type="triangle"/>
-          </a:ln>
-        </p:spPr>
-        <p:style>
-          <a:lnRef idx="1">
-            <a:schemeClr val="accent1"/>
-          </a:lnRef>
-          <a:fillRef idx="0">
-            <a:schemeClr val="accent1"/>
-          </a:fillRef>
-          <a:effectRef idx="0">
-            <a:schemeClr val="accent1"/>
-          </a:effectRef>
-          <a:fontRef idx="minor">
-            <a:schemeClr val="tx1"/>
-          </a:fontRef>
-        </p:style>
-      </p:cxnSp>
-      <p:sp>
-        <p:nvSpPr>
-          <p:cNvPr id="24" name="TextBox 23">
-            <a:extLst>
-              <a:ext uri="{FF2B5EF4-FFF2-40B4-BE49-F238E27FC236}">
-                <a16:creationId xmlns:a16="http://schemas.microsoft.com/office/drawing/2014/main" id="{E7975D2F-58FC-EC4E-8389-D8ACFDF22C95}"/>
-              </a:ext>
-            </a:extLst>
-          </p:cNvPr>
-          <p:cNvSpPr txBox="1"/>
-          <p:nvPr/>
-        </p:nvSpPr>
-        <p:spPr>
-          <a:xfrm rot="20248129">
-            <a:off x="3466273" y="3785430"/>
-            <a:ext cx="1659835" cy="246221"/>
-          </a:xfrm>
-          <a:prstGeom prst="rect">
-            <a:avLst/>
-          </a:prstGeom>
-          <a:noFill/>
-        </p:spPr>
-        <p:txBody>
-          <a:bodyPr wrap="square" rtlCol="0">
-            <a:spAutoFit/>
-          </a:bodyPr>
-          <a:lstStyle/>
-          <a:p>
-            <a:r>
-              <a:rPr kumimoji="1" lang="en-US" altLang="ko-KR" sz="1000" dirty="0"/>
-              <a:t>2.</a:t>
-            </a:r>
-            <a:r>
-              <a:rPr kumimoji="1" lang="ko-KR" altLang="en-US" sz="1000" dirty="0"/>
-              <a:t> </a:t>
-            </a:r>
-            <a:r>
-              <a:rPr kumimoji="1" lang="en-US" altLang="ko-KR" sz="1000" dirty="0"/>
-              <a:t>Firebase instance </a:t>
-            </a:r>
-            <a:r>
-              <a:rPr kumimoji="1" lang="ko-KR" altLang="en-US" sz="1000" dirty="0"/>
-              <a:t>전달</a:t>
-            </a:r>
-          </a:p>
-        </p:txBody>
-      </p:sp>
-      <p:cxnSp>
-        <p:nvCxnSpPr>
-          <p:cNvPr id="26" name="직선 화살표 연결선 25">
-            <a:extLst>
-              <a:ext uri="{FF2B5EF4-FFF2-40B4-BE49-F238E27FC236}">
-                <a16:creationId xmlns:a16="http://schemas.microsoft.com/office/drawing/2014/main" id="{4B3E6926-A93D-F743-AEE8-1820859A84D6}"/>
-              </a:ext>
-            </a:extLst>
-          </p:cNvPr>
-          <p:cNvCxnSpPr>
-            <a:cxnSpLocks/>
-          </p:cNvCxnSpPr>
-          <p:nvPr/>
-        </p:nvCxnSpPr>
-        <p:spPr>
-          <a:xfrm flipV="1">
-            <a:off x="3419872" y="3696997"/>
-            <a:ext cx="2232248" cy="956140"/>
-          </a:xfrm>
-          <a:prstGeom prst="straightConnector1">
-            <a:avLst/>
-          </a:prstGeom>
-          <a:ln>
-            <a:solidFill>
-              <a:schemeClr val="tx1"/>
-            </a:solidFill>
-            <a:tailEnd type="triangle"/>
-          </a:ln>
-        </p:spPr>
-        <p:style>
-          <a:lnRef idx="1">
-            <a:schemeClr val="accent1"/>
-          </a:lnRef>
-          <a:fillRef idx="0">
-            <a:schemeClr val="accent1"/>
-          </a:fillRef>
-          <a:effectRef idx="0">
-            <a:schemeClr val="accent1"/>
-          </a:effectRef>
-          <a:fontRef idx="minor">
-            <a:schemeClr val="tx1"/>
-          </a:fontRef>
-        </p:style>
-      </p:cxnSp>
-      <p:sp>
-        <p:nvSpPr>
-          <p:cNvPr id="28" name="TextBox 27">
-            <a:extLst>
-              <a:ext uri="{FF2B5EF4-FFF2-40B4-BE49-F238E27FC236}">
-                <a16:creationId xmlns:a16="http://schemas.microsoft.com/office/drawing/2014/main" id="{CFC1CA1D-5E55-9E4E-A0C3-FDC7326C9FB6}"/>
-              </a:ext>
-            </a:extLst>
-          </p:cNvPr>
-          <p:cNvSpPr txBox="1"/>
-          <p:nvPr/>
-        </p:nvSpPr>
-        <p:spPr>
-          <a:xfrm rot="20179173">
-            <a:off x="3689398" y="4212835"/>
-            <a:ext cx="1555380" cy="400110"/>
-          </a:xfrm>
-          <a:prstGeom prst="rect">
-            <a:avLst/>
-          </a:prstGeom>
-          <a:noFill/>
-        </p:spPr>
-        <p:txBody>
-          <a:bodyPr wrap="square" rtlCol="0">
-            <a:spAutoFit/>
-          </a:bodyPr>
-          <a:lstStyle/>
-          <a:p>
-            <a:r>
-              <a:rPr kumimoji="1" lang="en-US" altLang="ko-KR" sz="1000" dirty="0"/>
-              <a:t>3.</a:t>
-            </a:r>
-            <a:r>
-              <a:rPr kumimoji="1" lang="ko-KR" altLang="en-US" sz="1000" dirty="0"/>
-              <a:t> 해당 데이터베이스에 맞는 데이터 배열 전달</a:t>
-            </a:r>
-          </a:p>
-        </p:txBody>
-      </p:sp>
-      <p:sp>
-        <p:nvSpPr>
-          <p:cNvPr id="29" name="직사각형 28">
-            <a:extLst>
-              <a:ext uri="{FF2B5EF4-FFF2-40B4-BE49-F238E27FC236}">
-                <a16:creationId xmlns:a16="http://schemas.microsoft.com/office/drawing/2014/main" id="{A8D5E246-EF78-CC4B-B6AD-69811EA1C8E4}"/>
-              </a:ext>
-            </a:extLst>
-          </p:cNvPr>
-          <p:cNvSpPr/>
-          <p:nvPr/>
-        </p:nvSpPr>
-        <p:spPr>
-          <a:xfrm>
-            <a:off x="5290248" y="4492967"/>
-            <a:ext cx="2593754" cy="1492133"/>
-          </a:xfrm>
-          <a:prstGeom prst="rect">
-            <a:avLst/>
-          </a:prstGeom>
-          <a:noFill/>
-          <a:ln w="38100">
-            <a:solidFill>
-              <a:schemeClr val="tx1"/>
-            </a:solidFill>
-          </a:ln>
-        </p:spPr>
-        <p:style>
-          <a:lnRef idx="2">
-            <a:schemeClr val="accent1">
-              <a:shade val="50000"/>
-            </a:schemeClr>
-          </a:lnRef>
-          <a:fillRef idx="1">
-            <a:schemeClr val="accent1"/>
-          </a:fillRef>
-          <a:effectRef idx="0">
-            <a:schemeClr val="accent1"/>
-          </a:effectRef>
-          <a:fontRef idx="minor">
-            <a:schemeClr val="lt1"/>
-          </a:fontRef>
-        </p:style>
-        <p:txBody>
-          <a:bodyPr rtlCol="0" anchor="ctr"/>
-          <a:lstStyle/>
-          <a:p>
-            <a:pPr algn="ctr"/>
-            <a:r>
-              <a:rPr kumimoji="1" lang="en-US" altLang="ko-KR" dirty="0" err="1">
-                <a:solidFill>
-                  <a:schemeClr val="tx1"/>
-                </a:solidFill>
-              </a:rPr>
-              <a:t>recyclerViewAdapter.kt</a:t>
-            </a:r>
-            <a:endParaRPr kumimoji="1" lang="ko-KR" altLang="en-US" dirty="0">
-              <a:solidFill>
-                <a:schemeClr val="tx1"/>
-              </a:solidFill>
-            </a:endParaRPr>
-          </a:p>
-        </p:txBody>
-      </p:sp>
-      <p:cxnSp>
-        <p:nvCxnSpPr>
-          <p:cNvPr id="31" name="직선 화살표 연결선 30">
-            <a:extLst>
-              <a:ext uri="{FF2B5EF4-FFF2-40B4-BE49-F238E27FC236}">
-                <a16:creationId xmlns:a16="http://schemas.microsoft.com/office/drawing/2014/main" id="{BF544F0F-A3AF-A449-8FA8-60030ACCAE30}"/>
-              </a:ext>
-            </a:extLst>
-          </p:cNvPr>
-          <p:cNvCxnSpPr/>
-          <p:nvPr/>
-        </p:nvCxnSpPr>
-        <p:spPr>
-          <a:xfrm>
-            <a:off x="6156176" y="3696997"/>
-            <a:ext cx="0" cy="805868"/>
-          </a:xfrm>
-          <a:prstGeom prst="straightConnector1">
-            <a:avLst/>
-          </a:prstGeom>
-          <a:ln>
-            <a:solidFill>
-              <a:schemeClr val="tx1"/>
-            </a:solidFill>
-            <a:tailEnd type="triangle"/>
-          </a:ln>
-        </p:spPr>
-        <p:style>
-          <a:lnRef idx="1">
-            <a:schemeClr val="accent1"/>
-          </a:lnRef>
-          <a:fillRef idx="0">
-            <a:schemeClr val="accent1"/>
-          </a:fillRef>
-          <a:effectRef idx="0">
-            <a:schemeClr val="accent1"/>
-          </a:effectRef>
-          <a:fontRef idx="minor">
-            <a:schemeClr val="tx1"/>
-          </a:fontRef>
-        </p:style>
-      </p:cxnSp>
-      <p:sp>
-        <p:nvSpPr>
-          <p:cNvPr id="32" name="TextBox 31">
-            <a:extLst>
-              <a:ext uri="{FF2B5EF4-FFF2-40B4-BE49-F238E27FC236}">
-                <a16:creationId xmlns:a16="http://schemas.microsoft.com/office/drawing/2014/main" id="{B2783901-421C-DC41-A9D7-C198A762F45D}"/>
-              </a:ext>
-            </a:extLst>
-          </p:cNvPr>
-          <p:cNvSpPr txBox="1"/>
-          <p:nvPr/>
-        </p:nvSpPr>
-        <p:spPr>
-          <a:xfrm>
-            <a:off x="5219996" y="3988184"/>
-            <a:ext cx="1584176" cy="246221"/>
-          </a:xfrm>
-          <a:prstGeom prst="rect">
-            <a:avLst/>
-          </a:prstGeom>
-          <a:noFill/>
-        </p:spPr>
-        <p:txBody>
-          <a:bodyPr wrap="square" rtlCol="0">
-            <a:spAutoFit/>
-          </a:bodyPr>
-          <a:lstStyle/>
-          <a:p>
-            <a:r>
-              <a:rPr kumimoji="1" lang="en-US" altLang="ko-KR" sz="1000" dirty="0"/>
-              <a:t>4.</a:t>
-            </a:r>
-            <a:r>
-              <a:rPr kumimoji="1" lang="ko-KR" altLang="en-US" sz="1000" dirty="0"/>
-              <a:t> 데이터 배열 전달</a:t>
-            </a:r>
-          </a:p>
-        </p:txBody>
-      </p:sp>
-      <p:cxnSp>
-        <p:nvCxnSpPr>
-          <p:cNvPr id="34" name="직선 화살표 연결선 33">
-            <a:extLst>
-              <a:ext uri="{FF2B5EF4-FFF2-40B4-BE49-F238E27FC236}">
-                <a16:creationId xmlns:a16="http://schemas.microsoft.com/office/drawing/2014/main" id="{FE0BCBA1-2C3D-CC47-BB50-383AEDFA99D7}"/>
-              </a:ext>
-            </a:extLst>
-          </p:cNvPr>
-          <p:cNvCxnSpPr/>
-          <p:nvPr/>
-        </p:nvCxnSpPr>
-        <p:spPr>
-          <a:xfrm flipV="1">
-            <a:off x="7020273" y="3696995"/>
-            <a:ext cx="0" cy="776355"/>
-          </a:xfrm>
-          <a:prstGeom prst="straightConnector1">
-            <a:avLst/>
-          </a:prstGeom>
-          <a:ln>
-            <a:solidFill>
-              <a:schemeClr val="tx1"/>
-            </a:solidFill>
-            <a:tailEnd type="triangle"/>
-          </a:ln>
-        </p:spPr>
-        <p:style>
-          <a:lnRef idx="1">
-            <a:schemeClr val="accent1"/>
-          </a:lnRef>
-          <a:fillRef idx="0">
-            <a:schemeClr val="accent1"/>
-          </a:fillRef>
-          <a:effectRef idx="0">
-            <a:schemeClr val="accent1"/>
-          </a:effectRef>
-          <a:fontRef idx="minor">
-            <a:schemeClr val="tx1"/>
-          </a:fontRef>
-        </p:style>
-      </p:cxnSp>
-      <p:sp>
-        <p:nvSpPr>
-          <p:cNvPr id="35" name="TextBox 34">
-            <a:extLst>
-              <a:ext uri="{FF2B5EF4-FFF2-40B4-BE49-F238E27FC236}">
-                <a16:creationId xmlns:a16="http://schemas.microsoft.com/office/drawing/2014/main" id="{6D3C852E-E520-A64E-B766-1FC5B4DE45E2}"/>
-              </a:ext>
-            </a:extLst>
-          </p:cNvPr>
-          <p:cNvSpPr txBox="1"/>
-          <p:nvPr/>
-        </p:nvSpPr>
-        <p:spPr>
-          <a:xfrm>
-            <a:off x="6981456" y="3911922"/>
-            <a:ext cx="1584176" cy="400110"/>
-          </a:xfrm>
-          <a:prstGeom prst="rect">
-            <a:avLst/>
-          </a:prstGeom>
-          <a:noFill/>
-        </p:spPr>
-        <p:txBody>
-          <a:bodyPr wrap="square" rtlCol="0">
-            <a:spAutoFit/>
-          </a:bodyPr>
-          <a:lstStyle/>
-          <a:p>
-            <a:r>
-              <a:rPr kumimoji="1" lang="en-US" altLang="ko-KR" sz="1000" dirty="0"/>
-              <a:t>5.</a:t>
-            </a:r>
-            <a:r>
-              <a:rPr kumimoji="1" lang="ko-KR" altLang="en-US" sz="1000" dirty="0"/>
-              <a:t> 전달된 데이터 배열을 </a:t>
-            </a:r>
-            <a:r>
-              <a:rPr kumimoji="1" lang="en-US" altLang="ko-KR" sz="1000" dirty="0" err="1"/>
-              <a:t>recyclerView</a:t>
-            </a:r>
-            <a:r>
-              <a:rPr kumimoji="1" lang="ko-KR" altLang="en-US" sz="1000" dirty="0"/>
-              <a:t>와 바인딩</a:t>
-            </a:r>
-          </a:p>
-        </p:txBody>
-      </p:sp>
+        </p:spPr>
+      </p:pic>
     </p:spTree>
     <p:extLst>
       <p:ext uri="{BB962C8B-B14F-4D97-AF65-F5344CB8AC3E}">
-        <p14:creationId xmlns:p14="http://schemas.microsoft.com/office/powerpoint/2010/main" val="3645421146"/>
+        <p14:creationId xmlns:p14="http://schemas.microsoft.com/office/powerpoint/2010/main" val="1436418823"/>
       </p:ext>
     </p:extLst>
   </p:cSld>
@@ -18943,7 +18747,7 @@
             </a:pPr>
             <a:r>
               <a:rPr lang="en-US" altLang="ko-KR" sz="1600" b="1" dirty="0" err="1"/>
-              <a:t>EyeDataClass.kt</a:t>
+              <a:t>EyeTipActivity.kt</a:t>
             </a:r>
             <a:endParaRPr lang="ko-KR" altLang="en-US" sz="1600" dirty="0"/>
           </a:p>
@@ -19053,10 +18857,10 @@
       </p:sp>
       <p:pic>
         <p:nvPicPr>
-          <p:cNvPr id="4" name="그림 3" descr="스크린샷이(가) 표시된 사진&#10;&#10;자동 생성된 설명">
+          <p:cNvPr id="5" name="그림 4">
             <a:extLst>
               <a:ext uri="{FF2B5EF4-FFF2-40B4-BE49-F238E27FC236}">
-                <a16:creationId xmlns:a16="http://schemas.microsoft.com/office/drawing/2014/main" id="{AD1F54DE-9277-F74D-B1DD-5337289697E4}"/>
+                <a16:creationId xmlns:a16="http://schemas.microsoft.com/office/drawing/2014/main" id="{2B26DD69-08AE-AD4E-B490-51972170B824}"/>
               </a:ext>
             </a:extLst>
           </p:cNvPr>
@@ -19066,7 +18870,7 @@
           <p:nvPr/>
         </p:nvPicPr>
         <p:blipFill>
-          <a:blip r:embed="rId3" cstate="print">
+          <a:blip r:embed="rId3">
             <a:extLst>
               <a:ext uri="{28A0092B-C50C-407E-A947-70E740481C1C}">
                 <a14:useLocalDpi xmlns:a14="http://schemas.microsoft.com/office/drawing/2010/main" val="0"/>
@@ -19079,8 +18883,8 @@
         </p:blipFill>
         <p:spPr>
           <a:xfrm>
-            <a:off x="899028" y="2398140"/>
-            <a:ext cx="7308304" cy="3800040"/>
+            <a:off x="681546" y="2532262"/>
+            <a:ext cx="7708900" cy="2616200"/>
           </a:xfrm>
           <a:prstGeom prst="rect">
             <a:avLst/>
@@ -19090,7 +18894,7 @@
     </p:spTree>
     <p:extLst>
       <p:ext uri="{BB962C8B-B14F-4D97-AF65-F5344CB8AC3E}">
-        <p14:creationId xmlns:p14="http://schemas.microsoft.com/office/powerpoint/2010/main" val="1436418823"/>
+        <p14:creationId xmlns:p14="http://schemas.microsoft.com/office/powerpoint/2010/main" val="2821017047"/>
       </p:ext>
     </p:extLst>
   </p:cSld>
@@ -19452,10 +19256,10 @@
       </p:sp>
       <p:pic>
         <p:nvPicPr>
-          <p:cNvPr id="5" name="그림 4">
+          <p:cNvPr id="15" name="그림 14" descr="스크린샷이(가) 표시된 사진&#10;&#10;자동 생성된 설명">
             <a:extLst>
               <a:ext uri="{FF2B5EF4-FFF2-40B4-BE49-F238E27FC236}">
-                <a16:creationId xmlns:a16="http://schemas.microsoft.com/office/drawing/2014/main" id="{2B26DD69-08AE-AD4E-B490-51972170B824}"/>
+                <a16:creationId xmlns:a16="http://schemas.microsoft.com/office/drawing/2014/main" id="{358DBC95-2EB1-CC44-AEF0-3F27EE62FB6E}"/>
               </a:ext>
             </a:extLst>
           </p:cNvPr>
@@ -19478,8 +19282,8 @@
         </p:blipFill>
         <p:spPr>
           <a:xfrm>
-            <a:off x="681546" y="2532262"/>
-            <a:ext cx="7708900" cy="2616200"/>
+            <a:off x="690747" y="2398140"/>
+            <a:ext cx="7762506" cy="3776354"/>
           </a:xfrm>
           <a:prstGeom prst="rect">
             <a:avLst/>
@@ -19489,7 +19293,7 @@
     </p:spTree>
     <p:extLst>
       <p:ext uri="{BB962C8B-B14F-4D97-AF65-F5344CB8AC3E}">
-        <p14:creationId xmlns:p14="http://schemas.microsoft.com/office/powerpoint/2010/main" val="2821017047"/>
+        <p14:creationId xmlns:p14="http://schemas.microsoft.com/office/powerpoint/2010/main" val="4179647391"/>
       </p:ext>
     </p:extLst>
   </p:cSld>
@@ -20769,7 +20573,7 @@
         <p:spPr>
           <a:xfrm>
             <a:off x="936668" y="1709538"/>
-            <a:ext cx="1980220" cy="506357"/>
+            <a:ext cx="2699228" cy="506421"/>
           </a:xfrm>
           <a:prstGeom prst="rect">
             <a:avLst/>
@@ -20789,7 +20593,7 @@
             </a:pPr>
             <a:r>
               <a:rPr lang="en-US" altLang="ko-KR" sz="1600" b="1" dirty="0" err="1"/>
-              <a:t>EyeTipActivity.kt</a:t>
+              <a:t>recyclerViewAdapter.kt</a:t>
             </a:r>
             <a:endParaRPr lang="ko-KR" altLang="en-US" sz="1600" dirty="0"/>
           </a:p>
@@ -20899,10 +20703,10 @@
       </p:sp>
       <p:pic>
         <p:nvPicPr>
-          <p:cNvPr id="15" name="그림 14" descr="스크린샷이(가) 표시된 사진&#10;&#10;자동 생성된 설명">
+          <p:cNvPr id="4" name="그림 3">
             <a:extLst>
               <a:ext uri="{FF2B5EF4-FFF2-40B4-BE49-F238E27FC236}">
-                <a16:creationId xmlns:a16="http://schemas.microsoft.com/office/drawing/2014/main" id="{358DBC95-2EB1-CC44-AEF0-3F27EE62FB6E}"/>
+                <a16:creationId xmlns:a16="http://schemas.microsoft.com/office/drawing/2014/main" id="{459BA51F-E346-5644-9D58-051540B23BF5}"/>
               </a:ext>
             </a:extLst>
           </p:cNvPr>
@@ -20925,8 +20729,8 @@
         </p:blipFill>
         <p:spPr>
           <a:xfrm>
-            <a:off x="690747" y="2398140"/>
-            <a:ext cx="7762506" cy="3776354"/>
+            <a:off x="611553" y="2661373"/>
+            <a:ext cx="7920894" cy="2634632"/>
           </a:xfrm>
           <a:prstGeom prst="rect">
             <a:avLst/>
@@ -20936,7 +20740,7 @@
     </p:spTree>
     <p:extLst>
       <p:ext uri="{BB962C8B-B14F-4D97-AF65-F5344CB8AC3E}">
-        <p14:creationId xmlns:p14="http://schemas.microsoft.com/office/powerpoint/2010/main" val="4179647391"/>
+        <p14:creationId xmlns:p14="http://schemas.microsoft.com/office/powerpoint/2010/main" val="4293935791"/>
       </p:ext>
     </p:extLst>
   </p:cSld>
@@ -20973,10 +20777,10 @@
       </p:grpSpPr>
       <p:sp>
         <p:nvSpPr>
-          <p:cNvPr id="16" name="직사각형 15">
+          <p:cNvPr id="3" name="직사각형 2">
             <a:extLst>
               <a:ext uri="{FF2B5EF4-FFF2-40B4-BE49-F238E27FC236}">
-                <a16:creationId xmlns:a16="http://schemas.microsoft.com/office/drawing/2014/main" id="{8318DDCB-FC64-4477-80CF-8A42E1FA0BE3}"/>
+                <a16:creationId xmlns:a16="http://schemas.microsoft.com/office/drawing/2014/main" id="{39E0AA23-105E-461E-B595-C43D224D98E7}"/>
               </a:ext>
             </a:extLst>
           </p:cNvPr>
@@ -20985,8 +20789,8 @@
         </p:nvSpPr>
         <p:spPr>
           <a:xfrm>
-            <a:off x="251520" y="620688"/>
-            <a:ext cx="8640960" cy="5976664"/>
+            <a:off x="2987824" y="0"/>
+            <a:ext cx="6156176" cy="6858000"/>
           </a:xfrm>
           <a:prstGeom prst="rect">
             <a:avLst/>
@@ -20995,7 +20799,9 @@
             <a:schemeClr val="bg1"/>
           </a:solidFill>
           <a:ln>
-            <a:noFill/>
+            <a:solidFill>
+              <a:schemeClr val="bg1"/>
+            </a:solidFill>
           </a:ln>
         </p:spPr>
         <p:style>
@@ -21025,283 +20831,86 @@
       </p:sp>
       <p:sp>
         <p:nvSpPr>
-          <p:cNvPr id="3" name="타원 2"/>
-          <p:cNvSpPr/>
-          <p:nvPr/>
-        </p:nvSpPr>
-        <p:spPr>
-          <a:xfrm>
-            <a:off x="4067944" y="74100"/>
-            <a:ext cx="936104" cy="936104"/>
-          </a:xfrm>
-          <a:prstGeom prst="ellipse">
-            <a:avLst/>
-          </a:prstGeom>
-          <a:solidFill>
-            <a:schemeClr val="tx2">
-              <a:lumMod val="75000"/>
-            </a:schemeClr>
-          </a:solidFill>
-          <a:ln>
-            <a:noFill/>
+          <p:cNvPr id="2" name="TextBox 1"/>
+          <p:cNvSpPr txBox="1"/>
+          <p:nvPr/>
+        </p:nvSpPr>
+        <p:spPr>
+          <a:xfrm>
+            <a:off x="1660104" y="1567803"/>
+            <a:ext cx="1357307" cy="769441"/>
+          </a:xfrm>
+          <a:prstGeom prst="rect">
+            <a:avLst/>
+          </a:prstGeom>
+          <a:noFill/>
+        </p:spPr>
+        <p:txBody>
+          <a:bodyPr wrap="square" rtlCol="0">
+            <a:spAutoFit/>
+          </a:bodyPr>
+          <a:lstStyle/>
+          <a:p>
+            <a:r>
+              <a:rPr lang="ko-KR" altLang="en-US" sz="4400" b="1" spc="-150" dirty="0">
+                <a:solidFill>
+                  <a:schemeClr val="bg1"/>
+                </a:solidFill>
+              </a:rPr>
+              <a:t>시연</a:t>
+            </a:r>
+          </a:p>
+        </p:txBody>
+      </p:sp>
+      <p:cxnSp>
+        <p:nvCxnSpPr>
+          <p:cNvPr id="8" name="직선 연결선 7">
+            <a:extLst>
+              <a:ext uri="{FF2B5EF4-FFF2-40B4-BE49-F238E27FC236}">
+                <a16:creationId xmlns:a16="http://schemas.microsoft.com/office/drawing/2014/main" id="{20429B64-59F8-4502-87AD-C3E67E73C1D0}"/>
+              </a:ext>
+            </a:extLst>
+          </p:cNvPr>
+          <p:cNvCxnSpPr>
+            <a:cxnSpLocks/>
+          </p:cNvCxnSpPr>
+          <p:nvPr/>
+        </p:nvCxnSpPr>
+        <p:spPr>
+          <a:xfrm>
+            <a:off x="1619672" y="2348880"/>
+            <a:ext cx="1368152" cy="0"/>
+          </a:xfrm>
+          <a:prstGeom prst="line">
+            <a:avLst/>
+          </a:prstGeom>
+          <a:ln w="41275">
+            <a:solidFill>
+              <a:schemeClr val="bg1"/>
+            </a:solidFill>
           </a:ln>
         </p:spPr>
         <p:style>
-          <a:lnRef idx="2">
-            <a:schemeClr val="accent1">
-              <a:shade val="50000"/>
-            </a:schemeClr>
+          <a:lnRef idx="1">
+            <a:schemeClr val="accent1"/>
           </a:lnRef>
-          <a:fillRef idx="1">
+          <a:fillRef idx="0">
             <a:schemeClr val="accent1"/>
           </a:fillRef>
           <a:effectRef idx="0">
             <a:schemeClr val="accent1"/>
           </a:effectRef>
           <a:fontRef idx="minor">
-            <a:schemeClr val="lt1"/>
+            <a:schemeClr val="tx1"/>
           </a:fontRef>
         </p:style>
-        <p:txBody>
-          <a:bodyPr rtlCol="0" anchor="ctr"/>
-          <a:lstStyle/>
-          <a:p>
-            <a:pPr algn="ctr"/>
-            <a:endParaRPr lang="ko-KR" altLang="en-US"/>
-          </a:p>
-        </p:txBody>
-      </p:sp>
-      <p:sp>
-        <p:nvSpPr>
-          <p:cNvPr id="9" name="TextBox 8"/>
-          <p:cNvSpPr txBox="1"/>
-          <p:nvPr/>
-        </p:nvSpPr>
-        <p:spPr>
-          <a:xfrm>
-            <a:off x="3995936" y="479095"/>
-            <a:ext cx="1080120" cy="461665"/>
-          </a:xfrm>
-          <a:prstGeom prst="rect">
-            <a:avLst/>
-          </a:prstGeom>
-          <a:noFill/>
-        </p:spPr>
-        <p:txBody>
-          <a:bodyPr wrap="square" rtlCol="0">
-            <a:spAutoFit/>
-          </a:bodyPr>
-          <a:lstStyle/>
-          <a:p>
-            <a:pPr algn="ctr"/>
-            <a:r>
-              <a:rPr lang="en-US" altLang="ko-KR" sz="2400" dirty="0">
-                <a:solidFill>
-                  <a:schemeClr val="bg1"/>
-                </a:solidFill>
-                <a:latin typeface="HY헤드라인M" pitchFamily="18" charset="-127"/>
-                <a:ea typeface="HY헤드라인M" pitchFamily="18" charset="-127"/>
-              </a:rPr>
-              <a:t>02</a:t>
-            </a:r>
-            <a:endParaRPr lang="ko-KR" altLang="en-US" sz="2400" dirty="0">
-              <a:solidFill>
-                <a:schemeClr val="bg1"/>
-              </a:solidFill>
-              <a:latin typeface="HY헤드라인M" pitchFamily="18" charset="-127"/>
-              <a:ea typeface="HY헤드라인M" pitchFamily="18" charset="-127"/>
-            </a:endParaRPr>
-          </a:p>
-        </p:txBody>
-      </p:sp>
-      <p:sp>
-        <p:nvSpPr>
-          <p:cNvPr id="14" name="TextBox 13">
+      </p:cxnSp>
+      <p:pic>
+        <p:nvPicPr>
+          <p:cNvPr id="6" name="그림 5">
             <a:extLst>
               <a:ext uri="{FF2B5EF4-FFF2-40B4-BE49-F238E27FC236}">
-                <a16:creationId xmlns:a16="http://schemas.microsoft.com/office/drawing/2014/main" id="{C9818783-E7D6-4C10-A926-073AECB0341B}"/>
-              </a:ext>
-            </a:extLst>
-          </p:cNvPr>
-          <p:cNvSpPr txBox="1"/>
-          <p:nvPr/>
-        </p:nvSpPr>
-        <p:spPr>
-          <a:xfrm>
-            <a:off x="539552" y="1484784"/>
-            <a:ext cx="6768752" cy="369332"/>
-          </a:xfrm>
-          <a:prstGeom prst="rect">
-            <a:avLst/>
-          </a:prstGeom>
-          <a:noFill/>
-        </p:spPr>
-        <p:txBody>
-          <a:bodyPr wrap="square" rtlCol="0">
-            <a:spAutoFit/>
-          </a:bodyPr>
-          <a:lstStyle/>
-          <a:p>
-            <a:r>
-              <a:rPr lang="en-US" altLang="ko-KR" b="1" spc="-150" dirty="0"/>
-              <a:t>4)  </a:t>
-            </a:r>
-            <a:r>
-              <a:rPr lang="ko-KR" altLang="en-US" b="1" spc="-150" dirty="0"/>
-              <a:t>데이터 설계</a:t>
-            </a:r>
-          </a:p>
-        </p:txBody>
-      </p:sp>
-      <p:sp>
-        <p:nvSpPr>
-          <p:cNvPr id="18" name="TextBox 17">
-            <a:extLst>
-              <a:ext uri="{FF2B5EF4-FFF2-40B4-BE49-F238E27FC236}">
-                <a16:creationId xmlns:a16="http://schemas.microsoft.com/office/drawing/2014/main" id="{E828F7CB-EC04-42D6-9D46-15462EAD419D}"/>
-              </a:ext>
-            </a:extLst>
-          </p:cNvPr>
-          <p:cNvSpPr txBox="1"/>
-          <p:nvPr/>
-        </p:nvSpPr>
-        <p:spPr>
-          <a:xfrm>
-            <a:off x="936668" y="1709538"/>
-            <a:ext cx="2699228" cy="506421"/>
-          </a:xfrm>
-          <a:prstGeom prst="rect">
-            <a:avLst/>
-          </a:prstGeom>
-          <a:noFill/>
-        </p:spPr>
-        <p:txBody>
-          <a:bodyPr wrap="square" rtlCol="0">
-            <a:spAutoFit/>
-          </a:bodyPr>
-          <a:lstStyle/>
-          <a:p>
-            <a:pPr fontAlgn="base">
-              <a:lnSpc>
-                <a:spcPct val="200000"/>
-              </a:lnSpc>
-            </a:pPr>
-            <a:r>
-              <a:rPr lang="en-US" altLang="ko-KR" sz="1600" b="1" dirty="0" err="1"/>
-              <a:t>recyclerViewAdapter.kt</a:t>
-            </a:r>
-            <a:endParaRPr lang="ko-KR" altLang="en-US" sz="1600" dirty="0"/>
-          </a:p>
-        </p:txBody>
-      </p:sp>
-      <p:sp>
-        <p:nvSpPr>
-          <p:cNvPr id="21" name="TextBox 20">
-            <a:extLst>
-              <a:ext uri="{FF2B5EF4-FFF2-40B4-BE49-F238E27FC236}">
-                <a16:creationId xmlns:a16="http://schemas.microsoft.com/office/drawing/2014/main" id="{49D7D781-9523-4842-A2F6-699E0C5946D4}"/>
-              </a:ext>
-            </a:extLst>
-          </p:cNvPr>
-          <p:cNvSpPr txBox="1"/>
-          <p:nvPr/>
-        </p:nvSpPr>
-        <p:spPr>
-          <a:xfrm>
-            <a:off x="5364088" y="271681"/>
-            <a:ext cx="3600400" cy="276999"/>
-          </a:xfrm>
-          <a:prstGeom prst="rect">
-            <a:avLst/>
-          </a:prstGeom>
-          <a:noFill/>
-        </p:spPr>
-        <p:txBody>
-          <a:bodyPr wrap="square" rtlCol="0">
-            <a:spAutoFit/>
-          </a:bodyPr>
-          <a:lstStyle/>
-          <a:p>
-            <a:pPr algn="dist"/>
-            <a:r>
-              <a:rPr lang="ko-KR" altLang="en-US" sz="1200" dirty="0" err="1">
-                <a:solidFill>
-                  <a:schemeClr val="bg1"/>
-                </a:solidFill>
-              </a:rPr>
-              <a:t>임베디드소프트웨어</a:t>
-            </a:r>
-            <a:r>
-              <a:rPr lang="en-US" altLang="ko-KR" sz="1200" dirty="0">
-                <a:solidFill>
-                  <a:schemeClr val="bg1"/>
-                </a:solidFill>
-              </a:rPr>
-              <a:t>2</a:t>
-            </a:r>
-            <a:endParaRPr lang="ko-KR" altLang="en-US" sz="1200" dirty="0">
-              <a:solidFill>
-                <a:schemeClr val="bg1"/>
-              </a:solidFill>
-            </a:endParaRPr>
-          </a:p>
-        </p:txBody>
-      </p:sp>
-      <p:sp>
-        <p:nvSpPr>
-          <p:cNvPr id="22" name="TextBox 21">
-            <a:extLst>
-              <a:ext uri="{FF2B5EF4-FFF2-40B4-BE49-F238E27FC236}">
-                <a16:creationId xmlns:a16="http://schemas.microsoft.com/office/drawing/2014/main" id="{F9E1DCCC-D0B8-4991-9B37-3982DEE09593}"/>
-              </a:ext>
-            </a:extLst>
-          </p:cNvPr>
-          <p:cNvSpPr txBox="1"/>
-          <p:nvPr/>
-        </p:nvSpPr>
-        <p:spPr>
-          <a:xfrm>
-            <a:off x="427435" y="1052736"/>
-            <a:ext cx="1728192" cy="400110"/>
-          </a:xfrm>
-          <a:prstGeom prst="rect">
-            <a:avLst/>
-          </a:prstGeom>
-          <a:noFill/>
-        </p:spPr>
-        <p:txBody>
-          <a:bodyPr wrap="square" rtlCol="0">
-            <a:spAutoFit/>
-          </a:bodyPr>
-          <a:lstStyle/>
-          <a:p>
-            <a:r>
-              <a:rPr lang="ko-KR" altLang="en-US" sz="2000" b="1" dirty="0">
-                <a:solidFill>
-                  <a:schemeClr val="tx2">
-                    <a:lumMod val="75000"/>
-                  </a:schemeClr>
-                </a:solidFill>
-                <a:latin typeface="+mj-ea"/>
-              </a:rPr>
-              <a:t>설계</a:t>
-            </a:r>
-            <a:endParaRPr lang="ko-KR" altLang="en-US" sz="2000" dirty="0">
-              <a:solidFill>
-                <a:schemeClr val="tx2">
-                  <a:lumMod val="75000"/>
-                </a:schemeClr>
-              </a:solidFill>
-            </a:endParaRPr>
-          </a:p>
-        </p:txBody>
-      </p:sp>
-      <p:pic>
-        <p:nvPicPr>
-          <p:cNvPr id="4" name="그림 3">
-            <a:extLst>
-              <a:ext uri="{FF2B5EF4-FFF2-40B4-BE49-F238E27FC236}">
-                <a16:creationId xmlns:a16="http://schemas.microsoft.com/office/drawing/2014/main" id="{459BA51F-E346-5644-9D58-051540B23BF5}"/>
+                <a16:creationId xmlns:a16="http://schemas.microsoft.com/office/drawing/2014/main" id="{F984F2CD-00E2-4438-AEED-1AB2C7FD62F5}"/>
               </a:ext>
             </a:extLst>
           </p:cNvPr>
@@ -21324,8 +20933,8 @@
         </p:blipFill>
         <p:spPr>
           <a:xfrm>
-            <a:off x="611553" y="2661373"/>
-            <a:ext cx="7920894" cy="2634632"/>
+            <a:off x="4477617" y="1921921"/>
+            <a:ext cx="3014158" cy="3014158"/>
           </a:xfrm>
           <a:prstGeom prst="rect">
             <a:avLst/>
@@ -21335,7 +20944,7 @@
     </p:spTree>
     <p:extLst>
       <p:ext uri="{BB962C8B-B14F-4D97-AF65-F5344CB8AC3E}">
-        <p14:creationId xmlns:p14="http://schemas.microsoft.com/office/powerpoint/2010/main" val="4293935791"/>
+        <p14:creationId xmlns:p14="http://schemas.microsoft.com/office/powerpoint/2010/main" val="3571522578"/>
       </p:ext>
     </p:extLst>
   </p:cSld>
@@ -21447,13 +21056,18 @@
           <a:lstStyle/>
           <a:p>
             <a:r>
-              <a:rPr lang="ko-KR" altLang="en-US" sz="4400" b="1" spc="-150" dirty="0">
+              <a:rPr lang="ko-KR" altLang="en-US" sz="4400" b="1" spc="-150">
                 <a:solidFill>
                   <a:schemeClr val="bg1"/>
                 </a:solidFill>
               </a:rPr>
-              <a:t>시연</a:t>
-            </a:r>
+              <a:t>결론</a:t>
+            </a:r>
+            <a:endParaRPr lang="ko-KR" altLang="en-US" sz="4400" b="1" spc="-150" dirty="0">
+              <a:solidFill>
+                <a:schemeClr val="bg1"/>
+              </a:solidFill>
+            </a:endParaRPr>
           </a:p>
         </p:txBody>
       </p:sp>
@@ -21500,46 +21114,81 @@
           </a:fontRef>
         </p:style>
       </p:cxnSp>
-      <p:pic>
-        <p:nvPicPr>
-          <p:cNvPr id="6" name="그림 5">
+      <p:sp>
+        <p:nvSpPr>
+          <p:cNvPr id="28" name="TextBox 27">
             <a:extLst>
               <a:ext uri="{FF2B5EF4-FFF2-40B4-BE49-F238E27FC236}">
-                <a16:creationId xmlns:a16="http://schemas.microsoft.com/office/drawing/2014/main" id="{F984F2CD-00E2-4438-AEED-1AB2C7FD62F5}"/>
+                <a16:creationId xmlns:a16="http://schemas.microsoft.com/office/drawing/2014/main" id="{1D970E4A-A9C6-4C76-B413-8F122DEBABDF}"/>
               </a:ext>
             </a:extLst>
           </p:cNvPr>
-          <p:cNvPicPr>
-            <a:picLocks noChangeAspect="1"/>
-          </p:cNvPicPr>
-          <p:nvPr/>
-        </p:nvPicPr>
-        <p:blipFill>
-          <a:blip r:embed="rId3">
-            <a:extLst>
-              <a:ext uri="{28A0092B-C50C-407E-A947-70E740481C1C}">
-                <a14:useLocalDpi xmlns:a14="http://schemas.microsoft.com/office/drawing/2010/main" val="0"/>
-              </a:ext>
-            </a:extLst>
-          </a:blip>
-          <a:stretch>
-            <a:fillRect/>
-          </a:stretch>
-        </p:blipFill>
-        <p:spPr>
-          <a:xfrm>
-            <a:off x="4477617" y="1921921"/>
-            <a:ext cx="3014158" cy="3014158"/>
+          <p:cNvSpPr txBox="1"/>
+          <p:nvPr/>
+        </p:nvSpPr>
+        <p:spPr>
+          <a:xfrm>
+            <a:off x="3131840" y="2410238"/>
+            <a:ext cx="4104456" cy="1128963"/>
           </a:xfrm>
           <a:prstGeom prst="rect">
             <a:avLst/>
           </a:prstGeom>
-        </p:spPr>
-      </p:pic>
+          <a:noFill/>
+        </p:spPr>
+        <p:txBody>
+          <a:bodyPr wrap="square" rtlCol="0">
+            <a:spAutoFit/>
+          </a:bodyPr>
+          <a:lstStyle/>
+          <a:p>
+            <a:pPr marL="457200" indent="-457200">
+              <a:lnSpc>
+                <a:spcPct val="150000"/>
+              </a:lnSpc>
+              <a:buAutoNum type="arabicPeriod"/>
+            </a:pPr>
+            <a:r>
+              <a:rPr lang="ko-KR" altLang="en-US" sz="2400" b="1" spc="-150" dirty="0">
+                <a:solidFill>
+                  <a:srgbClr val="17375E"/>
+                </a:solidFill>
+              </a:rPr>
+              <a:t>작품의 가지는 의미</a:t>
+            </a:r>
+            <a:endParaRPr lang="en-US" altLang="ko-KR" sz="2400" b="1" spc="-150" dirty="0">
+              <a:solidFill>
+                <a:srgbClr val="17375E"/>
+              </a:solidFill>
+            </a:endParaRPr>
+          </a:p>
+          <a:p>
+            <a:pPr marL="457200" indent="-457200">
+              <a:lnSpc>
+                <a:spcPct val="150000"/>
+              </a:lnSpc>
+              <a:buAutoNum type="arabicPeriod"/>
+            </a:pPr>
+            <a:r>
+              <a:rPr lang="ko-KR" altLang="en-US" sz="2400" b="1" spc="-150" dirty="0">
+                <a:solidFill>
+                  <a:srgbClr val="17375E"/>
+                </a:solidFill>
+              </a:rPr>
+              <a:t>작품의 확장성</a:t>
+            </a:r>
+            <a:endParaRPr lang="en-US" altLang="ko-KR" sz="2400" b="1" spc="-150" dirty="0">
+              <a:solidFill>
+                <a:srgbClr val="17375E"/>
+              </a:solidFill>
+            </a:endParaRPr>
+          </a:p>
+        </p:txBody>
+      </p:sp>
     </p:spTree>
     <p:extLst>
       <p:ext uri="{BB962C8B-B14F-4D97-AF65-F5344CB8AC3E}">
-        <p14:creationId xmlns:p14="http://schemas.microsoft.com/office/powerpoint/2010/main" val="3571522578"/>
+        <p14:creationId xmlns:p14="http://schemas.microsoft.com/office/powerpoint/2010/main" val="1178938458"/>
       </p:ext>
     </p:extLst>
   </p:cSld>
@@ -21552,14 +21201,6 @@
 <file path=ppt/slides/slide23.xml><?xml version="1.0" encoding="utf-8"?>
 <p:sld xmlns:a="http://schemas.openxmlformats.org/drawingml/2006/main" xmlns:r="http://schemas.openxmlformats.org/officeDocument/2006/relationships" xmlns:p="http://schemas.openxmlformats.org/presentationml/2006/main">
   <p:cSld>
-    <p:bg>
-      <p:bgPr>
-        <a:solidFill>
-          <a:srgbClr val="17375E"/>
-        </a:solidFill>
-        <a:effectLst/>
-      </p:bgPr>
-    </p:bg>
     <p:spTree>
       <p:nvGrpSpPr>
         <p:cNvPr id="1" name=""/>
@@ -21576,20 +21217,14 @@
       </p:grpSpPr>
       <p:sp>
         <p:nvSpPr>
-          <p:cNvPr id="3" name="직사각형 2">
-            <a:extLst>
-              <a:ext uri="{FF2B5EF4-FFF2-40B4-BE49-F238E27FC236}">
-                <a16:creationId xmlns:a16="http://schemas.microsoft.com/office/drawing/2014/main" id="{39E0AA23-105E-461E-B595-C43D224D98E7}"/>
-              </a:ext>
-            </a:extLst>
-          </p:cNvPr>
+          <p:cNvPr id="2" name="직사각형 1"/>
           <p:cNvSpPr/>
           <p:nvPr/>
         </p:nvSpPr>
         <p:spPr>
           <a:xfrm>
-            <a:off x="2987824" y="0"/>
-            <a:ext cx="6156176" cy="6858000"/>
+            <a:off x="251520" y="620688"/>
+            <a:ext cx="8640960" cy="5976664"/>
           </a:xfrm>
           <a:prstGeom prst="rect">
             <a:avLst/>
@@ -21598,9 +21233,7 @@
             <a:schemeClr val="bg1"/>
           </a:solidFill>
           <a:ln>
-            <a:solidFill>
-              <a:schemeClr val="bg1"/>
-            </a:solidFill>
+            <a:noFill/>
           </a:ln>
         </p:spPr>
         <p:style>
@@ -21630,160 +21263,616 @@
       </p:sp>
       <p:sp>
         <p:nvSpPr>
-          <p:cNvPr id="2" name="TextBox 1"/>
-          <p:cNvSpPr txBox="1"/>
-          <p:nvPr/>
-        </p:nvSpPr>
-        <p:spPr>
-          <a:xfrm>
-            <a:off x="1660104" y="1567803"/>
-            <a:ext cx="1357307" cy="769441"/>
+          <p:cNvPr id="16" name="직사각형 15"/>
+          <p:cNvSpPr/>
+          <p:nvPr/>
+        </p:nvSpPr>
+        <p:spPr>
+          <a:xfrm>
+            <a:off x="971600" y="2942942"/>
+            <a:ext cx="7200800" cy="1494170"/>
           </a:xfrm>
           <a:prstGeom prst="rect">
             <a:avLst/>
           </a:prstGeom>
-          <a:noFill/>
-        </p:spPr>
-        <p:txBody>
-          <a:bodyPr wrap="square" rtlCol="0">
-            <a:spAutoFit/>
-          </a:bodyPr>
-          <a:lstStyle/>
-          <a:p>
-            <a:r>
-              <a:rPr lang="ko-KR" altLang="en-US" sz="4400" b="1" spc="-150">
-                <a:solidFill>
-                  <a:schemeClr val="bg1"/>
-                </a:solidFill>
-              </a:rPr>
-              <a:t>결론</a:t>
-            </a:r>
-            <a:endParaRPr lang="ko-KR" altLang="en-US" sz="4400" b="1" spc="-150" dirty="0">
-              <a:solidFill>
-                <a:schemeClr val="bg1"/>
-              </a:solidFill>
-            </a:endParaRPr>
-          </a:p>
-        </p:txBody>
-      </p:sp>
-      <p:cxnSp>
-        <p:nvCxnSpPr>
-          <p:cNvPr id="8" name="직선 연결선 7">
-            <a:extLst>
-              <a:ext uri="{FF2B5EF4-FFF2-40B4-BE49-F238E27FC236}">
-                <a16:creationId xmlns:a16="http://schemas.microsoft.com/office/drawing/2014/main" id="{20429B64-59F8-4502-87AD-C3E67E73C1D0}"/>
-              </a:ext>
-            </a:extLst>
-          </p:cNvPr>
-          <p:cNvCxnSpPr>
-            <a:cxnSpLocks/>
-          </p:cNvCxnSpPr>
-          <p:nvPr/>
-        </p:nvCxnSpPr>
-        <p:spPr>
-          <a:xfrm>
-            <a:off x="1619672" y="2348880"/>
-            <a:ext cx="1368152" cy="0"/>
-          </a:xfrm>
-          <a:prstGeom prst="line">
-            <a:avLst/>
-          </a:prstGeom>
-          <a:ln w="41275">
+          <a:solidFill>
+            <a:schemeClr val="bg1">
+              <a:lumMod val="95000"/>
+            </a:schemeClr>
+          </a:solidFill>
+          <a:ln>
             <a:solidFill>
-              <a:schemeClr val="bg1"/>
+              <a:schemeClr val="bg1">
+                <a:lumMod val="50000"/>
+              </a:schemeClr>
             </a:solidFill>
           </a:ln>
         </p:spPr>
         <p:style>
-          <a:lnRef idx="1">
-            <a:schemeClr val="accent1"/>
+          <a:lnRef idx="2">
+            <a:schemeClr val="accent1">
+              <a:shade val="50000"/>
+            </a:schemeClr>
           </a:lnRef>
-          <a:fillRef idx="0">
+          <a:fillRef idx="1">
             <a:schemeClr val="accent1"/>
           </a:fillRef>
           <a:effectRef idx="0">
             <a:schemeClr val="accent1"/>
           </a:effectRef>
           <a:fontRef idx="minor">
+            <a:schemeClr val="lt1"/>
+          </a:fontRef>
+        </p:style>
+        <p:txBody>
+          <a:bodyPr rtlCol="0" anchor="ctr"/>
+          <a:lstStyle/>
+          <a:p>
+            <a:pPr algn="ctr"/>
+            <a:endParaRPr lang="ko-KR" altLang="en-US"/>
+          </a:p>
+        </p:txBody>
+      </p:sp>
+      <p:sp>
+        <p:nvSpPr>
+          <p:cNvPr id="15" name="TextBox 14"/>
+          <p:cNvSpPr txBox="1"/>
+          <p:nvPr/>
+        </p:nvSpPr>
+        <p:spPr>
+          <a:xfrm>
+            <a:off x="971600" y="1196752"/>
+            <a:ext cx="7200800" cy="1015663"/>
+          </a:xfrm>
+          <a:prstGeom prst="rect">
+            <a:avLst/>
+          </a:prstGeom>
+          <a:noFill/>
+        </p:spPr>
+        <p:txBody>
+          <a:bodyPr wrap="square" rtlCol="0">
+            <a:spAutoFit/>
+          </a:bodyPr>
+          <a:lstStyle/>
+          <a:p>
+            <a:pPr algn="ctr"/>
+            <a:r>
+              <a:rPr lang="en-US" altLang="ko-KR" sz="6000" dirty="0">
+                <a:solidFill>
+                  <a:schemeClr val="bg1">
+                    <a:lumMod val="75000"/>
+                  </a:schemeClr>
+                </a:solidFill>
+                <a:latin typeface="HY헤드라인M" pitchFamily="18" charset="-127"/>
+                <a:ea typeface="HY헤드라인M" pitchFamily="18" charset="-127"/>
+              </a:rPr>
+              <a:t>“           ”</a:t>
+            </a:r>
+            <a:endParaRPr lang="ko-KR" altLang="en-US" sz="6000" dirty="0">
+              <a:solidFill>
+                <a:schemeClr val="bg1">
+                  <a:lumMod val="75000"/>
+                </a:schemeClr>
+              </a:solidFill>
+              <a:latin typeface="HY헤드라인M" pitchFamily="18" charset="-127"/>
+              <a:ea typeface="HY헤드라인M" pitchFamily="18" charset="-127"/>
+            </a:endParaRPr>
+          </a:p>
+        </p:txBody>
+      </p:sp>
+      <p:sp>
+        <p:nvSpPr>
+          <p:cNvPr id="3" name="타원 2"/>
+          <p:cNvSpPr/>
+          <p:nvPr/>
+        </p:nvSpPr>
+        <p:spPr>
+          <a:xfrm>
+            <a:off x="4067944" y="74100"/>
+            <a:ext cx="936104" cy="936104"/>
+          </a:xfrm>
+          <a:prstGeom prst="ellipse">
+            <a:avLst/>
+          </a:prstGeom>
+          <a:solidFill>
+            <a:schemeClr val="tx2">
+              <a:lumMod val="75000"/>
+            </a:schemeClr>
+          </a:solidFill>
+          <a:ln>
+            <a:noFill/>
+          </a:ln>
+        </p:spPr>
+        <p:style>
+          <a:lnRef idx="2">
+            <a:schemeClr val="accent1">
+              <a:shade val="50000"/>
+            </a:schemeClr>
+          </a:lnRef>
+          <a:fillRef idx="1">
+            <a:schemeClr val="accent1"/>
+          </a:fillRef>
+          <a:effectRef idx="0">
+            <a:schemeClr val="accent1"/>
+          </a:effectRef>
+          <a:fontRef idx="minor">
+            <a:schemeClr val="lt1"/>
+          </a:fontRef>
+        </p:style>
+        <p:txBody>
+          <a:bodyPr rtlCol="0" anchor="ctr"/>
+          <a:lstStyle/>
+          <a:p>
+            <a:pPr algn="ctr"/>
+            <a:endParaRPr lang="ko-KR" altLang="en-US"/>
+          </a:p>
+        </p:txBody>
+      </p:sp>
+      <p:sp>
+        <p:nvSpPr>
+          <p:cNvPr id="4" name="TextBox 3"/>
+          <p:cNvSpPr txBox="1"/>
+          <p:nvPr/>
+        </p:nvSpPr>
+        <p:spPr>
+          <a:xfrm>
+            <a:off x="5364088" y="271681"/>
+            <a:ext cx="3600400" cy="276999"/>
+          </a:xfrm>
+          <a:prstGeom prst="rect">
+            <a:avLst/>
+          </a:prstGeom>
+          <a:noFill/>
+        </p:spPr>
+        <p:txBody>
+          <a:bodyPr wrap="square" rtlCol="0">
+            <a:spAutoFit/>
+          </a:bodyPr>
+          <a:lstStyle/>
+          <a:p>
+            <a:pPr algn="dist"/>
+            <a:r>
+              <a:rPr lang="ko-KR" altLang="en-US" sz="1200" dirty="0">
+                <a:solidFill>
+                  <a:schemeClr val="bg1"/>
+                </a:solidFill>
+              </a:rPr>
+              <a:t>과목이름이나 영문타이틀</a:t>
+            </a:r>
+          </a:p>
+        </p:txBody>
+      </p:sp>
+      <p:sp>
+        <p:nvSpPr>
+          <p:cNvPr id="6" name="TextBox 5"/>
+          <p:cNvSpPr txBox="1"/>
+          <p:nvPr/>
+        </p:nvSpPr>
+        <p:spPr>
+          <a:xfrm>
+            <a:off x="7164288" y="6546830"/>
+            <a:ext cx="1728192" cy="338554"/>
+          </a:xfrm>
+          <a:prstGeom prst="rect">
+            <a:avLst/>
+          </a:prstGeom>
+          <a:noFill/>
+        </p:spPr>
+        <p:txBody>
+          <a:bodyPr wrap="square" rtlCol="0">
+            <a:spAutoFit/>
+          </a:bodyPr>
+          <a:lstStyle/>
+          <a:p>
+            <a:pPr algn="r"/>
+            <a:r>
+              <a:rPr lang="en-US" altLang="ko-KR" sz="1600" dirty="0">
+                <a:solidFill>
+                  <a:schemeClr val="bg1">
+                    <a:lumMod val="75000"/>
+                  </a:schemeClr>
+                </a:solidFill>
+              </a:rPr>
+              <a:t>MINHEEBLOG</a:t>
+            </a:r>
+            <a:endParaRPr lang="ko-KR" altLang="en-US" sz="1600" dirty="0">
+              <a:solidFill>
+                <a:schemeClr val="bg1">
+                  <a:lumMod val="75000"/>
+                </a:schemeClr>
+              </a:solidFill>
+            </a:endParaRPr>
+          </a:p>
+        </p:txBody>
+      </p:sp>
+      <p:sp>
+        <p:nvSpPr>
+          <p:cNvPr id="9" name="TextBox 8"/>
+          <p:cNvSpPr txBox="1"/>
+          <p:nvPr/>
+        </p:nvSpPr>
+        <p:spPr>
+          <a:xfrm>
+            <a:off x="3995936" y="479095"/>
+            <a:ext cx="1080120" cy="461665"/>
+          </a:xfrm>
+          <a:prstGeom prst="rect">
+            <a:avLst/>
+          </a:prstGeom>
+          <a:noFill/>
+        </p:spPr>
+        <p:txBody>
+          <a:bodyPr wrap="square" rtlCol="0">
+            <a:spAutoFit/>
+          </a:bodyPr>
+          <a:lstStyle/>
+          <a:p>
+            <a:pPr algn="ctr"/>
+            <a:r>
+              <a:rPr lang="en-US" altLang="ko-KR" sz="2400" dirty="0">
+                <a:solidFill>
+                  <a:schemeClr val="bg1"/>
+                </a:solidFill>
+                <a:latin typeface="HY헤드라인M" pitchFamily="18" charset="-127"/>
+                <a:ea typeface="HY헤드라인M" pitchFamily="18" charset="-127"/>
+              </a:rPr>
+              <a:t>02</a:t>
+            </a:r>
+            <a:endParaRPr lang="ko-KR" altLang="en-US" sz="2400" dirty="0">
+              <a:solidFill>
+                <a:schemeClr val="bg1"/>
+              </a:solidFill>
+              <a:latin typeface="HY헤드라인M" pitchFamily="18" charset="-127"/>
+              <a:ea typeface="HY헤드라인M" pitchFamily="18" charset="-127"/>
+            </a:endParaRPr>
+          </a:p>
+        </p:txBody>
+      </p:sp>
+      <p:sp>
+        <p:nvSpPr>
+          <p:cNvPr id="10" name="TextBox 9"/>
+          <p:cNvSpPr txBox="1"/>
+          <p:nvPr/>
+        </p:nvSpPr>
+        <p:spPr>
+          <a:xfrm>
+            <a:off x="1403648" y="3266400"/>
+            <a:ext cx="6624736" cy="1169551"/>
+          </a:xfrm>
+          <a:prstGeom prst="rect">
+            <a:avLst/>
+          </a:prstGeom>
+          <a:noFill/>
+        </p:spPr>
+        <p:txBody>
+          <a:bodyPr wrap="square" rtlCol="0">
+            <a:spAutoFit/>
+          </a:bodyPr>
+          <a:lstStyle/>
+          <a:p>
+            <a:pPr marL="342900" indent="-342900">
+              <a:buAutoNum type="arabicPeriod"/>
+            </a:pPr>
+            <a:r>
+              <a:rPr lang="ko-KR" altLang="en-US" sz="1400" dirty="0"/>
+              <a:t>제품 별 성분과 각 성분의 효능에 대한 정보 제공 </a:t>
+            </a:r>
+            <a:r>
+              <a:rPr lang="en-US" altLang="ko-KR" sz="1400" dirty="0"/>
+              <a:t>=&gt; </a:t>
+            </a:r>
+            <a:r>
+              <a:rPr lang="ko-KR" altLang="en-US" sz="1400" dirty="0"/>
+              <a:t>사용자의 안목 향상</a:t>
+            </a:r>
+            <a:endParaRPr lang="en-US" altLang="ko-KR" sz="1400" dirty="0"/>
+          </a:p>
+          <a:p>
+            <a:pPr marL="342900" indent="-342900">
+              <a:buAutoNum type="arabicPeriod"/>
+            </a:pPr>
+            <a:r>
+              <a:rPr lang="ko-KR" altLang="en-US" sz="1400" dirty="0"/>
+              <a:t>제품 별 최저가 정보를 제공 </a:t>
+            </a:r>
+            <a:r>
+              <a:rPr lang="en-US" altLang="ko-KR" sz="1400" dirty="0"/>
+              <a:t>=&gt; </a:t>
+            </a:r>
+            <a:r>
+              <a:rPr lang="ko-KR" altLang="en-US" sz="1400" dirty="0"/>
+              <a:t>사용자의 제품 구매 편의 제공</a:t>
+            </a:r>
+            <a:endParaRPr lang="en-US" altLang="ko-KR" sz="1400" dirty="0"/>
+          </a:p>
+          <a:p>
+            <a:pPr marL="342900" indent="-342900">
+              <a:buAutoNum type="arabicPeriod"/>
+            </a:pPr>
+            <a:r>
+              <a:rPr lang="ko-KR" altLang="en-US" sz="1400" dirty="0"/>
+              <a:t>업체 광고에 따른 수익성 </a:t>
+            </a:r>
+            <a:r>
+              <a:rPr lang="en-US" altLang="ko-KR" sz="1400" dirty="0"/>
+              <a:t>=&gt; </a:t>
+            </a:r>
+            <a:r>
+              <a:rPr lang="ko-KR" altLang="en-US" sz="1400" dirty="0"/>
+              <a:t>어플리케이션의 유지보수를 위한 경제력 확보</a:t>
+            </a:r>
+            <a:endParaRPr lang="en-US" altLang="ko-KR" sz="1400" dirty="0"/>
+          </a:p>
+          <a:p>
+            <a:pPr marL="342900" indent="-342900">
+              <a:buAutoNum type="arabicPeriod"/>
+            </a:pPr>
+            <a:endParaRPr lang="en-US" altLang="ko-KR" sz="1400" dirty="0"/>
+          </a:p>
+          <a:p>
+            <a:pPr marL="342900" indent="-342900">
+              <a:buAutoNum type="arabicPeriod"/>
+            </a:pPr>
+            <a:endParaRPr lang="en-US" altLang="ko-KR" sz="1400" dirty="0"/>
+          </a:p>
+        </p:txBody>
+      </p:sp>
+      <p:sp>
+        <p:nvSpPr>
+          <p:cNvPr id="11" name="TextBox 10"/>
+          <p:cNvSpPr txBox="1"/>
+          <p:nvPr/>
+        </p:nvSpPr>
+        <p:spPr>
+          <a:xfrm>
+            <a:off x="971600" y="2062589"/>
+            <a:ext cx="7128792" cy="584775"/>
+          </a:xfrm>
+          <a:prstGeom prst="rect">
+            <a:avLst/>
+          </a:prstGeom>
+          <a:noFill/>
+        </p:spPr>
+        <p:txBody>
+          <a:bodyPr wrap="square" rtlCol="0">
+            <a:spAutoFit/>
+          </a:bodyPr>
+          <a:lstStyle/>
+          <a:p>
+            <a:pPr algn="ctr"/>
+            <a:r>
+              <a:rPr lang="ko-KR" altLang="en-US" b="1" spc="-150" dirty="0"/>
+              <a:t>해당 어플의 사용자는 대부분 눈의 건강에 관심을 가지고 있을 것</a:t>
+            </a:r>
+          </a:p>
+          <a:p>
+            <a:pPr algn="ctr"/>
+            <a:r>
+              <a:rPr lang="ko-KR" altLang="en-US" sz="1400" b="1" spc="-150" dirty="0">
+                <a:latin typeface="+mn-ea"/>
+              </a:rPr>
+              <a:t>눈 건강과 관련한 현실적인 정보를 제공 및 구매 업체 소개</a:t>
+            </a:r>
+            <a:endParaRPr lang="ko-KR" altLang="en-US" spc="-150" dirty="0"/>
+          </a:p>
+        </p:txBody>
+      </p:sp>
+      <p:sp>
+        <p:nvSpPr>
+          <p:cNvPr id="12" name="TextBox 11"/>
+          <p:cNvSpPr txBox="1"/>
+          <p:nvPr/>
+        </p:nvSpPr>
+        <p:spPr>
+          <a:xfrm>
+            <a:off x="2411760" y="1268760"/>
+            <a:ext cx="4320480" cy="584775"/>
+          </a:xfrm>
+          <a:prstGeom prst="rect">
+            <a:avLst/>
+          </a:prstGeom>
+          <a:noFill/>
+        </p:spPr>
+        <p:txBody>
+          <a:bodyPr wrap="square" rtlCol="0">
+            <a:spAutoFit/>
+          </a:bodyPr>
+          <a:lstStyle/>
+          <a:p>
+            <a:pPr algn="ctr"/>
+            <a:r>
+              <a:rPr lang="ko-KR" altLang="en-US" sz="3200" b="1" spc="-150" dirty="0">
+                <a:solidFill>
+                  <a:schemeClr val="tx2">
+                    <a:lumMod val="75000"/>
+                  </a:schemeClr>
+                </a:solidFill>
+                <a:latin typeface="+mj-lt"/>
+                <a:ea typeface="HY헤드라인M" pitchFamily="18" charset="-127"/>
+              </a:rPr>
+              <a:t>작품의 확장성</a:t>
+            </a:r>
+          </a:p>
+        </p:txBody>
+      </p:sp>
+      <p:cxnSp>
+        <p:nvCxnSpPr>
+          <p:cNvPr id="14" name="직선 연결선 13"/>
+          <p:cNvCxnSpPr/>
+          <p:nvPr/>
+        </p:nvCxnSpPr>
+        <p:spPr>
+          <a:xfrm>
+            <a:off x="2123728" y="1916832"/>
+            <a:ext cx="4824536" cy="0"/>
+          </a:xfrm>
+          <a:prstGeom prst="line">
+            <a:avLst/>
+          </a:prstGeom>
+          <a:ln>
+            <a:gradFill>
+              <a:gsLst>
+                <a:gs pos="0">
+                  <a:schemeClr val="bg1"/>
+                </a:gs>
+                <a:gs pos="50000">
+                  <a:schemeClr val="bg1">
+                    <a:lumMod val="50000"/>
+                  </a:schemeClr>
+                </a:gs>
+                <a:gs pos="100000">
+                  <a:schemeClr val="bg1"/>
+                </a:gs>
+              </a:gsLst>
+              <a:lin ang="10800000" scaled="0"/>
+            </a:gradFill>
+          </a:ln>
+        </p:spPr>
+        <p:style>
+          <a:lnRef idx="1">
+            <a:schemeClr val="dk1"/>
+          </a:lnRef>
+          <a:fillRef idx="0">
+            <a:schemeClr val="dk1"/>
+          </a:fillRef>
+          <a:effectRef idx="0">
+            <a:schemeClr val="dk1"/>
+          </a:effectRef>
+          <a:fontRef idx="minor">
             <a:schemeClr val="tx1"/>
           </a:fontRef>
         </p:style>
       </p:cxnSp>
       <p:sp>
         <p:nvSpPr>
-          <p:cNvPr id="28" name="TextBox 27">
+          <p:cNvPr id="17" name="직사각형 16"/>
+          <p:cNvSpPr/>
+          <p:nvPr/>
+        </p:nvSpPr>
+        <p:spPr>
+          <a:xfrm>
+            <a:off x="219463" y="271681"/>
+            <a:ext cx="1297150" cy="276999"/>
+          </a:xfrm>
+          <a:prstGeom prst="rect">
+            <a:avLst/>
+          </a:prstGeom>
+        </p:spPr>
+        <p:txBody>
+          <a:bodyPr wrap="none">
+            <a:spAutoFit/>
+          </a:bodyPr>
+          <a:lstStyle/>
+          <a:p>
+            <a:pPr algn="ctr"/>
+            <a:r>
+              <a:rPr lang="ko-KR" altLang="en-US" sz="1200" b="1" spc="-150" dirty="0">
+                <a:solidFill>
+                  <a:schemeClr val="bg1"/>
+                </a:solidFill>
+              </a:rPr>
+              <a:t>제목을 입력하세요</a:t>
+            </a:r>
+          </a:p>
+        </p:txBody>
+      </p:sp>
+      <p:pic>
+        <p:nvPicPr>
+          <p:cNvPr id="18" name="_x48549128"/>
+          <p:cNvPicPr>
+            <a:picLocks noChangeAspect="1" noChangeArrowheads="1"/>
+          </p:cNvPicPr>
+          <p:nvPr/>
+        </p:nvPicPr>
+        <p:blipFill>
+          <a:blip r:embed="rId3" cstate="print">
             <a:extLst>
-              <a:ext uri="{FF2B5EF4-FFF2-40B4-BE49-F238E27FC236}">
-                <a16:creationId xmlns:a16="http://schemas.microsoft.com/office/drawing/2014/main" id="{1D970E4A-A9C6-4C76-B413-8F122DEBABDF}"/>
+              <a:ext uri="{28A0092B-C50C-407E-A947-70E740481C1C}">
+                <a14:useLocalDpi xmlns:a14="http://schemas.microsoft.com/office/drawing/2010/main" val="0"/>
               </a:ext>
             </a:extLst>
-          </p:cNvPr>
-          <p:cNvSpPr txBox="1"/>
-          <p:nvPr/>
-        </p:nvSpPr>
-        <p:spPr>
-          <a:xfrm>
-            <a:off x="3131840" y="2410238"/>
-            <a:ext cx="4104456" cy="1128963"/>
+          </a:blip>
+          <a:stretch>
+            <a:fillRect/>
+          </a:stretch>
+        </p:blipFill>
+        <p:spPr bwMode="auto">
+          <a:xfrm>
+            <a:off x="3668724" y="4581128"/>
+            <a:ext cx="1806792" cy="1440000"/>
           </a:xfrm>
           <a:prstGeom prst="rect">
             <a:avLst/>
           </a:prstGeom>
           <a:noFill/>
         </p:spPr>
-        <p:txBody>
-          <a:bodyPr wrap="square" rtlCol="0">
-            <a:spAutoFit/>
-          </a:bodyPr>
-          <a:lstStyle/>
-          <a:p>
-            <a:pPr marL="457200" indent="-457200">
-              <a:lnSpc>
-                <a:spcPct val="150000"/>
-              </a:lnSpc>
-              <a:buAutoNum type="arabicPeriod"/>
-            </a:pPr>
-            <a:r>
-              <a:rPr lang="ko-KR" altLang="en-US" sz="2400" b="1" spc="-150" dirty="0">
-                <a:solidFill>
-                  <a:srgbClr val="17375E"/>
-                </a:solidFill>
-              </a:rPr>
-              <a:t>작품의 가지는 의미</a:t>
-            </a:r>
-            <a:endParaRPr lang="en-US" altLang="ko-KR" sz="2400" b="1" spc="-150" dirty="0">
-              <a:solidFill>
-                <a:srgbClr val="17375E"/>
-              </a:solidFill>
-            </a:endParaRPr>
-          </a:p>
-          <a:p>
-            <a:pPr marL="457200" indent="-457200">
-              <a:lnSpc>
-                <a:spcPct val="150000"/>
-              </a:lnSpc>
-              <a:buAutoNum type="arabicPeriod"/>
-            </a:pPr>
-            <a:r>
-              <a:rPr lang="ko-KR" altLang="en-US" sz="2400" b="1" spc="-150" dirty="0">
-                <a:solidFill>
-                  <a:srgbClr val="17375E"/>
-                </a:solidFill>
-              </a:rPr>
-              <a:t>작품의 확장성</a:t>
-            </a:r>
-            <a:endParaRPr lang="en-US" altLang="ko-KR" sz="2400" b="1" spc="-150" dirty="0">
-              <a:solidFill>
-                <a:srgbClr val="17375E"/>
-              </a:solidFill>
-            </a:endParaRPr>
-          </a:p>
-        </p:txBody>
-      </p:sp>
+      </p:pic>
+      <p:pic>
+        <p:nvPicPr>
+          <p:cNvPr id="19" name="_x48549128"/>
+          <p:cNvPicPr>
+            <a:picLocks noChangeAspect="1" noChangeArrowheads="1"/>
+          </p:cNvPicPr>
+          <p:nvPr/>
+        </p:nvPicPr>
+        <p:blipFill>
+          <a:blip r:embed="rId4" cstate="print">
+            <a:extLst>
+              <a:ext uri="{28A0092B-C50C-407E-A947-70E740481C1C}">
+                <a14:useLocalDpi xmlns:a14="http://schemas.microsoft.com/office/drawing/2010/main" val="0"/>
+              </a:ext>
+            </a:extLst>
+          </a:blip>
+          <a:stretch>
+            <a:fillRect/>
+          </a:stretch>
+        </p:blipFill>
+        <p:spPr bwMode="auto">
+          <a:xfrm>
+            <a:off x="6012160" y="4742885"/>
+            <a:ext cx="2160000" cy="1116486"/>
+          </a:xfrm>
+          <a:prstGeom prst="rect">
+            <a:avLst/>
+          </a:prstGeom>
+          <a:noFill/>
+        </p:spPr>
+      </p:pic>
+      <p:pic>
+        <p:nvPicPr>
+          <p:cNvPr id="20" name="_x189903544"/>
+          <p:cNvPicPr>
+            <a:picLocks noChangeAspect="1" noChangeArrowheads="1"/>
+          </p:cNvPicPr>
+          <p:nvPr/>
+        </p:nvPicPr>
+        <p:blipFill>
+          <a:blip r:embed="rId5" cstate="print">
+            <a:extLst>
+              <a:ext uri="{28A0092B-C50C-407E-A947-70E740481C1C}">
+                <a14:useLocalDpi xmlns:a14="http://schemas.microsoft.com/office/drawing/2010/main" val="0"/>
+              </a:ext>
+            </a:extLst>
+          </a:blip>
+          <a:stretch>
+            <a:fillRect/>
+          </a:stretch>
+        </p:blipFill>
+        <p:spPr bwMode="auto">
+          <a:xfrm>
+            <a:off x="971600" y="4678878"/>
+            <a:ext cx="2160001" cy="1244819"/>
+          </a:xfrm>
+          <a:prstGeom prst="rect">
+            <a:avLst/>
+          </a:prstGeom>
+          <a:noFill/>
+        </p:spPr>
+      </p:pic>
     </p:spTree>
     <p:extLst>
       <p:ext uri="{BB962C8B-B14F-4D97-AF65-F5344CB8AC3E}">
-        <p14:creationId xmlns:p14="http://schemas.microsoft.com/office/powerpoint/2010/main" val="1178938458"/>
+        <p14:creationId xmlns:p14="http://schemas.microsoft.com/office/powerpoint/2010/main" val="3081297883"/>
       </p:ext>
     </p:extLst>
   </p:cSld>
@@ -21818,8 +21907,8 @@
         </p:nvSpPr>
         <p:spPr>
           <a:xfrm>
-            <a:off x="251520" y="620688"/>
-            <a:ext cx="8640960" cy="5976664"/>
+            <a:off x="287524" y="3280989"/>
+            <a:ext cx="8640960" cy="3528392"/>
           </a:xfrm>
           <a:prstGeom prst="rect">
             <a:avLst/>
@@ -21858,29 +21947,25 @@
       </p:sp>
       <p:sp>
         <p:nvSpPr>
-          <p:cNvPr id="16" name="직사각형 15"/>
+          <p:cNvPr id="3" name="타원 2"/>
           <p:cNvSpPr/>
           <p:nvPr/>
         </p:nvSpPr>
         <p:spPr>
           <a:xfrm>
-            <a:off x="971600" y="2942942"/>
-            <a:ext cx="7200800" cy="1494170"/>
-          </a:xfrm>
-          <a:prstGeom prst="rect">
+            <a:off x="2627784" y="1370244"/>
+            <a:ext cx="3858956" cy="3858956"/>
+          </a:xfrm>
+          <a:prstGeom prst="ellipse">
             <a:avLst/>
           </a:prstGeom>
           <a:solidFill>
-            <a:schemeClr val="bg1">
-              <a:lumMod val="95000"/>
+            <a:schemeClr val="tx2">
+              <a:lumMod val="75000"/>
             </a:schemeClr>
           </a:solidFill>
           <a:ln>
-            <a:solidFill>
-              <a:schemeClr val="bg1">
-                <a:lumMod val="50000"/>
-              </a:schemeClr>
-            </a:solidFill>
+            <a:noFill/>
           </a:ln>
         </p:spPr>
         <p:style>
@@ -21910,101 +21995,6 @@
       </p:sp>
       <p:sp>
         <p:nvSpPr>
-          <p:cNvPr id="15" name="TextBox 14"/>
-          <p:cNvSpPr txBox="1"/>
-          <p:nvPr/>
-        </p:nvSpPr>
-        <p:spPr>
-          <a:xfrm>
-            <a:off x="971600" y="1196752"/>
-            <a:ext cx="7200800" cy="1015663"/>
-          </a:xfrm>
-          <a:prstGeom prst="rect">
-            <a:avLst/>
-          </a:prstGeom>
-          <a:noFill/>
-        </p:spPr>
-        <p:txBody>
-          <a:bodyPr wrap="square" rtlCol="0">
-            <a:spAutoFit/>
-          </a:bodyPr>
-          <a:lstStyle/>
-          <a:p>
-            <a:pPr algn="ctr"/>
-            <a:r>
-              <a:rPr lang="en-US" altLang="ko-KR" sz="6000" dirty="0">
-                <a:solidFill>
-                  <a:schemeClr val="bg1">
-                    <a:lumMod val="75000"/>
-                  </a:schemeClr>
-                </a:solidFill>
-                <a:latin typeface="HY헤드라인M" pitchFamily="18" charset="-127"/>
-                <a:ea typeface="HY헤드라인M" pitchFamily="18" charset="-127"/>
-              </a:rPr>
-              <a:t>“           ”</a:t>
-            </a:r>
-            <a:endParaRPr lang="ko-KR" altLang="en-US" sz="6000" dirty="0">
-              <a:solidFill>
-                <a:schemeClr val="bg1">
-                  <a:lumMod val="75000"/>
-                </a:schemeClr>
-              </a:solidFill>
-              <a:latin typeface="HY헤드라인M" pitchFamily="18" charset="-127"/>
-              <a:ea typeface="HY헤드라인M" pitchFamily="18" charset="-127"/>
-            </a:endParaRPr>
-          </a:p>
-        </p:txBody>
-      </p:sp>
-      <p:sp>
-        <p:nvSpPr>
-          <p:cNvPr id="3" name="타원 2"/>
-          <p:cNvSpPr/>
-          <p:nvPr/>
-        </p:nvSpPr>
-        <p:spPr>
-          <a:xfrm>
-            <a:off x="4067944" y="74100"/>
-            <a:ext cx="936104" cy="936104"/>
-          </a:xfrm>
-          <a:prstGeom prst="ellipse">
-            <a:avLst/>
-          </a:prstGeom>
-          <a:solidFill>
-            <a:schemeClr val="tx2">
-              <a:lumMod val="75000"/>
-            </a:schemeClr>
-          </a:solidFill>
-          <a:ln>
-            <a:noFill/>
-          </a:ln>
-        </p:spPr>
-        <p:style>
-          <a:lnRef idx="2">
-            <a:schemeClr val="accent1">
-              <a:shade val="50000"/>
-            </a:schemeClr>
-          </a:lnRef>
-          <a:fillRef idx="1">
-            <a:schemeClr val="accent1"/>
-          </a:fillRef>
-          <a:effectRef idx="0">
-            <a:schemeClr val="accent1"/>
-          </a:effectRef>
-          <a:fontRef idx="minor">
-            <a:schemeClr val="lt1"/>
-          </a:fontRef>
-        </p:style>
-        <p:txBody>
-          <a:bodyPr rtlCol="0" anchor="ctr"/>
-          <a:lstStyle/>
-          <a:p>
-            <a:pPr algn="ctr"/>
-            <a:endParaRPr lang="ko-KR" altLang="en-US"/>
-          </a:p>
-        </p:txBody>
-      </p:sp>
-      <p:sp>
-        <p:nvSpPr>
           <p:cNvPr id="4" name="TextBox 3"/>
           <p:cNvSpPr txBox="1"/>
           <p:nvPr/>
@@ -22039,14 +22029,14 @@
       </p:sp>
       <p:sp>
         <p:nvSpPr>
-          <p:cNvPr id="6" name="TextBox 5"/>
+          <p:cNvPr id="7" name="TextBox 6"/>
           <p:cNvSpPr txBox="1"/>
           <p:nvPr/>
         </p:nvSpPr>
         <p:spPr>
           <a:xfrm>
-            <a:off x="7164288" y="6546830"/>
-            <a:ext cx="1728192" cy="338554"/>
+            <a:off x="2699792" y="2564904"/>
+            <a:ext cx="3816424" cy="1754326"/>
           </a:xfrm>
           <a:prstGeom prst="rect">
             <a:avLst/>
@@ -22059,415 +22049,38 @@
           </a:bodyPr>
           <a:lstStyle/>
           <a:p>
-            <a:pPr algn="r"/>
-            <a:r>
-              <a:rPr lang="en-US" altLang="ko-KR" sz="1600" dirty="0">
-                <a:solidFill>
-                  <a:schemeClr val="bg1">
-                    <a:lumMod val="75000"/>
-                  </a:schemeClr>
-                </a:solidFill>
-              </a:rPr>
-              <a:t>MINHEEBLOG</a:t>
-            </a:r>
-            <a:endParaRPr lang="ko-KR" altLang="en-US" sz="1600" dirty="0">
-              <a:solidFill>
-                <a:schemeClr val="bg1">
-                  <a:lumMod val="75000"/>
-                </a:schemeClr>
-              </a:solidFill>
-            </a:endParaRPr>
-          </a:p>
-        </p:txBody>
-      </p:sp>
-      <p:sp>
-        <p:nvSpPr>
-          <p:cNvPr id="9" name="TextBox 8"/>
-          <p:cNvSpPr txBox="1"/>
-          <p:nvPr/>
-        </p:nvSpPr>
-        <p:spPr>
-          <a:xfrm>
-            <a:off x="3995936" y="479095"/>
-            <a:ext cx="1080120" cy="461665"/>
-          </a:xfrm>
-          <a:prstGeom prst="rect">
-            <a:avLst/>
-          </a:prstGeom>
-          <a:noFill/>
-        </p:spPr>
-        <p:txBody>
-          <a:bodyPr wrap="square" rtlCol="0">
-            <a:spAutoFit/>
-          </a:bodyPr>
-          <a:lstStyle/>
-          <a:p>
             <a:pPr algn="ctr"/>
             <a:r>
-              <a:rPr lang="en-US" altLang="ko-KR" sz="2400" dirty="0">
-                <a:solidFill>
-                  <a:schemeClr val="bg1"/>
-                </a:solidFill>
-                <a:latin typeface="HY헤드라인M" pitchFamily="18" charset="-127"/>
-                <a:ea typeface="HY헤드라인M" pitchFamily="18" charset="-127"/>
-              </a:rPr>
-              <a:t>02</a:t>
-            </a:r>
-            <a:endParaRPr lang="ko-KR" altLang="en-US" sz="2400" dirty="0">
-              <a:solidFill>
-                <a:schemeClr val="bg1"/>
-              </a:solidFill>
-              <a:latin typeface="HY헤드라인M" pitchFamily="18" charset="-127"/>
-              <a:ea typeface="HY헤드라인M" pitchFamily="18" charset="-127"/>
-            </a:endParaRPr>
-          </a:p>
-        </p:txBody>
-      </p:sp>
-      <p:sp>
-        <p:nvSpPr>
-          <p:cNvPr id="10" name="TextBox 9"/>
-          <p:cNvSpPr txBox="1"/>
-          <p:nvPr/>
-        </p:nvSpPr>
-        <p:spPr>
-          <a:xfrm>
-            <a:off x="1403648" y="3266400"/>
-            <a:ext cx="6624736" cy="1169551"/>
-          </a:xfrm>
-          <a:prstGeom prst="rect">
-            <a:avLst/>
-          </a:prstGeom>
-          <a:noFill/>
-        </p:spPr>
-        <p:txBody>
-          <a:bodyPr wrap="square" rtlCol="0">
-            <a:spAutoFit/>
-          </a:bodyPr>
-          <a:lstStyle/>
-          <a:p>
-            <a:pPr marL="342900" indent="-342900">
-              <a:buAutoNum type="arabicPeriod"/>
-            </a:pPr>
-            <a:r>
-              <a:rPr lang="ko-KR" altLang="en-US" sz="1400" dirty="0"/>
-              <a:t>제품 별 성분과 각 성분의 효능에 대한 정보 제공 </a:t>
-            </a:r>
-            <a:r>
-              <a:rPr lang="en-US" altLang="ko-KR" sz="1400" dirty="0"/>
-              <a:t>=&gt; </a:t>
-            </a:r>
-            <a:r>
-              <a:rPr lang="ko-KR" altLang="en-US" sz="1400" dirty="0"/>
-              <a:t>사용자의 안목 향상</a:t>
-            </a:r>
-            <a:endParaRPr lang="en-US" altLang="ko-KR" sz="1400" dirty="0"/>
-          </a:p>
-          <a:p>
-            <a:pPr marL="342900" indent="-342900">
-              <a:buAutoNum type="arabicPeriod"/>
-            </a:pPr>
-            <a:r>
-              <a:rPr lang="ko-KR" altLang="en-US" sz="1400" dirty="0"/>
-              <a:t>제품 별 최저가 정보를 제공 </a:t>
-            </a:r>
-            <a:r>
-              <a:rPr lang="en-US" altLang="ko-KR" sz="1400" dirty="0"/>
-              <a:t>=&gt; </a:t>
-            </a:r>
-            <a:r>
-              <a:rPr lang="ko-KR" altLang="en-US" sz="1400" dirty="0"/>
-              <a:t>사용자의 제품 구매 편의 제공</a:t>
-            </a:r>
-            <a:endParaRPr lang="en-US" altLang="ko-KR" sz="1400" dirty="0"/>
-          </a:p>
-          <a:p>
-            <a:pPr marL="342900" indent="-342900">
-              <a:buAutoNum type="arabicPeriod"/>
-            </a:pPr>
-            <a:r>
-              <a:rPr lang="ko-KR" altLang="en-US" sz="1400" dirty="0"/>
-              <a:t>업체 광고에 따른 수익성 </a:t>
-            </a:r>
-            <a:r>
-              <a:rPr lang="en-US" altLang="ko-KR" sz="1400" dirty="0"/>
-              <a:t>=&gt; </a:t>
-            </a:r>
-            <a:r>
-              <a:rPr lang="ko-KR" altLang="en-US" sz="1400" dirty="0"/>
-              <a:t>어플리케이션의 유지보수를 위한 경제력 확보</a:t>
-            </a:r>
-            <a:endParaRPr lang="en-US" altLang="ko-KR" sz="1400" dirty="0"/>
-          </a:p>
-          <a:p>
-            <a:pPr marL="342900" indent="-342900">
-              <a:buAutoNum type="arabicPeriod"/>
-            </a:pPr>
-            <a:endParaRPr lang="en-US" altLang="ko-KR" sz="1400" dirty="0"/>
-          </a:p>
-          <a:p>
-            <a:pPr marL="342900" indent="-342900">
-              <a:buAutoNum type="arabicPeriod"/>
-            </a:pPr>
-            <a:endParaRPr lang="en-US" altLang="ko-KR" sz="1400" dirty="0"/>
-          </a:p>
-        </p:txBody>
-      </p:sp>
-      <p:sp>
-        <p:nvSpPr>
-          <p:cNvPr id="11" name="TextBox 10"/>
-          <p:cNvSpPr txBox="1"/>
-          <p:nvPr/>
-        </p:nvSpPr>
-        <p:spPr>
-          <a:xfrm>
-            <a:off x="971600" y="2062589"/>
-            <a:ext cx="7128792" cy="584775"/>
-          </a:xfrm>
-          <a:prstGeom prst="rect">
-            <a:avLst/>
-          </a:prstGeom>
-          <a:noFill/>
-        </p:spPr>
-        <p:txBody>
-          <a:bodyPr wrap="square" rtlCol="0">
-            <a:spAutoFit/>
-          </a:bodyPr>
-          <a:lstStyle/>
-          <a:p>
-            <a:pPr algn="ctr"/>
-            <a:r>
-              <a:rPr lang="ko-KR" altLang="en-US" b="1" spc="-150" dirty="0"/>
-              <a:t>해당 어플의 사용자는 대부분 눈의 건강에 관심을 가지고 있을 것</a:t>
-            </a:r>
-          </a:p>
-          <a:p>
-            <a:pPr algn="ctr"/>
-            <a:r>
-              <a:rPr lang="ko-KR" altLang="en-US" sz="1400" b="1" spc="-150" dirty="0">
-                <a:latin typeface="+mn-ea"/>
-              </a:rPr>
-              <a:t>눈 건강과 관련한 현실적인 정보를 제공 및 구매 업체 소개</a:t>
-            </a:r>
-            <a:endParaRPr lang="ko-KR" altLang="en-US" spc="-150" dirty="0"/>
-          </a:p>
-        </p:txBody>
-      </p:sp>
-      <p:sp>
-        <p:nvSpPr>
-          <p:cNvPr id="12" name="TextBox 11"/>
-          <p:cNvSpPr txBox="1"/>
-          <p:nvPr/>
-        </p:nvSpPr>
-        <p:spPr>
-          <a:xfrm>
-            <a:off x="2411760" y="1268760"/>
-            <a:ext cx="4320480" cy="584775"/>
-          </a:xfrm>
-          <a:prstGeom prst="rect">
-            <a:avLst/>
-          </a:prstGeom>
-          <a:noFill/>
-        </p:spPr>
-        <p:txBody>
-          <a:bodyPr wrap="square" rtlCol="0">
-            <a:spAutoFit/>
-          </a:bodyPr>
-          <a:lstStyle/>
-          <a:p>
-            <a:pPr algn="ctr"/>
-            <a:r>
-              <a:rPr lang="ko-KR" altLang="en-US" sz="3200" b="1" spc="-150" dirty="0">
-                <a:solidFill>
-                  <a:schemeClr val="tx2">
-                    <a:lumMod val="75000"/>
-                  </a:schemeClr>
-                </a:solidFill>
-                <a:latin typeface="+mj-lt"/>
-                <a:ea typeface="HY헤드라인M" pitchFamily="18" charset="-127"/>
-              </a:rPr>
-              <a:t>작품의 확장성</a:t>
-            </a:r>
-          </a:p>
-        </p:txBody>
-      </p:sp>
-      <p:cxnSp>
-        <p:nvCxnSpPr>
-          <p:cNvPr id="14" name="직선 연결선 13"/>
-          <p:cNvCxnSpPr/>
-          <p:nvPr/>
-        </p:nvCxnSpPr>
-        <p:spPr>
-          <a:xfrm>
-            <a:off x="2123728" y="1916832"/>
-            <a:ext cx="4824536" cy="0"/>
-          </a:xfrm>
-          <a:prstGeom prst="line">
-            <a:avLst/>
-          </a:prstGeom>
-          <a:ln>
-            <a:gradFill>
-              <a:gsLst>
-                <a:gs pos="0">
-                  <a:schemeClr val="bg1"/>
-                </a:gs>
-                <a:gs pos="50000">
-                  <a:schemeClr val="bg1">
-                    <a:lumMod val="50000"/>
-                  </a:schemeClr>
-                </a:gs>
-                <a:gs pos="100000">
-                  <a:schemeClr val="bg1"/>
-                </a:gs>
-              </a:gsLst>
-              <a:lin ang="10800000" scaled="0"/>
-            </a:gradFill>
-          </a:ln>
-        </p:spPr>
-        <p:style>
-          <a:lnRef idx="1">
-            <a:schemeClr val="dk1"/>
-          </a:lnRef>
-          <a:fillRef idx="0">
-            <a:schemeClr val="dk1"/>
-          </a:fillRef>
-          <a:effectRef idx="0">
-            <a:schemeClr val="dk1"/>
-          </a:effectRef>
-          <a:fontRef idx="minor">
-            <a:schemeClr val="tx1"/>
-          </a:fontRef>
-        </p:style>
-      </p:cxnSp>
-      <p:sp>
-        <p:nvSpPr>
-          <p:cNvPr id="17" name="직사각형 16"/>
-          <p:cNvSpPr/>
-          <p:nvPr/>
-        </p:nvSpPr>
-        <p:spPr>
-          <a:xfrm>
-            <a:off x="219463" y="271681"/>
-            <a:ext cx="1297150" cy="276999"/>
-          </a:xfrm>
-          <a:prstGeom prst="rect">
-            <a:avLst/>
-          </a:prstGeom>
-        </p:spPr>
-        <p:txBody>
-          <a:bodyPr wrap="none">
-            <a:spAutoFit/>
-          </a:bodyPr>
-          <a:lstStyle/>
-          <a:p>
-            <a:pPr algn="ctr"/>
-            <a:r>
-              <a:rPr lang="ko-KR" altLang="en-US" sz="1200" b="1" spc="-150" dirty="0">
+              <a:rPr lang="en-US" altLang="ko-KR" sz="5400" b="1" dirty="0">
                 <a:solidFill>
                   <a:schemeClr val="bg1"/>
                 </a:solidFill>
               </a:rPr>
-              <a:t>제목을 입력하세요</a:t>
-            </a:r>
-          </a:p>
-        </p:txBody>
-      </p:sp>
-      <p:pic>
-        <p:nvPicPr>
-          <p:cNvPr id="18" name="_x48549128"/>
-          <p:cNvPicPr>
-            <a:picLocks noChangeAspect="1" noChangeArrowheads="1"/>
-          </p:cNvPicPr>
-          <p:nvPr/>
-        </p:nvPicPr>
-        <p:blipFill>
-          <a:blip r:embed="rId3" cstate="print">
-            <a:extLst>
-              <a:ext uri="{28A0092B-C50C-407E-A947-70E740481C1C}">
-                <a14:useLocalDpi xmlns:a14="http://schemas.microsoft.com/office/drawing/2010/main" val="0"/>
-              </a:ext>
-            </a:extLst>
-          </a:blip>
-          <a:stretch>
-            <a:fillRect/>
-          </a:stretch>
-        </p:blipFill>
-        <p:spPr bwMode="auto">
-          <a:xfrm>
-            <a:off x="3668724" y="4581128"/>
-            <a:ext cx="1806792" cy="1440000"/>
-          </a:xfrm>
-          <a:prstGeom prst="rect">
-            <a:avLst/>
-          </a:prstGeom>
-          <a:noFill/>
-        </p:spPr>
-      </p:pic>
-      <p:pic>
-        <p:nvPicPr>
-          <p:cNvPr id="19" name="_x48549128"/>
-          <p:cNvPicPr>
-            <a:picLocks noChangeAspect="1" noChangeArrowheads="1"/>
-          </p:cNvPicPr>
-          <p:nvPr/>
-        </p:nvPicPr>
-        <p:blipFill>
-          <a:blip r:embed="rId4" cstate="print">
-            <a:extLst>
-              <a:ext uri="{28A0092B-C50C-407E-A947-70E740481C1C}">
-                <a14:useLocalDpi xmlns:a14="http://schemas.microsoft.com/office/drawing/2010/main" val="0"/>
-              </a:ext>
-            </a:extLst>
-          </a:blip>
-          <a:stretch>
-            <a:fillRect/>
-          </a:stretch>
-        </p:blipFill>
-        <p:spPr bwMode="auto">
-          <a:xfrm>
-            <a:off x="6012160" y="4742885"/>
-            <a:ext cx="2160000" cy="1116486"/>
-          </a:xfrm>
-          <a:prstGeom prst="rect">
-            <a:avLst/>
-          </a:prstGeom>
-          <a:noFill/>
-        </p:spPr>
-      </p:pic>
-      <p:pic>
-        <p:nvPicPr>
-          <p:cNvPr id="20" name="_x189903544"/>
-          <p:cNvPicPr>
-            <a:picLocks noChangeAspect="1" noChangeArrowheads="1"/>
-          </p:cNvPicPr>
-          <p:nvPr/>
-        </p:nvPicPr>
-        <p:blipFill>
-          <a:blip r:embed="rId5" cstate="print">
-            <a:extLst>
-              <a:ext uri="{28A0092B-C50C-407E-A947-70E740481C1C}">
-                <a14:useLocalDpi xmlns:a14="http://schemas.microsoft.com/office/drawing/2010/main" val="0"/>
-              </a:ext>
-            </a:extLst>
-          </a:blip>
-          <a:stretch>
-            <a:fillRect/>
-          </a:stretch>
-        </p:blipFill>
-        <p:spPr bwMode="auto">
-          <a:xfrm>
-            <a:off x="971600" y="4678878"/>
-            <a:ext cx="2160001" cy="1244819"/>
-          </a:xfrm>
-          <a:prstGeom prst="rect">
-            <a:avLst/>
-          </a:prstGeom>
-          <a:noFill/>
-        </p:spPr>
-      </p:pic>
+              <a:t>THANK</a:t>
+            </a:r>
+          </a:p>
+          <a:p>
+            <a:pPr algn="ctr"/>
+            <a:r>
+              <a:rPr lang="en-US" altLang="ko-KR" sz="5400" b="1" dirty="0">
+                <a:solidFill>
+                  <a:schemeClr val="bg1"/>
+                </a:solidFill>
+              </a:rPr>
+              <a:t>YOU</a:t>
+            </a:r>
+            <a:endParaRPr lang="ko-KR" altLang="en-US" sz="5400" b="1" dirty="0">
+              <a:solidFill>
+                <a:schemeClr val="bg1"/>
+              </a:solidFill>
+            </a:endParaRPr>
+          </a:p>
+        </p:txBody>
+      </p:sp>
     </p:spTree>
     <p:extLst>
       <p:ext uri="{BB962C8B-B14F-4D97-AF65-F5344CB8AC3E}">
-        <p14:creationId xmlns:p14="http://schemas.microsoft.com/office/powerpoint/2010/main" val="3081297883"/>
+        <p14:creationId xmlns:p14="http://schemas.microsoft.com/office/powerpoint/2010/main" val="2864207276"/>
       </p:ext>
     </p:extLst>
   </p:cSld>
@@ -22496,14 +22109,89 @@
       </p:grpSpPr>
       <p:sp>
         <p:nvSpPr>
+          <p:cNvPr id="2" name="TextBox 1">
+            <a:extLst>
+              <a:ext uri="{FF2B5EF4-FFF2-40B4-BE49-F238E27FC236}">
+                <a16:creationId xmlns:a16="http://schemas.microsoft.com/office/drawing/2014/main" id="{C7B623E3-E436-4BE4-BCCB-872187E86BBA}"/>
+              </a:ext>
+            </a:extLst>
+          </p:cNvPr>
+          <p:cNvSpPr txBox="1"/>
+          <p:nvPr/>
+        </p:nvSpPr>
+        <p:spPr>
+          <a:xfrm>
+            <a:off x="1835696" y="2276872"/>
+            <a:ext cx="5976664" cy="369332"/>
+          </a:xfrm>
+          <a:prstGeom prst="rect">
+            <a:avLst/>
+          </a:prstGeom>
+          <a:noFill/>
+        </p:spPr>
+        <p:txBody>
+          <a:bodyPr wrap="square" rtlCol="0">
+            <a:spAutoFit/>
+          </a:bodyPr>
+          <a:lstStyle/>
+          <a:p>
+            <a:r>
+              <a:rPr lang="ko-KR" altLang="en-US" dirty="0"/>
+              <a:t>이 슬라이드 아래로는 템플릿입니다</a:t>
+            </a:r>
+          </a:p>
+        </p:txBody>
+      </p:sp>
+    </p:spTree>
+    <p:extLst>
+      <p:ext uri="{BB962C8B-B14F-4D97-AF65-F5344CB8AC3E}">
+        <p14:creationId xmlns:p14="http://schemas.microsoft.com/office/powerpoint/2010/main" val="3034388360"/>
+      </p:ext>
+    </p:extLst>
+  </p:cSld>
+  <p:clrMapOvr>
+    <a:masterClrMapping/>
+  </p:clrMapOvr>
+</p:sld>
+</file>
+
+<file path=ppt/slides/slide26.xml><?xml version="1.0" encoding="utf-8"?>
+<p:sld xmlns:a="http://schemas.openxmlformats.org/drawingml/2006/main" xmlns:r="http://schemas.openxmlformats.org/officeDocument/2006/relationships" xmlns:p="http://schemas.openxmlformats.org/presentationml/2006/main">
+  <p:cSld>
+    <p:bg>
+      <p:bgPr>
+        <a:solidFill>
+          <a:schemeClr val="tx2">
+            <a:lumMod val="75000"/>
+          </a:schemeClr>
+        </a:solidFill>
+        <a:effectLst/>
+      </p:bgPr>
+    </p:bg>
+    <p:spTree>
+      <p:nvGrpSpPr>
+        <p:cNvPr id="1" name=""/>
+        <p:cNvGrpSpPr/>
+        <p:nvPr/>
+      </p:nvGrpSpPr>
+      <p:grpSpPr>
+        <a:xfrm>
+          <a:off x="0" y="0"/>
+          <a:ext cx="0" cy="0"/>
+          <a:chOff x="0" y="0"/>
+          <a:chExt cx="0" cy="0"/>
+        </a:xfrm>
+      </p:grpSpPr>
+      <p:sp>
+        <p:nvSpPr>
           <p:cNvPr id="2" name="직사각형 1"/>
           <p:cNvSpPr/>
           <p:nvPr/>
         </p:nvSpPr>
         <p:spPr>
           <a:xfrm>
-            <a:off x="287524" y="3280989"/>
-            <a:ext cx="8640960" cy="3528392"/>
+            <a:off x="251520" y="620688"/>
+            <a:ext cx="8640960" cy="5976664"/>
           </a:xfrm>
           <a:prstGeom prst="rect">
             <a:avLst/>
@@ -22542,25 +22230,29 @@
       </p:sp>
       <p:sp>
         <p:nvSpPr>
-          <p:cNvPr id="3" name="타원 2"/>
+          <p:cNvPr id="16" name="직사각형 15"/>
           <p:cNvSpPr/>
           <p:nvPr/>
         </p:nvSpPr>
         <p:spPr>
           <a:xfrm>
-            <a:off x="2627784" y="1370244"/>
-            <a:ext cx="3858956" cy="3858956"/>
-          </a:xfrm>
-          <a:prstGeom prst="ellipse">
+            <a:off x="971600" y="2942942"/>
+            <a:ext cx="7200800" cy="1494170"/>
+          </a:xfrm>
+          <a:prstGeom prst="rect">
             <a:avLst/>
           </a:prstGeom>
           <a:solidFill>
-            <a:schemeClr val="tx2">
-              <a:lumMod val="75000"/>
+            <a:schemeClr val="bg1">
+              <a:lumMod val="95000"/>
             </a:schemeClr>
           </a:solidFill>
           <a:ln>
-            <a:noFill/>
+            <a:solidFill>
+              <a:schemeClr val="bg1">
+                <a:lumMod val="50000"/>
+              </a:schemeClr>
+            </a:solidFill>
           </a:ln>
         </p:spPr>
         <p:style>
@@ -22590,6 +22282,101 @@
       </p:sp>
       <p:sp>
         <p:nvSpPr>
+          <p:cNvPr id="15" name="TextBox 14"/>
+          <p:cNvSpPr txBox="1"/>
+          <p:nvPr/>
+        </p:nvSpPr>
+        <p:spPr>
+          <a:xfrm>
+            <a:off x="971600" y="1196752"/>
+            <a:ext cx="7200800" cy="1015663"/>
+          </a:xfrm>
+          <a:prstGeom prst="rect">
+            <a:avLst/>
+          </a:prstGeom>
+          <a:noFill/>
+        </p:spPr>
+        <p:txBody>
+          <a:bodyPr wrap="square" rtlCol="0">
+            <a:spAutoFit/>
+          </a:bodyPr>
+          <a:lstStyle/>
+          <a:p>
+            <a:pPr algn="ctr"/>
+            <a:r>
+              <a:rPr lang="en-US" altLang="ko-KR" sz="6000" dirty="0">
+                <a:solidFill>
+                  <a:schemeClr val="bg1">
+                    <a:lumMod val="75000"/>
+                  </a:schemeClr>
+                </a:solidFill>
+                <a:latin typeface="HY헤드라인M" pitchFamily="18" charset="-127"/>
+                <a:ea typeface="HY헤드라인M" pitchFamily="18" charset="-127"/>
+              </a:rPr>
+              <a:t>“           ”</a:t>
+            </a:r>
+            <a:endParaRPr lang="ko-KR" altLang="en-US" sz="6000" dirty="0">
+              <a:solidFill>
+                <a:schemeClr val="bg1">
+                  <a:lumMod val="75000"/>
+                </a:schemeClr>
+              </a:solidFill>
+              <a:latin typeface="HY헤드라인M" pitchFamily="18" charset="-127"/>
+              <a:ea typeface="HY헤드라인M" pitchFamily="18" charset="-127"/>
+            </a:endParaRPr>
+          </a:p>
+        </p:txBody>
+      </p:sp>
+      <p:sp>
+        <p:nvSpPr>
+          <p:cNvPr id="3" name="타원 2"/>
+          <p:cNvSpPr/>
+          <p:nvPr/>
+        </p:nvSpPr>
+        <p:spPr>
+          <a:xfrm>
+            <a:off x="4067944" y="74100"/>
+            <a:ext cx="936104" cy="936104"/>
+          </a:xfrm>
+          <a:prstGeom prst="ellipse">
+            <a:avLst/>
+          </a:prstGeom>
+          <a:solidFill>
+            <a:schemeClr val="tx2">
+              <a:lumMod val="75000"/>
+            </a:schemeClr>
+          </a:solidFill>
+          <a:ln>
+            <a:noFill/>
+          </a:ln>
+        </p:spPr>
+        <p:style>
+          <a:lnRef idx="2">
+            <a:schemeClr val="accent1">
+              <a:shade val="50000"/>
+            </a:schemeClr>
+          </a:lnRef>
+          <a:fillRef idx="1">
+            <a:schemeClr val="accent1"/>
+          </a:fillRef>
+          <a:effectRef idx="0">
+            <a:schemeClr val="accent1"/>
+          </a:effectRef>
+          <a:fontRef idx="minor">
+            <a:schemeClr val="lt1"/>
+          </a:fontRef>
+        </p:style>
+        <p:txBody>
+          <a:bodyPr rtlCol="0" anchor="ctr"/>
+          <a:lstStyle/>
+          <a:p>
+            <a:pPr algn="ctr"/>
+            <a:endParaRPr lang="ko-KR" altLang="en-US"/>
+          </a:p>
+        </p:txBody>
+      </p:sp>
+      <p:sp>
+        <p:nvSpPr>
           <p:cNvPr id="4" name="TextBox 3"/>
           <p:cNvSpPr txBox="1"/>
           <p:nvPr/>
@@ -22624,14 +22411,14 @@
       </p:sp>
       <p:sp>
         <p:nvSpPr>
-          <p:cNvPr id="7" name="TextBox 6"/>
+          <p:cNvPr id="6" name="TextBox 5"/>
           <p:cNvSpPr txBox="1"/>
           <p:nvPr/>
         </p:nvSpPr>
         <p:spPr>
           <a:xfrm>
-            <a:off x="2699792" y="2564904"/>
-            <a:ext cx="3816424" cy="1754326"/>
+            <a:off x="7164288" y="6546830"/>
+            <a:ext cx="1728192" cy="338554"/>
           </a:xfrm>
           <a:prstGeom prst="rect">
             <a:avLst/>
@@ -22644,80 +22431,489 @@
           </a:bodyPr>
           <a:lstStyle/>
           <a:p>
+            <a:pPr algn="r"/>
+            <a:r>
+              <a:rPr lang="en-US" altLang="ko-KR" sz="1600" dirty="0">
+                <a:solidFill>
+                  <a:schemeClr val="bg1">
+                    <a:lumMod val="75000"/>
+                  </a:schemeClr>
+                </a:solidFill>
+              </a:rPr>
+              <a:t>MINHEEBLOG</a:t>
+            </a:r>
+            <a:endParaRPr lang="ko-KR" altLang="en-US" sz="1600" dirty="0">
+              <a:solidFill>
+                <a:schemeClr val="bg1">
+                  <a:lumMod val="75000"/>
+                </a:schemeClr>
+              </a:solidFill>
+            </a:endParaRPr>
+          </a:p>
+        </p:txBody>
+      </p:sp>
+      <p:sp>
+        <p:nvSpPr>
+          <p:cNvPr id="9" name="TextBox 8"/>
+          <p:cNvSpPr txBox="1"/>
+          <p:nvPr/>
+        </p:nvSpPr>
+        <p:spPr>
+          <a:xfrm>
+            <a:off x="3995936" y="479095"/>
+            <a:ext cx="1080120" cy="461665"/>
+          </a:xfrm>
+          <a:prstGeom prst="rect">
+            <a:avLst/>
+          </a:prstGeom>
+          <a:noFill/>
+        </p:spPr>
+        <p:txBody>
+          <a:bodyPr wrap="square" rtlCol="0">
+            <a:spAutoFit/>
+          </a:bodyPr>
+          <a:lstStyle/>
+          <a:p>
             <a:pPr algn="ctr"/>
             <a:r>
-              <a:rPr lang="en-US" altLang="ko-KR" sz="5400" b="1" dirty="0">
+              <a:rPr lang="en-US" altLang="ko-KR" sz="2400" dirty="0">
+                <a:solidFill>
+                  <a:schemeClr val="bg1"/>
+                </a:solidFill>
+                <a:latin typeface="HY헤드라인M" pitchFamily="18" charset="-127"/>
+                <a:ea typeface="HY헤드라인M" pitchFamily="18" charset="-127"/>
+              </a:rPr>
+              <a:t>01</a:t>
+            </a:r>
+            <a:endParaRPr lang="ko-KR" altLang="en-US" sz="2400" dirty="0">
+              <a:solidFill>
+                <a:schemeClr val="bg1"/>
+              </a:solidFill>
+              <a:latin typeface="HY헤드라인M" pitchFamily="18" charset="-127"/>
+              <a:ea typeface="HY헤드라인M" pitchFamily="18" charset="-127"/>
+            </a:endParaRPr>
+          </a:p>
+        </p:txBody>
+      </p:sp>
+      <p:sp>
+        <p:nvSpPr>
+          <p:cNvPr id="10" name="TextBox 9"/>
+          <p:cNvSpPr txBox="1"/>
+          <p:nvPr/>
+        </p:nvSpPr>
+        <p:spPr>
+          <a:xfrm>
+            <a:off x="1331640" y="3356992"/>
+            <a:ext cx="6624736" cy="523220"/>
+          </a:xfrm>
+          <a:prstGeom prst="rect">
+            <a:avLst/>
+          </a:prstGeom>
+          <a:noFill/>
+        </p:spPr>
+        <p:txBody>
+          <a:bodyPr wrap="square" rtlCol="0">
+            <a:spAutoFit/>
+          </a:bodyPr>
+          <a:lstStyle/>
+          <a:p>
+            <a:pPr algn="ctr"/>
+            <a:r>
+              <a:rPr lang="ko-KR" altLang="en-US" sz="1400" dirty="0"/>
+              <a:t>내용을 입력하세요</a:t>
+            </a:r>
+            <a:endParaRPr lang="en-US" altLang="ko-KR" sz="1400" dirty="0"/>
+          </a:p>
+          <a:p>
+            <a:pPr algn="ctr"/>
+            <a:r>
+              <a:rPr lang="en-US" altLang="ko-KR" sz="1400" dirty="0"/>
+              <a:t>http://minheeblog.tistory.com/category/PPT</a:t>
+            </a:r>
+            <a:endParaRPr lang="ko-KR" altLang="en-US" sz="1400" dirty="0"/>
+          </a:p>
+        </p:txBody>
+      </p:sp>
+      <p:sp>
+        <p:nvSpPr>
+          <p:cNvPr id="11" name="TextBox 10"/>
+          <p:cNvSpPr txBox="1"/>
+          <p:nvPr/>
+        </p:nvSpPr>
+        <p:spPr>
+          <a:xfrm>
+            <a:off x="971600" y="2062589"/>
+            <a:ext cx="7128792" cy="584775"/>
+          </a:xfrm>
+          <a:prstGeom prst="rect">
+            <a:avLst/>
+          </a:prstGeom>
+          <a:noFill/>
+        </p:spPr>
+        <p:txBody>
+          <a:bodyPr wrap="square" rtlCol="0">
+            <a:spAutoFit/>
+          </a:bodyPr>
+          <a:lstStyle/>
+          <a:p>
+            <a:pPr algn="ctr"/>
+            <a:r>
+              <a:rPr lang="ko-KR" altLang="en-US" b="1" spc="-150" dirty="0"/>
+              <a:t>심플한 </a:t>
+            </a:r>
+            <a:r>
+              <a:rPr lang="ko-KR" altLang="en-US" b="1" spc="-150" dirty="0" err="1"/>
+              <a:t>피피티를</a:t>
+            </a:r>
+            <a:r>
+              <a:rPr lang="ko-KR" altLang="en-US" b="1" spc="-150" dirty="0"/>
+              <a:t> 찾을 수 있는 가장 쉬운 방법</a:t>
+            </a:r>
+            <a:endParaRPr lang="en-US" altLang="ko-KR" b="1" spc="-150" dirty="0"/>
+          </a:p>
+          <a:p>
+            <a:pPr algn="ctr"/>
+            <a:r>
+              <a:rPr lang="ko-KR" altLang="en-US" sz="1400" b="1" spc="-150" dirty="0" err="1">
+                <a:latin typeface="+mn-ea"/>
+              </a:rPr>
+              <a:t>민희블로그에</a:t>
+            </a:r>
+            <a:r>
+              <a:rPr lang="ko-KR" altLang="en-US" sz="1400" b="1" spc="-150" dirty="0">
+                <a:latin typeface="+mn-ea"/>
+              </a:rPr>
+              <a:t> 접속하여 </a:t>
+            </a:r>
+            <a:r>
+              <a:rPr lang="ko-KR" altLang="en-US" sz="1400" b="1" spc="-150" dirty="0" err="1">
+                <a:latin typeface="+mn-ea"/>
+              </a:rPr>
+              <a:t>댓글을</a:t>
+            </a:r>
+            <a:r>
+              <a:rPr lang="ko-KR" altLang="en-US" sz="1400" b="1" spc="-150" dirty="0">
+                <a:latin typeface="+mn-ea"/>
+              </a:rPr>
+              <a:t> 남긴 뒤 </a:t>
+            </a:r>
+            <a:r>
+              <a:rPr lang="ko-KR" altLang="en-US" sz="1400" b="1" spc="-150" dirty="0" err="1">
+                <a:latin typeface="+mn-ea"/>
+              </a:rPr>
+              <a:t>심플한피피티를</a:t>
+            </a:r>
+            <a:r>
+              <a:rPr lang="ko-KR" altLang="en-US" sz="1400" b="1" spc="-150" dirty="0">
+                <a:latin typeface="+mn-ea"/>
+              </a:rPr>
+              <a:t> 사용한다</a:t>
+            </a:r>
+            <a:r>
+              <a:rPr lang="en-US" altLang="ko-KR" sz="1400" b="1" spc="-150" dirty="0">
+                <a:latin typeface="+mn-ea"/>
+              </a:rPr>
+              <a:t>.</a:t>
+            </a:r>
+            <a:endParaRPr lang="ko-KR" altLang="en-US" spc="-150" dirty="0"/>
+          </a:p>
+        </p:txBody>
+      </p:sp>
+      <p:sp>
+        <p:nvSpPr>
+          <p:cNvPr id="12" name="TextBox 11"/>
+          <p:cNvSpPr txBox="1"/>
+          <p:nvPr/>
+        </p:nvSpPr>
+        <p:spPr>
+          <a:xfrm>
+            <a:off x="2411760" y="1268760"/>
+            <a:ext cx="4320480" cy="584775"/>
+          </a:xfrm>
+          <a:prstGeom prst="rect">
+            <a:avLst/>
+          </a:prstGeom>
+          <a:noFill/>
+        </p:spPr>
+        <p:txBody>
+          <a:bodyPr wrap="square" rtlCol="0">
+            <a:spAutoFit/>
+          </a:bodyPr>
+          <a:lstStyle/>
+          <a:p>
+            <a:pPr algn="ctr"/>
+            <a:r>
+              <a:rPr lang="en-US" altLang="ko-KR" sz="3200" b="1" spc="-150" dirty="0">
+                <a:solidFill>
+                  <a:schemeClr val="tx2">
+                    <a:lumMod val="75000"/>
+                  </a:schemeClr>
+                </a:solidFill>
+                <a:latin typeface="+mj-lt"/>
+                <a:ea typeface="HY헤드라인M" pitchFamily="18" charset="-127"/>
+              </a:rPr>
+              <a:t>MINHEEBLOG</a:t>
+            </a:r>
+            <a:endParaRPr lang="ko-KR" altLang="en-US" sz="3200" b="1" spc="-150" dirty="0">
+              <a:solidFill>
+                <a:schemeClr val="tx2">
+                  <a:lumMod val="75000"/>
+                </a:schemeClr>
+              </a:solidFill>
+              <a:latin typeface="+mj-lt"/>
+              <a:ea typeface="HY헤드라인M" pitchFamily="18" charset="-127"/>
+            </a:endParaRPr>
+          </a:p>
+        </p:txBody>
+      </p:sp>
+      <p:cxnSp>
+        <p:nvCxnSpPr>
+          <p:cNvPr id="14" name="직선 연결선 13"/>
+          <p:cNvCxnSpPr/>
+          <p:nvPr/>
+        </p:nvCxnSpPr>
+        <p:spPr>
+          <a:xfrm>
+            <a:off x="2123728" y="1916832"/>
+            <a:ext cx="4824536" cy="0"/>
+          </a:xfrm>
+          <a:prstGeom prst="line">
+            <a:avLst/>
+          </a:prstGeom>
+          <a:ln>
+            <a:gradFill>
+              <a:gsLst>
+                <a:gs pos="0">
+                  <a:schemeClr val="bg1"/>
+                </a:gs>
+                <a:gs pos="50000">
+                  <a:schemeClr val="bg1">
+                    <a:lumMod val="50000"/>
+                  </a:schemeClr>
+                </a:gs>
+                <a:gs pos="100000">
+                  <a:schemeClr val="bg1"/>
+                </a:gs>
+              </a:gsLst>
+              <a:lin ang="10800000" scaled="0"/>
+            </a:gradFill>
+          </a:ln>
+        </p:spPr>
+        <p:style>
+          <a:lnRef idx="1">
+            <a:schemeClr val="dk1"/>
+          </a:lnRef>
+          <a:fillRef idx="0">
+            <a:schemeClr val="dk1"/>
+          </a:fillRef>
+          <a:effectRef idx="0">
+            <a:schemeClr val="dk1"/>
+          </a:effectRef>
+          <a:fontRef idx="minor">
+            <a:schemeClr val="tx1"/>
+          </a:fontRef>
+        </p:style>
+      </p:cxnSp>
+      <p:sp>
+        <p:nvSpPr>
+          <p:cNvPr id="17" name="직사각형 16"/>
+          <p:cNvSpPr/>
+          <p:nvPr/>
+        </p:nvSpPr>
+        <p:spPr>
+          <a:xfrm>
+            <a:off x="219463" y="271681"/>
+            <a:ext cx="1297150" cy="276999"/>
+          </a:xfrm>
+          <a:prstGeom prst="rect">
+            <a:avLst/>
+          </a:prstGeom>
+        </p:spPr>
+        <p:txBody>
+          <a:bodyPr wrap="none">
+            <a:spAutoFit/>
+          </a:bodyPr>
+          <a:lstStyle/>
+          <a:p>
+            <a:pPr algn="ctr"/>
+            <a:r>
+              <a:rPr lang="ko-KR" altLang="en-US" sz="1200" b="1" spc="-150" dirty="0">
                 <a:solidFill>
                   <a:schemeClr val="bg1"/>
                 </a:solidFill>
               </a:rPr>
-              <a:t>THANK</a:t>
-            </a:r>
-          </a:p>
+              <a:t>제목을 입력하세요</a:t>
+            </a:r>
+          </a:p>
+        </p:txBody>
+      </p:sp>
+      <p:pic>
+        <p:nvPicPr>
+          <p:cNvPr id="18" name="_x48549128" descr="EMB00000778ad78"/>
+          <p:cNvPicPr>
+            <a:picLocks noChangeAspect="1" noChangeArrowheads="1"/>
+          </p:cNvPicPr>
+          <p:nvPr/>
+        </p:nvPicPr>
+        <p:blipFill>
+          <a:blip r:embed="rId3" cstate="print"/>
+          <a:stretch>
+            <a:fillRect/>
+          </a:stretch>
+        </p:blipFill>
+        <p:spPr bwMode="auto">
+          <a:xfrm>
+            <a:off x="3492120" y="4581128"/>
+            <a:ext cx="2160000" cy="1440000"/>
+          </a:xfrm>
+          <a:prstGeom prst="rect">
+            <a:avLst/>
+          </a:prstGeom>
+          <a:noFill/>
+        </p:spPr>
+      </p:pic>
+      <p:pic>
+        <p:nvPicPr>
+          <p:cNvPr id="19" name="_x48549128" descr="EMB00000778ad7b"/>
+          <p:cNvPicPr>
+            <a:picLocks noChangeAspect="1" noChangeArrowheads="1"/>
+          </p:cNvPicPr>
+          <p:nvPr/>
+        </p:nvPicPr>
+        <p:blipFill>
+          <a:blip r:embed="rId4" cstate="print"/>
+          <a:stretch>
+            <a:fillRect/>
+          </a:stretch>
+        </p:blipFill>
+        <p:spPr bwMode="auto">
+          <a:xfrm>
+            <a:off x="6012160" y="4581128"/>
+            <a:ext cx="2160000" cy="1440000"/>
+          </a:xfrm>
+          <a:prstGeom prst="rect">
+            <a:avLst/>
+          </a:prstGeom>
+          <a:noFill/>
+        </p:spPr>
+      </p:pic>
+      <p:pic>
+        <p:nvPicPr>
+          <p:cNvPr id="20" name="_x189903544" descr="EMB00000778ad7e"/>
+          <p:cNvPicPr>
+            <a:picLocks noChangeAspect="1" noChangeArrowheads="1"/>
+          </p:cNvPicPr>
+          <p:nvPr/>
+        </p:nvPicPr>
+        <p:blipFill>
+          <a:blip r:embed="rId5" cstate="print"/>
+          <a:stretch>
+            <a:fillRect/>
+          </a:stretch>
+        </p:blipFill>
+        <p:spPr bwMode="auto">
+          <a:xfrm>
+            <a:off x="971600" y="4581288"/>
+            <a:ext cx="2160001" cy="1440000"/>
+          </a:xfrm>
+          <a:prstGeom prst="rect">
+            <a:avLst/>
+          </a:prstGeom>
+          <a:noFill/>
+        </p:spPr>
+      </p:pic>
+      <p:sp>
+        <p:nvSpPr>
+          <p:cNvPr id="21" name="TextBox 20"/>
+          <p:cNvSpPr txBox="1"/>
+          <p:nvPr/>
+        </p:nvSpPr>
+        <p:spPr>
+          <a:xfrm>
+            <a:off x="1115616" y="5013176"/>
+            <a:ext cx="1872208" cy="430887"/>
+          </a:xfrm>
+          <a:prstGeom prst="rect">
+            <a:avLst/>
+          </a:prstGeom>
+          <a:noFill/>
+        </p:spPr>
+        <p:txBody>
+          <a:bodyPr wrap="square" rtlCol="0">
+            <a:spAutoFit/>
+          </a:bodyPr>
+          <a:lstStyle/>
           <a:p>
             <a:pPr algn="ctr"/>
             <a:r>
-              <a:rPr lang="en-US" altLang="ko-KR" sz="5400" b="1" dirty="0">
+              <a:rPr lang="ko-KR" altLang="en-US" sz="1100" dirty="0" err="1">
                 <a:solidFill>
                   <a:schemeClr val="bg1"/>
                 </a:solidFill>
               </a:rPr>
-              <a:t>YOU</a:t>
-            </a:r>
-            <a:endParaRPr lang="ko-KR" altLang="en-US" sz="5400" b="1" dirty="0">
+              <a:t>우클릭</a:t>
+            </a:r>
+            <a:r>
+              <a:rPr lang="ko-KR" altLang="en-US" sz="1100" dirty="0">
+                <a:solidFill>
+                  <a:schemeClr val="bg1"/>
+                </a:solidFill>
+              </a:rPr>
+              <a:t> </a:t>
+            </a:r>
+            <a:r>
+              <a:rPr lang="ko-KR" altLang="en-US" sz="1100" dirty="0" err="1">
+                <a:solidFill>
+                  <a:schemeClr val="bg1"/>
+                </a:solidFill>
+              </a:rPr>
+              <a:t>그림바꾸기로</a:t>
+            </a:r>
+            <a:r>
+              <a:rPr lang="ko-KR" altLang="en-US" sz="1100" dirty="0">
+                <a:solidFill>
+                  <a:schemeClr val="bg1"/>
+                </a:solidFill>
+              </a:rPr>
+              <a:t> </a:t>
+            </a:r>
+            <a:endParaRPr lang="en-US" altLang="ko-KR" sz="1100" dirty="0">
               <a:solidFill>
                 <a:schemeClr val="bg1"/>
               </a:solidFill>
             </a:endParaRPr>
           </a:p>
-        </p:txBody>
-      </p:sp>
-    </p:spTree>
-    <p:extLst>
-      <p:ext uri="{BB962C8B-B14F-4D97-AF65-F5344CB8AC3E}">
-        <p14:creationId xmlns:p14="http://schemas.microsoft.com/office/powerpoint/2010/main" val="2864207276"/>
-      </p:ext>
-    </p:extLst>
-  </p:cSld>
-  <p:clrMapOvr>
-    <a:masterClrMapping/>
-  </p:clrMapOvr>
-</p:sld>
-</file>
-
-<file path=ppt/slides/slide26.xml><?xml version="1.0" encoding="utf-8"?>
-<p:sld xmlns:a="http://schemas.openxmlformats.org/drawingml/2006/main" xmlns:r="http://schemas.openxmlformats.org/officeDocument/2006/relationships" xmlns:p="http://schemas.openxmlformats.org/presentationml/2006/main">
-  <p:cSld>
-    <p:spTree>
-      <p:nvGrpSpPr>
-        <p:cNvPr id="1" name=""/>
-        <p:cNvGrpSpPr/>
-        <p:nvPr/>
-      </p:nvGrpSpPr>
-      <p:grpSpPr>
-        <a:xfrm>
-          <a:off x="0" y="0"/>
-          <a:ext cx="0" cy="0"/>
-          <a:chOff x="0" y="0"/>
-          <a:chExt cx="0" cy="0"/>
-        </a:xfrm>
-      </p:grpSpPr>
-      <p:sp>
-        <p:nvSpPr>
-          <p:cNvPr id="2" name="TextBox 1">
-            <a:extLst>
-              <a:ext uri="{FF2B5EF4-FFF2-40B4-BE49-F238E27FC236}">
-                <a16:creationId xmlns:a16="http://schemas.microsoft.com/office/drawing/2014/main" id="{C7B623E3-E436-4BE4-BCCB-872187E86BBA}"/>
-              </a:ext>
-            </a:extLst>
-          </p:cNvPr>
+          <a:p>
+            <a:pPr algn="ctr"/>
+            <a:r>
+              <a:rPr lang="ko-KR" altLang="en-US" sz="1100" dirty="0" err="1">
+                <a:solidFill>
+                  <a:schemeClr val="bg1"/>
+                </a:solidFill>
+              </a:rPr>
+              <a:t>그림바꿔주세요</a:t>
+            </a:r>
+            <a:r>
+              <a:rPr lang="ko-KR" altLang="en-US" sz="1100" dirty="0">
+                <a:solidFill>
+                  <a:schemeClr val="bg1"/>
+                </a:solidFill>
+              </a:rPr>
+              <a:t> </a:t>
+            </a:r>
+          </a:p>
+        </p:txBody>
+      </p:sp>
+      <p:sp>
+        <p:nvSpPr>
+          <p:cNvPr id="22" name="TextBox 21"/>
           <p:cNvSpPr txBox="1"/>
           <p:nvPr/>
         </p:nvSpPr>
         <p:spPr>
           <a:xfrm>
-            <a:off x="1835696" y="2276872"/>
-            <a:ext cx="5976664" cy="369332"/>
+            <a:off x="3707904" y="5013176"/>
+            <a:ext cx="1872208" cy="430887"/>
           </a:xfrm>
           <a:prstGeom prst="rect">
             <a:avLst/>
@@ -22730,19 +22926,149 @@
           </a:bodyPr>
           <a:lstStyle/>
           <a:p>
-            <a:r>
-              <a:rPr lang="ko-KR" altLang="en-US" dirty="0"/>
-              <a:t>이 슬라이드 아래로는 템플릿입니다</a:t>
+            <a:pPr algn="ctr"/>
+            <a:r>
+              <a:rPr lang="ko-KR" altLang="en-US" sz="1100" dirty="0" err="1">
+                <a:solidFill>
+                  <a:schemeClr val="bg1"/>
+                </a:solidFill>
+              </a:rPr>
+              <a:t>우클릭</a:t>
+            </a:r>
+            <a:r>
+              <a:rPr lang="ko-KR" altLang="en-US" sz="1100" dirty="0">
+                <a:solidFill>
+                  <a:schemeClr val="bg1"/>
+                </a:solidFill>
+              </a:rPr>
+              <a:t> </a:t>
+            </a:r>
+            <a:r>
+              <a:rPr lang="ko-KR" altLang="en-US" sz="1100" dirty="0" err="1">
+                <a:solidFill>
+                  <a:schemeClr val="bg1"/>
+                </a:solidFill>
+              </a:rPr>
+              <a:t>그림바꾸기로</a:t>
+            </a:r>
+            <a:r>
+              <a:rPr lang="ko-KR" altLang="en-US" sz="1100" dirty="0">
+                <a:solidFill>
+                  <a:schemeClr val="bg1"/>
+                </a:solidFill>
+              </a:rPr>
+              <a:t> </a:t>
+            </a:r>
+            <a:endParaRPr lang="en-US" altLang="ko-KR" sz="1100" dirty="0">
+              <a:solidFill>
+                <a:schemeClr val="bg1"/>
+              </a:solidFill>
+            </a:endParaRPr>
+          </a:p>
+          <a:p>
+            <a:pPr algn="ctr"/>
+            <a:r>
+              <a:rPr lang="ko-KR" altLang="en-US" sz="1100" dirty="0" err="1">
+                <a:solidFill>
+                  <a:schemeClr val="bg1"/>
+                </a:solidFill>
+              </a:rPr>
+              <a:t>그림바꿔주세요</a:t>
+            </a:r>
+            <a:r>
+              <a:rPr lang="ko-KR" altLang="en-US" sz="1100" dirty="0">
+                <a:solidFill>
+                  <a:schemeClr val="bg1"/>
+                </a:solidFill>
+              </a:rPr>
+              <a:t> </a:t>
+            </a:r>
+          </a:p>
+        </p:txBody>
+      </p:sp>
+      <p:sp>
+        <p:nvSpPr>
+          <p:cNvPr id="23" name="TextBox 22"/>
+          <p:cNvSpPr txBox="1"/>
+          <p:nvPr/>
+        </p:nvSpPr>
+        <p:spPr>
+          <a:xfrm>
+            <a:off x="6228184" y="5013176"/>
+            <a:ext cx="1872208" cy="430887"/>
+          </a:xfrm>
+          <a:prstGeom prst="rect">
+            <a:avLst/>
+          </a:prstGeom>
+          <a:noFill/>
+        </p:spPr>
+        <p:txBody>
+          <a:bodyPr wrap="square" rtlCol="0">
+            <a:spAutoFit/>
+          </a:bodyPr>
+          <a:lstStyle/>
+          <a:p>
+            <a:pPr algn="ctr"/>
+            <a:r>
+              <a:rPr lang="ko-KR" altLang="en-US" sz="1100" dirty="0" err="1">
+                <a:solidFill>
+                  <a:schemeClr val="bg1"/>
+                </a:solidFill>
+              </a:rPr>
+              <a:t>우클릭</a:t>
+            </a:r>
+            <a:r>
+              <a:rPr lang="ko-KR" altLang="en-US" sz="1100" dirty="0">
+                <a:solidFill>
+                  <a:schemeClr val="bg1"/>
+                </a:solidFill>
+              </a:rPr>
+              <a:t> </a:t>
+            </a:r>
+            <a:r>
+              <a:rPr lang="ko-KR" altLang="en-US" sz="1100" dirty="0" err="1">
+                <a:solidFill>
+                  <a:schemeClr val="bg1"/>
+                </a:solidFill>
+              </a:rPr>
+              <a:t>그림바꾸기로</a:t>
+            </a:r>
+            <a:r>
+              <a:rPr lang="ko-KR" altLang="en-US" sz="1100" dirty="0">
+                <a:solidFill>
+                  <a:schemeClr val="bg1"/>
+                </a:solidFill>
+              </a:rPr>
+              <a:t> </a:t>
+            </a:r>
+            <a:endParaRPr lang="en-US" altLang="ko-KR" sz="1100" dirty="0">
+              <a:solidFill>
+                <a:schemeClr val="bg1"/>
+              </a:solidFill>
+            </a:endParaRPr>
+          </a:p>
+          <a:p>
+            <a:pPr algn="ctr"/>
+            <a:r>
+              <a:rPr lang="ko-KR" altLang="en-US" sz="1100" dirty="0" err="1">
+                <a:solidFill>
+                  <a:schemeClr val="bg1"/>
+                </a:solidFill>
+              </a:rPr>
+              <a:t>그림바꿔주세요</a:t>
+            </a:r>
+            <a:r>
+              <a:rPr lang="ko-KR" altLang="en-US" sz="1100" dirty="0">
+                <a:solidFill>
+                  <a:schemeClr val="bg1"/>
+                </a:solidFill>
+              </a:rPr>
+              <a:t> </a:t>
             </a:r>
           </a:p>
         </p:txBody>
       </p:sp>
     </p:spTree>
-    <p:extLst>
-      <p:ext uri="{BB962C8B-B14F-4D97-AF65-F5344CB8AC3E}">
-        <p14:creationId xmlns:p14="http://schemas.microsoft.com/office/powerpoint/2010/main" val="3034388360"/>
-      </p:ext>
-    </p:extLst>
   </p:cSld>
   <p:clrMapOvr>
     <a:masterClrMapping/>
@@ -22825,29 +23151,124 @@
       </p:sp>
       <p:sp>
         <p:nvSpPr>
-          <p:cNvPr id="16" name="직사각형 15"/>
+          <p:cNvPr id="19" name="모서리가 둥근 직사각형 18"/>
           <p:cNvSpPr/>
           <p:nvPr/>
         </p:nvSpPr>
         <p:spPr>
           <a:xfrm>
-            <a:off x="971600" y="2942942"/>
-            <a:ext cx="7200800" cy="1494170"/>
-          </a:xfrm>
-          <a:prstGeom prst="rect">
+            <a:off x="755576" y="3109069"/>
+            <a:ext cx="1296144" cy="432048"/>
+          </a:xfrm>
+          <a:prstGeom prst="roundRect">
             <a:avLst/>
           </a:prstGeom>
           <a:solidFill>
-            <a:schemeClr val="bg1">
-              <a:lumMod val="95000"/>
+            <a:schemeClr val="accent5">
+              <a:lumMod val="50000"/>
             </a:schemeClr>
           </a:solidFill>
           <a:ln>
-            <a:solidFill>
-              <a:schemeClr val="bg1">
-                <a:lumMod val="50000"/>
-              </a:schemeClr>
-            </a:solidFill>
+            <a:noFill/>
+          </a:ln>
+        </p:spPr>
+        <p:style>
+          <a:lnRef idx="2">
+            <a:schemeClr val="accent5">
+              <a:shade val="50000"/>
+            </a:schemeClr>
+          </a:lnRef>
+          <a:fillRef idx="1">
+            <a:schemeClr val="accent5"/>
+          </a:fillRef>
+          <a:effectRef idx="0">
+            <a:schemeClr val="accent5"/>
+          </a:effectRef>
+          <a:fontRef idx="minor">
+            <a:schemeClr val="lt1"/>
+          </a:fontRef>
+        </p:style>
+        <p:txBody>
+          <a:bodyPr rtlCol="0" anchor="ctr"/>
+          <a:lstStyle/>
+          <a:p>
+            <a:pPr algn="ctr"/>
+            <a:endParaRPr lang="ko-KR" altLang="en-US" dirty="0">
+              <a:solidFill>
+                <a:schemeClr val="bg1"/>
+              </a:solidFill>
+            </a:endParaRPr>
+          </a:p>
+        </p:txBody>
+      </p:sp>
+      <p:sp>
+        <p:nvSpPr>
+          <p:cNvPr id="18" name="모서리가 둥근 직사각형 17"/>
+          <p:cNvSpPr/>
+          <p:nvPr/>
+        </p:nvSpPr>
+        <p:spPr>
+          <a:xfrm>
+            <a:off x="755576" y="2495319"/>
+            <a:ext cx="1296144" cy="432048"/>
+          </a:xfrm>
+          <a:prstGeom prst="roundRect">
+            <a:avLst/>
+          </a:prstGeom>
+          <a:ln>
+            <a:noFill/>
+          </a:ln>
+        </p:spPr>
+        <p:style>
+          <a:lnRef idx="2">
+            <a:schemeClr val="accent5">
+              <a:shade val="50000"/>
+            </a:schemeClr>
+          </a:lnRef>
+          <a:fillRef idx="1">
+            <a:schemeClr val="accent5"/>
+          </a:fillRef>
+          <a:effectRef idx="0">
+            <a:schemeClr val="accent5"/>
+          </a:effectRef>
+          <a:fontRef idx="minor">
+            <a:schemeClr val="lt1"/>
+          </a:fontRef>
+        </p:style>
+        <p:txBody>
+          <a:bodyPr rtlCol="0" anchor="ctr"/>
+          <a:lstStyle/>
+          <a:p>
+            <a:pPr algn="ctr"/>
+            <a:endParaRPr lang="ko-KR" altLang="en-US" dirty="0">
+              <a:solidFill>
+                <a:schemeClr val="bg1"/>
+              </a:solidFill>
+            </a:endParaRPr>
+          </a:p>
+        </p:txBody>
+      </p:sp>
+      <p:sp>
+        <p:nvSpPr>
+          <p:cNvPr id="3" name="타원 2"/>
+          <p:cNvSpPr/>
+          <p:nvPr/>
+        </p:nvSpPr>
+        <p:spPr>
+          <a:xfrm>
+            <a:off x="4067944" y="74100"/>
+            <a:ext cx="936104" cy="936104"/>
+          </a:xfrm>
+          <a:prstGeom prst="ellipse">
+            <a:avLst/>
+          </a:prstGeom>
+          <a:solidFill>
+            <a:schemeClr val="tx2">
+              <a:lumMod val="75000"/>
+            </a:schemeClr>
+          </a:solidFill>
+          <a:ln>
+            <a:noFill/>
           </a:ln>
         </p:spPr>
         <p:style>
@@ -22877,14 +23298,14 @@
       </p:sp>
       <p:sp>
         <p:nvSpPr>
-          <p:cNvPr id="15" name="TextBox 14"/>
+          <p:cNvPr id="9" name="TextBox 8"/>
           <p:cNvSpPr txBox="1"/>
           <p:nvPr/>
         </p:nvSpPr>
         <p:spPr>
           <a:xfrm>
-            <a:off x="971600" y="1196752"/>
-            <a:ext cx="7200800" cy="1015663"/>
+            <a:off x="3995936" y="479095"/>
+            <a:ext cx="1080120" cy="461665"/>
           </a:xfrm>
           <a:prstGeom prst="rect">
             <a:avLst/>
@@ -22899,22 +23320,18 @@
           <a:p>
             <a:pPr algn="ctr"/>
             <a:r>
-              <a:rPr lang="en-US" altLang="ko-KR" sz="6000" dirty="0">
+              <a:rPr lang="en-US" altLang="ko-KR" sz="2400" dirty="0">
                 <a:solidFill>
-                  <a:schemeClr val="bg1">
-                    <a:lumMod val="75000"/>
-                  </a:schemeClr>
+                  <a:schemeClr val="bg1"/>
                 </a:solidFill>
                 <a:latin typeface="HY헤드라인M" pitchFamily="18" charset="-127"/>
                 <a:ea typeface="HY헤드라인M" pitchFamily="18" charset="-127"/>
               </a:rPr>
-              <a:t>“           ”</a:t>
-            </a:r>
-            <a:endParaRPr lang="ko-KR" altLang="en-US" sz="6000" dirty="0">
+              <a:t>01</a:t>
+            </a:r>
+            <a:endParaRPr lang="ko-KR" altLang="en-US" sz="2400" dirty="0">
               <a:solidFill>
-                <a:schemeClr val="bg1">
-                  <a:lumMod val="75000"/>
-                </a:schemeClr>
+                <a:schemeClr val="bg1"/>
               </a:solidFill>
               <a:latin typeface="HY헤드라인M" pitchFamily="18" charset="-127"/>
               <a:ea typeface="HY헤드라인M" pitchFamily="18" charset="-127"/>
@@ -22924,21 +23341,277 @@
       </p:sp>
       <p:sp>
         <p:nvSpPr>
-          <p:cNvPr id="3" name="타원 2"/>
+          <p:cNvPr id="12" name="TextBox 11"/>
+          <p:cNvSpPr txBox="1"/>
+          <p:nvPr/>
+        </p:nvSpPr>
+        <p:spPr>
+          <a:xfrm>
+            <a:off x="539552" y="1484784"/>
+            <a:ext cx="6768752" cy="369332"/>
+          </a:xfrm>
+          <a:prstGeom prst="rect">
+            <a:avLst/>
+          </a:prstGeom>
+          <a:noFill/>
+        </p:spPr>
+        <p:txBody>
+          <a:bodyPr wrap="square" rtlCol="0">
+            <a:spAutoFit/>
+          </a:bodyPr>
+          <a:lstStyle/>
+          <a:p>
+            <a:r>
+              <a:rPr lang="en-US" altLang="ko-KR" b="1" spc="-150" dirty="0"/>
+              <a:t>1)  </a:t>
+            </a:r>
+            <a:r>
+              <a:rPr lang="ko-KR" altLang="en-US" b="1" spc="-150" dirty="0"/>
+              <a:t>소제목을 입력하세요</a:t>
+            </a:r>
+          </a:p>
+        </p:txBody>
+      </p:sp>
+      <p:sp>
+        <p:nvSpPr>
+          <p:cNvPr id="15" name="TextBox 14"/>
+          <p:cNvSpPr txBox="1"/>
+          <p:nvPr/>
+        </p:nvSpPr>
+        <p:spPr>
+          <a:xfrm>
+            <a:off x="827584" y="1772816"/>
+            <a:ext cx="7776864" cy="707886"/>
+          </a:xfrm>
+          <a:prstGeom prst="rect">
+            <a:avLst/>
+          </a:prstGeom>
+          <a:noFill/>
+        </p:spPr>
+        <p:txBody>
+          <a:bodyPr wrap="square" rtlCol="0">
+            <a:spAutoFit/>
+          </a:bodyPr>
+          <a:lstStyle/>
+          <a:p>
+            <a:pPr fontAlgn="base">
+              <a:lnSpc>
+                <a:spcPct val="200000"/>
+              </a:lnSpc>
+            </a:pPr>
+            <a:r>
+              <a:rPr lang="en-US" altLang="ko-KR" sz="2000" b="1" spc="-150" dirty="0"/>
+              <a:t>“</a:t>
+            </a:r>
+            <a:r>
+              <a:rPr lang="ko-KR" altLang="en-US" sz="2000" b="1" spc="-150" dirty="0" err="1"/>
+              <a:t>민희블로그</a:t>
+            </a:r>
+            <a:r>
+              <a:rPr lang="en-US" altLang="ko-KR" sz="2000" b="1" spc="-150" dirty="0"/>
+              <a:t>”</a:t>
+            </a:r>
+            <a:r>
+              <a:rPr lang="ko-KR" altLang="en-US" sz="2000" spc="-150" dirty="0"/>
+              <a:t>는 심플한 피피티를 얻을 수 있는 좋은 </a:t>
+            </a:r>
+            <a:r>
+              <a:rPr lang="ko-KR" altLang="en-US" sz="2000" spc="-150" dirty="0" err="1"/>
+              <a:t>블로그</a:t>
+            </a:r>
+            <a:r>
+              <a:rPr lang="ko-KR" altLang="en-US" sz="2000" spc="-150" dirty="0"/>
+              <a:t> 이다</a:t>
+            </a:r>
+            <a:r>
+              <a:rPr lang="en-US" altLang="ko-KR" sz="2000" spc="-150" dirty="0"/>
+              <a:t>.</a:t>
+            </a:r>
+            <a:endParaRPr lang="ko-KR" altLang="en-US" spc="-150" dirty="0"/>
+          </a:p>
+        </p:txBody>
+      </p:sp>
+      <p:sp>
+        <p:nvSpPr>
+          <p:cNvPr id="22" name="TextBox 21"/>
+          <p:cNvSpPr txBox="1"/>
+          <p:nvPr/>
+        </p:nvSpPr>
+        <p:spPr>
+          <a:xfrm>
+            <a:off x="2699792" y="4005064"/>
+            <a:ext cx="4896544" cy="738664"/>
+          </a:xfrm>
+          <a:prstGeom prst="rect">
+            <a:avLst/>
+          </a:prstGeom>
+          <a:noFill/>
+        </p:spPr>
+        <p:txBody>
+          <a:bodyPr wrap="square" rtlCol="0">
+            <a:spAutoFit/>
+          </a:bodyPr>
+          <a:lstStyle/>
+          <a:p>
+            <a:r>
+              <a:rPr lang="ko-KR" altLang="en-US" sz="1400" dirty="0"/>
+              <a:t>내용을 입력하세요</a:t>
+            </a:r>
+            <a:endParaRPr lang="en-US" altLang="ko-KR" sz="1400" dirty="0"/>
+          </a:p>
+          <a:p>
+            <a:r>
+              <a:rPr lang="ko-KR" altLang="en-US" sz="1400" dirty="0"/>
+              <a:t>내용을 입력하세요</a:t>
+            </a:r>
+            <a:endParaRPr lang="en-US" altLang="ko-KR" sz="1400" dirty="0"/>
+          </a:p>
+          <a:p>
+            <a:r>
+              <a:rPr lang="ko-KR" altLang="en-US" sz="1400" dirty="0"/>
+              <a:t>내용을 입력하세요</a:t>
+            </a:r>
+          </a:p>
+        </p:txBody>
+      </p:sp>
+      <p:sp>
+        <p:nvSpPr>
+          <p:cNvPr id="23" name="TextBox 22"/>
+          <p:cNvSpPr txBox="1"/>
+          <p:nvPr/>
+        </p:nvSpPr>
+        <p:spPr>
+          <a:xfrm>
+            <a:off x="2267744" y="3995772"/>
+            <a:ext cx="648072" cy="307777"/>
+          </a:xfrm>
+          <a:prstGeom prst="rect">
+            <a:avLst/>
+          </a:prstGeom>
+          <a:noFill/>
+        </p:spPr>
+        <p:txBody>
+          <a:bodyPr wrap="square" rtlCol="0">
+            <a:spAutoFit/>
+          </a:bodyPr>
+          <a:lstStyle/>
+          <a:p>
+            <a:r>
+              <a:rPr lang="ko-KR" altLang="en-US" sz="1400" spc="-150" dirty="0"/>
+              <a:t>예</a:t>
+            </a:r>
+            <a:r>
+              <a:rPr lang="en-US" altLang="ko-KR" sz="1400" spc="-150" dirty="0"/>
+              <a:t>)</a:t>
+            </a:r>
+            <a:endParaRPr lang="ko-KR" altLang="en-US" sz="1400" dirty="0"/>
+          </a:p>
+        </p:txBody>
+      </p:sp>
+      <p:sp>
+        <p:nvSpPr>
+          <p:cNvPr id="24" name="직사각형 23"/>
           <p:cNvSpPr/>
           <p:nvPr/>
         </p:nvSpPr>
         <p:spPr>
           <a:xfrm>
-            <a:off x="4067944" y="74100"/>
-            <a:ext cx="936104" cy="936104"/>
-          </a:xfrm>
-          <a:prstGeom prst="ellipse">
+            <a:off x="2555776" y="4725144"/>
+            <a:ext cx="5760640" cy="1200329"/>
+          </a:xfrm>
+          <a:prstGeom prst="rect">
+            <a:avLst/>
+          </a:prstGeom>
+        </p:spPr>
+        <p:txBody>
+          <a:bodyPr wrap="square">
+            <a:spAutoFit/>
+          </a:bodyPr>
+          <a:lstStyle/>
+          <a:p>
+            <a:pPr fontAlgn="base">
+              <a:lnSpc>
+                <a:spcPct val="200000"/>
+              </a:lnSpc>
+            </a:pPr>
+            <a:r>
+              <a:rPr lang="ko-KR" altLang="en-US" sz="2000" b="1" spc="-150" dirty="0" err="1">
+                <a:solidFill>
+                  <a:schemeClr val="accent5">
+                    <a:lumMod val="50000"/>
+                  </a:schemeClr>
+                </a:solidFill>
+              </a:rPr>
+              <a:t>심플한피피티의</a:t>
+            </a:r>
+            <a:r>
+              <a:rPr lang="ko-KR" altLang="en-US" sz="2000" b="1" spc="-150" dirty="0">
+                <a:solidFill>
+                  <a:schemeClr val="accent5">
+                    <a:lumMod val="50000"/>
+                  </a:schemeClr>
+                </a:solidFill>
+              </a:rPr>
+              <a:t> 목표</a:t>
+            </a:r>
+            <a:endParaRPr lang="en-US" altLang="ko-KR" sz="2000" b="1" spc="-150" dirty="0">
+              <a:solidFill>
+                <a:schemeClr val="accent5">
+                  <a:lumMod val="50000"/>
+                </a:schemeClr>
+              </a:solidFill>
+            </a:endParaRPr>
+          </a:p>
+          <a:p>
+            <a:pPr fontAlgn="base"/>
+            <a:r>
+              <a:rPr lang="ko-KR" altLang="en-US" sz="1600" spc="-150" dirty="0"/>
+              <a:t>그냥 최대한 단순하게 표현을 하도록 한다</a:t>
+            </a:r>
+            <a:r>
+              <a:rPr lang="en-US" altLang="ko-KR" sz="1600" spc="-150" dirty="0"/>
+              <a:t>.</a:t>
+            </a:r>
+          </a:p>
+          <a:p>
+            <a:pPr fontAlgn="base"/>
+            <a:r>
+              <a:rPr lang="ko-KR" altLang="en-US" sz="1600" spc="-150" dirty="0"/>
+              <a:t>색은 </a:t>
+            </a:r>
+            <a:r>
+              <a:rPr lang="en-US" altLang="ko-KR" sz="1600" spc="-150" dirty="0"/>
+              <a:t>4</a:t>
+            </a:r>
+            <a:r>
+              <a:rPr lang="ko-KR" altLang="en-US" sz="1600" spc="-150" dirty="0"/>
+              <a:t>가지 이상을 사용하지 않는 것이  바람직하다고 생각한다</a:t>
+            </a:r>
+            <a:r>
+              <a:rPr lang="en-US" altLang="ko-KR" sz="1600" spc="-150" dirty="0"/>
+              <a:t>.</a:t>
+            </a:r>
+            <a:endParaRPr lang="ko-KR" altLang="en-US" sz="1600" spc="-150" dirty="0"/>
+          </a:p>
+        </p:txBody>
+      </p:sp>
+      <p:sp>
+        <p:nvSpPr>
+          <p:cNvPr id="25" name="줄무늬가 있는 오른쪽 화살표 24"/>
+          <p:cNvSpPr/>
+          <p:nvPr/>
+        </p:nvSpPr>
+        <p:spPr>
+          <a:xfrm>
+            <a:off x="827584" y="4941168"/>
+            <a:ext cx="1296144" cy="864096"/>
+          </a:xfrm>
+          <a:prstGeom prst="stripedRightArrow">
             <a:avLst/>
           </a:prstGeom>
           <a:solidFill>
-            <a:schemeClr val="tx2">
-              <a:lumMod val="75000"/>
+            <a:schemeClr val="bg1">
+              <a:lumMod val="85000"/>
             </a:schemeClr>
           </a:solidFill>
           <a:ln>
@@ -22972,7 +23645,220 @@
       </p:sp>
       <p:sp>
         <p:nvSpPr>
-          <p:cNvPr id="4" name="TextBox 3"/>
+          <p:cNvPr id="26" name="모서리가 둥근 직사각형 25"/>
+          <p:cNvSpPr/>
+          <p:nvPr/>
+        </p:nvSpPr>
+        <p:spPr>
+          <a:xfrm>
+            <a:off x="2339752" y="4869160"/>
+            <a:ext cx="6192688" cy="1152128"/>
+          </a:xfrm>
+          <a:prstGeom prst="roundRect">
+            <a:avLst/>
+          </a:prstGeom>
+          <a:noFill/>
+          <a:ln>
+            <a:solidFill>
+              <a:schemeClr val="bg1">
+                <a:lumMod val="85000"/>
+              </a:schemeClr>
+            </a:solidFill>
+          </a:ln>
+        </p:spPr>
+        <p:style>
+          <a:lnRef idx="2">
+            <a:schemeClr val="accent1">
+              <a:shade val="50000"/>
+            </a:schemeClr>
+          </a:lnRef>
+          <a:fillRef idx="1">
+            <a:schemeClr val="accent1"/>
+          </a:fillRef>
+          <a:effectRef idx="0">
+            <a:schemeClr val="accent1"/>
+          </a:effectRef>
+          <a:fontRef idx="minor">
+            <a:schemeClr val="lt1"/>
+          </a:fontRef>
+        </p:style>
+        <p:txBody>
+          <a:bodyPr rtlCol="0" anchor="ctr"/>
+          <a:lstStyle/>
+          <a:p>
+            <a:pPr algn="ctr"/>
+            <a:endParaRPr lang="ko-KR" altLang="en-US"/>
+          </a:p>
+        </p:txBody>
+      </p:sp>
+      <p:sp>
+        <p:nvSpPr>
+          <p:cNvPr id="27" name="TextBox 26"/>
+          <p:cNvSpPr txBox="1"/>
+          <p:nvPr/>
+        </p:nvSpPr>
+        <p:spPr>
+          <a:xfrm>
+            <a:off x="971600" y="2555612"/>
+            <a:ext cx="936104" cy="369332"/>
+          </a:xfrm>
+          <a:prstGeom prst="rect">
+            <a:avLst/>
+          </a:prstGeom>
+          <a:noFill/>
+        </p:spPr>
+        <p:txBody>
+          <a:bodyPr wrap="square" rtlCol="0">
+            <a:spAutoFit/>
+          </a:bodyPr>
+          <a:lstStyle/>
+          <a:p>
+            <a:r>
+              <a:rPr lang="ko-KR" altLang="en-US" b="1" dirty="0">
+                <a:solidFill>
+                  <a:schemeClr val="bg1"/>
+                </a:solidFill>
+              </a:rPr>
+              <a:t>소제목</a:t>
+            </a:r>
+          </a:p>
+        </p:txBody>
+      </p:sp>
+      <p:sp>
+        <p:nvSpPr>
+          <p:cNvPr id="28" name="TextBox 27"/>
+          <p:cNvSpPr txBox="1"/>
+          <p:nvPr/>
+        </p:nvSpPr>
+        <p:spPr>
+          <a:xfrm>
+            <a:off x="971600" y="3131676"/>
+            <a:ext cx="936104" cy="369332"/>
+          </a:xfrm>
+          <a:prstGeom prst="rect">
+            <a:avLst/>
+          </a:prstGeom>
+          <a:noFill/>
+        </p:spPr>
+        <p:txBody>
+          <a:bodyPr wrap="square" rtlCol="0">
+            <a:spAutoFit/>
+          </a:bodyPr>
+          <a:lstStyle/>
+          <a:p>
+            <a:r>
+              <a:rPr lang="ko-KR" altLang="en-US" b="1" dirty="0">
+                <a:solidFill>
+                  <a:schemeClr val="bg1"/>
+                </a:solidFill>
+              </a:rPr>
+              <a:t>소제목</a:t>
+            </a:r>
+          </a:p>
+        </p:txBody>
+      </p:sp>
+      <p:sp>
+        <p:nvSpPr>
+          <p:cNvPr id="29" name="TextBox 28"/>
+          <p:cNvSpPr txBox="1"/>
+          <p:nvPr/>
+        </p:nvSpPr>
+        <p:spPr>
+          <a:xfrm>
+            <a:off x="2195736" y="2555612"/>
+            <a:ext cx="4248472" cy="369332"/>
+          </a:xfrm>
+          <a:prstGeom prst="rect">
+            <a:avLst/>
+          </a:prstGeom>
+          <a:noFill/>
+        </p:spPr>
+        <p:txBody>
+          <a:bodyPr wrap="square" rtlCol="0">
+            <a:spAutoFit/>
+          </a:bodyPr>
+          <a:lstStyle/>
+          <a:p>
+            <a:r>
+              <a:rPr lang="ko-KR" altLang="en-US" dirty="0"/>
+              <a:t>내용을 입력하세요</a:t>
+            </a:r>
+          </a:p>
+        </p:txBody>
+      </p:sp>
+      <p:sp>
+        <p:nvSpPr>
+          <p:cNvPr id="30" name="TextBox 29"/>
+          <p:cNvSpPr txBox="1"/>
+          <p:nvPr/>
+        </p:nvSpPr>
+        <p:spPr>
+          <a:xfrm>
+            <a:off x="2195736" y="3131676"/>
+            <a:ext cx="6120680" cy="646331"/>
+          </a:xfrm>
+          <a:prstGeom prst="rect">
+            <a:avLst/>
+          </a:prstGeom>
+          <a:noFill/>
+        </p:spPr>
+        <p:txBody>
+          <a:bodyPr wrap="square" rtlCol="0">
+            <a:spAutoFit/>
+          </a:bodyPr>
+          <a:lstStyle/>
+          <a:p>
+            <a:r>
+              <a:rPr lang="ko-KR" altLang="en-US" dirty="0"/>
+              <a:t>내용을 입력하세요</a:t>
+            </a:r>
+            <a:endParaRPr lang="en-US" altLang="ko-KR" dirty="0"/>
+          </a:p>
+          <a:p>
+            <a:r>
+              <a:rPr lang="en-US" altLang="ko-KR" dirty="0"/>
+              <a:t>http://minheeblog.tistory.com/category/PPT</a:t>
+            </a:r>
+            <a:endParaRPr lang="ko-KR" altLang="en-US" dirty="0"/>
+          </a:p>
+        </p:txBody>
+      </p:sp>
+      <p:sp>
+        <p:nvSpPr>
+          <p:cNvPr id="31" name="직사각형 30"/>
+          <p:cNvSpPr/>
+          <p:nvPr/>
+        </p:nvSpPr>
+        <p:spPr>
+          <a:xfrm>
+            <a:off x="219463" y="271681"/>
+            <a:ext cx="1297150" cy="276999"/>
+          </a:xfrm>
+          <a:prstGeom prst="rect">
+            <a:avLst/>
+          </a:prstGeom>
+        </p:spPr>
+        <p:txBody>
+          <a:bodyPr wrap="none">
+            <a:spAutoFit/>
+          </a:bodyPr>
+          <a:lstStyle/>
+          <a:p>
+            <a:pPr algn="ctr"/>
+            <a:r>
+              <a:rPr lang="ko-KR" altLang="en-US" sz="1200" b="1" spc="-150" dirty="0">
+                <a:solidFill>
+                  <a:schemeClr val="bg1"/>
+                </a:solidFill>
+              </a:rPr>
+              <a:t>제목을 입력하세요</a:t>
+            </a:r>
+          </a:p>
+        </p:txBody>
+      </p:sp>
+      <p:sp>
+        <p:nvSpPr>
+          <p:cNvPr id="32" name="TextBox 31"/>
           <p:cNvSpPr txBox="1"/>
           <p:nvPr/>
         </p:nvSpPr>
@@ -23006,7 +23892,105 @@
       </p:sp>
       <p:sp>
         <p:nvSpPr>
-          <p:cNvPr id="6" name="TextBox 5"/>
+          <p:cNvPr id="20" name="TextBox 19"/>
+          <p:cNvSpPr txBox="1"/>
+          <p:nvPr/>
+        </p:nvSpPr>
+        <p:spPr>
+          <a:xfrm>
+            <a:off x="427435" y="836712"/>
+            <a:ext cx="1728192" cy="769441"/>
+          </a:xfrm>
+          <a:prstGeom prst="rect">
+            <a:avLst/>
+          </a:prstGeom>
+          <a:noFill/>
+        </p:spPr>
+        <p:txBody>
+          <a:bodyPr wrap="square" rtlCol="0">
+            <a:spAutoFit/>
+          </a:bodyPr>
+          <a:lstStyle/>
+          <a:p>
+            <a:r>
+              <a:rPr lang="ko-KR" altLang="en-US" sz="2000" b="1" spc="-150" dirty="0" err="1">
+                <a:solidFill>
+                  <a:schemeClr val="tx2">
+                    <a:lumMod val="75000"/>
+                  </a:schemeClr>
+                </a:solidFill>
+                <a:latin typeface="+mj-ea"/>
+              </a:rPr>
+              <a:t>민희블로그</a:t>
+            </a:r>
+            <a:endParaRPr lang="ko-KR" altLang="en-US" sz="2000" b="1" spc="-150" dirty="0">
+              <a:solidFill>
+                <a:schemeClr val="tx2">
+                  <a:lumMod val="75000"/>
+                </a:schemeClr>
+              </a:solidFill>
+              <a:latin typeface="+mj-ea"/>
+            </a:endParaRPr>
+          </a:p>
+          <a:p>
+            <a:endParaRPr lang="ko-KR" altLang="en-US" sz="2400" dirty="0">
+              <a:solidFill>
+                <a:schemeClr val="tx2">
+                  <a:lumMod val="75000"/>
+                </a:schemeClr>
+              </a:solidFill>
+            </a:endParaRPr>
+          </a:p>
+        </p:txBody>
+      </p:sp>
+      <p:sp>
+        <p:nvSpPr>
+          <p:cNvPr id="21" name="TextBox 20"/>
+          <p:cNvSpPr txBox="1"/>
+          <p:nvPr/>
+        </p:nvSpPr>
+        <p:spPr>
+          <a:xfrm>
+            <a:off x="435645" y="1167276"/>
+            <a:ext cx="3240360" cy="307777"/>
+          </a:xfrm>
+          <a:prstGeom prst="rect">
+            <a:avLst/>
+          </a:prstGeom>
+          <a:noFill/>
+        </p:spPr>
+        <p:txBody>
+          <a:bodyPr wrap="square" rtlCol="0">
+            <a:spAutoFit/>
+          </a:bodyPr>
+          <a:lstStyle/>
+          <a:p>
+            <a:r>
+              <a:rPr lang="ko-KR" altLang="en-US" sz="1400" b="1" dirty="0" err="1">
+                <a:solidFill>
+                  <a:schemeClr val="bg1">
+                    <a:lumMod val="50000"/>
+                  </a:schemeClr>
+                </a:solidFill>
+              </a:rPr>
+              <a:t>심플한피피티는</a:t>
+            </a:r>
+            <a:r>
+              <a:rPr lang="ko-KR" altLang="en-US" sz="1400" b="1" dirty="0">
+                <a:solidFill>
+                  <a:schemeClr val="bg1">
+                    <a:lumMod val="50000"/>
+                  </a:schemeClr>
+                </a:solidFill>
+              </a:rPr>
+              <a:t> 무엇인가</a:t>
+            </a:r>
+          </a:p>
+        </p:txBody>
+      </p:sp>
+      <p:sp>
+        <p:nvSpPr>
+          <p:cNvPr id="33" name="TextBox 32"/>
           <p:cNvSpPr txBox="1"/>
           <p:nvPr/>
         </p:nvSpPr>
@@ -23044,622 +24028,6 @@
                 </a:schemeClr>
               </a:solidFill>
             </a:endParaRPr>
-          </a:p>
-        </p:txBody>
-      </p:sp>
-      <p:sp>
-        <p:nvSpPr>
-          <p:cNvPr id="9" name="TextBox 8"/>
-          <p:cNvSpPr txBox="1"/>
-          <p:nvPr/>
-        </p:nvSpPr>
-        <p:spPr>
-          <a:xfrm>
-            <a:off x="3995936" y="479095"/>
-            <a:ext cx="1080120" cy="461665"/>
-          </a:xfrm>
-          <a:prstGeom prst="rect">
-            <a:avLst/>
-          </a:prstGeom>
-          <a:noFill/>
-        </p:spPr>
-        <p:txBody>
-          <a:bodyPr wrap="square" rtlCol="0">
-            <a:spAutoFit/>
-          </a:bodyPr>
-          <a:lstStyle/>
-          <a:p>
-            <a:pPr algn="ctr"/>
-            <a:r>
-              <a:rPr lang="en-US" altLang="ko-KR" sz="2400" dirty="0">
-                <a:solidFill>
-                  <a:schemeClr val="bg1"/>
-                </a:solidFill>
-                <a:latin typeface="HY헤드라인M" pitchFamily="18" charset="-127"/>
-                <a:ea typeface="HY헤드라인M" pitchFamily="18" charset="-127"/>
-              </a:rPr>
-              <a:t>01</a:t>
-            </a:r>
-            <a:endParaRPr lang="ko-KR" altLang="en-US" sz="2400" dirty="0">
-              <a:solidFill>
-                <a:schemeClr val="bg1"/>
-              </a:solidFill>
-              <a:latin typeface="HY헤드라인M" pitchFamily="18" charset="-127"/>
-              <a:ea typeface="HY헤드라인M" pitchFamily="18" charset="-127"/>
-            </a:endParaRPr>
-          </a:p>
-        </p:txBody>
-      </p:sp>
-      <p:sp>
-        <p:nvSpPr>
-          <p:cNvPr id="10" name="TextBox 9"/>
-          <p:cNvSpPr txBox="1"/>
-          <p:nvPr/>
-        </p:nvSpPr>
-        <p:spPr>
-          <a:xfrm>
-            <a:off x="1331640" y="3356992"/>
-            <a:ext cx="6624736" cy="523220"/>
-          </a:xfrm>
-          <a:prstGeom prst="rect">
-            <a:avLst/>
-          </a:prstGeom>
-          <a:noFill/>
-        </p:spPr>
-        <p:txBody>
-          <a:bodyPr wrap="square" rtlCol="0">
-            <a:spAutoFit/>
-          </a:bodyPr>
-          <a:lstStyle/>
-          <a:p>
-            <a:pPr algn="ctr"/>
-            <a:r>
-              <a:rPr lang="ko-KR" altLang="en-US" sz="1400" dirty="0"/>
-              <a:t>내용을 입력하세요</a:t>
-            </a:r>
-            <a:endParaRPr lang="en-US" altLang="ko-KR" sz="1400" dirty="0"/>
-          </a:p>
-          <a:p>
-            <a:pPr algn="ctr"/>
-            <a:r>
-              <a:rPr lang="en-US" altLang="ko-KR" sz="1400" dirty="0"/>
-              <a:t>http://minheeblog.tistory.com/category/PPT</a:t>
-            </a:r>
-            <a:endParaRPr lang="ko-KR" altLang="en-US" sz="1400" dirty="0"/>
-          </a:p>
-        </p:txBody>
-      </p:sp>
-      <p:sp>
-        <p:nvSpPr>
-          <p:cNvPr id="11" name="TextBox 10"/>
-          <p:cNvSpPr txBox="1"/>
-          <p:nvPr/>
-        </p:nvSpPr>
-        <p:spPr>
-          <a:xfrm>
-            <a:off x="971600" y="2062589"/>
-            <a:ext cx="7128792" cy="584775"/>
-          </a:xfrm>
-          <a:prstGeom prst="rect">
-            <a:avLst/>
-          </a:prstGeom>
-          <a:noFill/>
-        </p:spPr>
-        <p:txBody>
-          <a:bodyPr wrap="square" rtlCol="0">
-            <a:spAutoFit/>
-          </a:bodyPr>
-          <a:lstStyle/>
-          <a:p>
-            <a:pPr algn="ctr"/>
-            <a:r>
-              <a:rPr lang="ko-KR" altLang="en-US" b="1" spc="-150" dirty="0"/>
-              <a:t>심플한 </a:t>
-            </a:r>
-            <a:r>
-              <a:rPr lang="ko-KR" altLang="en-US" b="1" spc="-150" dirty="0" err="1"/>
-              <a:t>피피티를</a:t>
-            </a:r>
-            <a:r>
-              <a:rPr lang="ko-KR" altLang="en-US" b="1" spc="-150" dirty="0"/>
-              <a:t> 찾을 수 있는 가장 쉬운 방법</a:t>
-            </a:r>
-            <a:endParaRPr lang="en-US" altLang="ko-KR" b="1" spc="-150" dirty="0"/>
-          </a:p>
-          <a:p>
-            <a:pPr algn="ctr"/>
-            <a:r>
-              <a:rPr lang="ko-KR" altLang="en-US" sz="1400" b="1" spc="-150" dirty="0" err="1">
-                <a:latin typeface="+mn-ea"/>
-              </a:rPr>
-              <a:t>민희블로그에</a:t>
-            </a:r>
-            <a:r>
-              <a:rPr lang="ko-KR" altLang="en-US" sz="1400" b="1" spc="-150" dirty="0">
-                <a:latin typeface="+mn-ea"/>
-              </a:rPr>
-              <a:t> 접속하여 </a:t>
-            </a:r>
-            <a:r>
-              <a:rPr lang="ko-KR" altLang="en-US" sz="1400" b="1" spc="-150" dirty="0" err="1">
-                <a:latin typeface="+mn-ea"/>
-              </a:rPr>
-              <a:t>댓글을</a:t>
-            </a:r>
-            <a:r>
-              <a:rPr lang="ko-KR" altLang="en-US" sz="1400" b="1" spc="-150" dirty="0">
-                <a:latin typeface="+mn-ea"/>
-              </a:rPr>
-              <a:t> 남긴 뒤 </a:t>
-            </a:r>
-            <a:r>
-              <a:rPr lang="ko-KR" altLang="en-US" sz="1400" b="1" spc="-150" dirty="0" err="1">
-                <a:latin typeface="+mn-ea"/>
-              </a:rPr>
-              <a:t>심플한피피티를</a:t>
-            </a:r>
-            <a:r>
-              <a:rPr lang="ko-KR" altLang="en-US" sz="1400" b="1" spc="-150" dirty="0">
-                <a:latin typeface="+mn-ea"/>
-              </a:rPr>
-              <a:t> 사용한다</a:t>
-            </a:r>
-            <a:r>
-              <a:rPr lang="en-US" altLang="ko-KR" sz="1400" b="1" spc="-150" dirty="0">
-                <a:latin typeface="+mn-ea"/>
-              </a:rPr>
-              <a:t>.</a:t>
-            </a:r>
-            <a:endParaRPr lang="ko-KR" altLang="en-US" spc="-150" dirty="0"/>
-          </a:p>
-        </p:txBody>
-      </p:sp>
-      <p:sp>
-        <p:nvSpPr>
-          <p:cNvPr id="12" name="TextBox 11"/>
-          <p:cNvSpPr txBox="1"/>
-          <p:nvPr/>
-        </p:nvSpPr>
-        <p:spPr>
-          <a:xfrm>
-            <a:off x="2411760" y="1268760"/>
-            <a:ext cx="4320480" cy="584775"/>
-          </a:xfrm>
-          <a:prstGeom prst="rect">
-            <a:avLst/>
-          </a:prstGeom>
-          <a:noFill/>
-        </p:spPr>
-        <p:txBody>
-          <a:bodyPr wrap="square" rtlCol="0">
-            <a:spAutoFit/>
-          </a:bodyPr>
-          <a:lstStyle/>
-          <a:p>
-            <a:pPr algn="ctr"/>
-            <a:r>
-              <a:rPr lang="en-US" altLang="ko-KR" sz="3200" b="1" spc="-150" dirty="0">
-                <a:solidFill>
-                  <a:schemeClr val="tx2">
-                    <a:lumMod val="75000"/>
-                  </a:schemeClr>
-                </a:solidFill>
-                <a:latin typeface="+mj-lt"/>
-                <a:ea typeface="HY헤드라인M" pitchFamily="18" charset="-127"/>
-              </a:rPr>
-              <a:t>MINHEEBLOG</a:t>
-            </a:r>
-            <a:endParaRPr lang="ko-KR" altLang="en-US" sz="3200" b="1" spc="-150" dirty="0">
-              <a:solidFill>
-                <a:schemeClr val="tx2">
-                  <a:lumMod val="75000"/>
-                </a:schemeClr>
-              </a:solidFill>
-              <a:latin typeface="+mj-lt"/>
-              <a:ea typeface="HY헤드라인M" pitchFamily="18" charset="-127"/>
-            </a:endParaRPr>
-          </a:p>
-        </p:txBody>
-      </p:sp>
-      <p:cxnSp>
-        <p:nvCxnSpPr>
-          <p:cNvPr id="14" name="직선 연결선 13"/>
-          <p:cNvCxnSpPr/>
-          <p:nvPr/>
-        </p:nvCxnSpPr>
-        <p:spPr>
-          <a:xfrm>
-            <a:off x="2123728" y="1916832"/>
-            <a:ext cx="4824536" cy="0"/>
-          </a:xfrm>
-          <a:prstGeom prst="line">
-            <a:avLst/>
-          </a:prstGeom>
-          <a:ln>
-            <a:gradFill>
-              <a:gsLst>
-                <a:gs pos="0">
-                  <a:schemeClr val="bg1"/>
-                </a:gs>
-                <a:gs pos="50000">
-                  <a:schemeClr val="bg1">
-                    <a:lumMod val="50000"/>
-                  </a:schemeClr>
-                </a:gs>
-                <a:gs pos="100000">
-                  <a:schemeClr val="bg1"/>
-                </a:gs>
-              </a:gsLst>
-              <a:lin ang="10800000" scaled="0"/>
-            </a:gradFill>
-          </a:ln>
-        </p:spPr>
-        <p:style>
-          <a:lnRef idx="1">
-            <a:schemeClr val="dk1"/>
-          </a:lnRef>
-          <a:fillRef idx="0">
-            <a:schemeClr val="dk1"/>
-          </a:fillRef>
-          <a:effectRef idx="0">
-            <a:schemeClr val="dk1"/>
-          </a:effectRef>
-          <a:fontRef idx="minor">
-            <a:schemeClr val="tx1"/>
-          </a:fontRef>
-        </p:style>
-      </p:cxnSp>
-      <p:sp>
-        <p:nvSpPr>
-          <p:cNvPr id="17" name="직사각형 16"/>
-          <p:cNvSpPr/>
-          <p:nvPr/>
-        </p:nvSpPr>
-        <p:spPr>
-          <a:xfrm>
-            <a:off x="219463" y="271681"/>
-            <a:ext cx="1297150" cy="276999"/>
-          </a:xfrm>
-          <a:prstGeom prst="rect">
-            <a:avLst/>
-          </a:prstGeom>
-        </p:spPr>
-        <p:txBody>
-          <a:bodyPr wrap="none">
-            <a:spAutoFit/>
-          </a:bodyPr>
-          <a:lstStyle/>
-          <a:p>
-            <a:pPr algn="ctr"/>
-            <a:r>
-              <a:rPr lang="ko-KR" altLang="en-US" sz="1200" b="1" spc="-150" dirty="0">
-                <a:solidFill>
-                  <a:schemeClr val="bg1"/>
-                </a:solidFill>
-              </a:rPr>
-              <a:t>제목을 입력하세요</a:t>
-            </a:r>
-          </a:p>
-        </p:txBody>
-      </p:sp>
-      <p:pic>
-        <p:nvPicPr>
-          <p:cNvPr id="18" name="_x48549128" descr="EMB00000778ad78"/>
-          <p:cNvPicPr>
-            <a:picLocks noChangeAspect="1" noChangeArrowheads="1"/>
-          </p:cNvPicPr>
-          <p:nvPr/>
-        </p:nvPicPr>
-        <p:blipFill>
-          <a:blip r:embed="rId3" cstate="print"/>
-          <a:stretch>
-            <a:fillRect/>
-          </a:stretch>
-        </p:blipFill>
-        <p:spPr bwMode="auto">
-          <a:xfrm>
-            <a:off x="3492120" y="4581128"/>
-            <a:ext cx="2160000" cy="1440000"/>
-          </a:xfrm>
-          <a:prstGeom prst="rect">
-            <a:avLst/>
-          </a:prstGeom>
-          <a:noFill/>
-        </p:spPr>
-      </p:pic>
-      <p:pic>
-        <p:nvPicPr>
-          <p:cNvPr id="19" name="_x48549128" descr="EMB00000778ad7b"/>
-          <p:cNvPicPr>
-            <a:picLocks noChangeAspect="1" noChangeArrowheads="1"/>
-          </p:cNvPicPr>
-          <p:nvPr/>
-        </p:nvPicPr>
-        <p:blipFill>
-          <a:blip r:embed="rId4" cstate="print"/>
-          <a:stretch>
-            <a:fillRect/>
-          </a:stretch>
-        </p:blipFill>
-        <p:spPr bwMode="auto">
-          <a:xfrm>
-            <a:off x="6012160" y="4581128"/>
-            <a:ext cx="2160000" cy="1440000"/>
-          </a:xfrm>
-          <a:prstGeom prst="rect">
-            <a:avLst/>
-          </a:prstGeom>
-          <a:noFill/>
-        </p:spPr>
-      </p:pic>
-      <p:pic>
-        <p:nvPicPr>
-          <p:cNvPr id="20" name="_x189903544" descr="EMB00000778ad7e"/>
-          <p:cNvPicPr>
-            <a:picLocks noChangeAspect="1" noChangeArrowheads="1"/>
-          </p:cNvPicPr>
-          <p:nvPr/>
-        </p:nvPicPr>
-        <p:blipFill>
-          <a:blip r:embed="rId5" cstate="print"/>
-          <a:stretch>
-            <a:fillRect/>
-          </a:stretch>
-        </p:blipFill>
-        <p:spPr bwMode="auto">
-          <a:xfrm>
-            <a:off x="971600" y="4581288"/>
-            <a:ext cx="2160001" cy="1440000"/>
-          </a:xfrm>
-          <a:prstGeom prst="rect">
-            <a:avLst/>
-          </a:prstGeom>
-          <a:noFill/>
-        </p:spPr>
-      </p:pic>
-      <p:sp>
-        <p:nvSpPr>
-          <p:cNvPr id="21" name="TextBox 20"/>
-          <p:cNvSpPr txBox="1"/>
-          <p:nvPr/>
-        </p:nvSpPr>
-        <p:spPr>
-          <a:xfrm>
-            <a:off x="1115616" y="5013176"/>
-            <a:ext cx="1872208" cy="430887"/>
-          </a:xfrm>
-          <a:prstGeom prst="rect">
-            <a:avLst/>
-          </a:prstGeom>
-          <a:noFill/>
-        </p:spPr>
-        <p:txBody>
-          <a:bodyPr wrap="square" rtlCol="0">
-            <a:spAutoFit/>
-          </a:bodyPr>
-          <a:lstStyle/>
-          <a:p>
-            <a:pPr algn="ctr"/>
-            <a:r>
-              <a:rPr lang="ko-KR" altLang="en-US" sz="1100" dirty="0" err="1">
-                <a:solidFill>
-                  <a:schemeClr val="bg1"/>
-                </a:solidFill>
-              </a:rPr>
-              <a:t>우클릭</a:t>
-            </a:r>
-            <a:r>
-              <a:rPr lang="ko-KR" altLang="en-US" sz="1100" dirty="0">
-                <a:solidFill>
-                  <a:schemeClr val="bg1"/>
-                </a:solidFill>
-              </a:rPr>
-              <a:t> </a:t>
-            </a:r>
-            <a:r>
-              <a:rPr lang="ko-KR" altLang="en-US" sz="1100" dirty="0" err="1">
-                <a:solidFill>
-                  <a:schemeClr val="bg1"/>
-                </a:solidFill>
-              </a:rPr>
-              <a:t>그림바꾸기로</a:t>
-            </a:r>
-            <a:r>
-              <a:rPr lang="ko-KR" altLang="en-US" sz="1100" dirty="0">
-                <a:solidFill>
-                  <a:schemeClr val="bg1"/>
-                </a:solidFill>
-              </a:rPr>
-              <a:t> </a:t>
-            </a:r>
-            <a:endParaRPr lang="en-US" altLang="ko-KR" sz="1100" dirty="0">
-              <a:solidFill>
-                <a:schemeClr val="bg1"/>
-              </a:solidFill>
-            </a:endParaRPr>
-          </a:p>
-          <a:p>
-            <a:pPr algn="ctr"/>
-            <a:r>
-              <a:rPr lang="ko-KR" altLang="en-US" sz="1100" dirty="0" err="1">
-                <a:solidFill>
-                  <a:schemeClr val="bg1"/>
-                </a:solidFill>
-              </a:rPr>
-              <a:t>그림바꿔주세요</a:t>
-            </a:r>
-            <a:r>
-              <a:rPr lang="ko-KR" altLang="en-US" sz="1100" dirty="0">
-                <a:solidFill>
-                  <a:schemeClr val="bg1"/>
-                </a:solidFill>
-              </a:rPr>
-              <a:t> </a:t>
-            </a:r>
-          </a:p>
-        </p:txBody>
-      </p:sp>
-      <p:sp>
-        <p:nvSpPr>
-          <p:cNvPr id="22" name="TextBox 21"/>
-          <p:cNvSpPr txBox="1"/>
-          <p:nvPr/>
-        </p:nvSpPr>
-        <p:spPr>
-          <a:xfrm>
-            <a:off x="3707904" y="5013176"/>
-            <a:ext cx="1872208" cy="430887"/>
-          </a:xfrm>
-          <a:prstGeom prst="rect">
-            <a:avLst/>
-          </a:prstGeom>
-          <a:noFill/>
-        </p:spPr>
-        <p:txBody>
-          <a:bodyPr wrap="square" rtlCol="0">
-            <a:spAutoFit/>
-          </a:bodyPr>
-          <a:lstStyle/>
-          <a:p>
-            <a:pPr algn="ctr"/>
-            <a:r>
-              <a:rPr lang="ko-KR" altLang="en-US" sz="1100" dirty="0" err="1">
-                <a:solidFill>
-                  <a:schemeClr val="bg1"/>
-                </a:solidFill>
-              </a:rPr>
-              <a:t>우클릭</a:t>
-            </a:r>
-            <a:r>
-              <a:rPr lang="ko-KR" altLang="en-US" sz="1100" dirty="0">
-                <a:solidFill>
-                  <a:schemeClr val="bg1"/>
-                </a:solidFill>
-              </a:rPr>
-              <a:t> </a:t>
-            </a:r>
-            <a:r>
-              <a:rPr lang="ko-KR" altLang="en-US" sz="1100" dirty="0" err="1">
-                <a:solidFill>
-                  <a:schemeClr val="bg1"/>
-                </a:solidFill>
-              </a:rPr>
-              <a:t>그림바꾸기로</a:t>
-            </a:r>
-            <a:r>
-              <a:rPr lang="ko-KR" altLang="en-US" sz="1100" dirty="0">
-                <a:solidFill>
-                  <a:schemeClr val="bg1"/>
-                </a:solidFill>
-              </a:rPr>
-              <a:t> </a:t>
-            </a:r>
-            <a:endParaRPr lang="en-US" altLang="ko-KR" sz="1100" dirty="0">
-              <a:solidFill>
-                <a:schemeClr val="bg1"/>
-              </a:solidFill>
-            </a:endParaRPr>
-          </a:p>
-          <a:p>
-            <a:pPr algn="ctr"/>
-            <a:r>
-              <a:rPr lang="ko-KR" altLang="en-US" sz="1100" dirty="0" err="1">
-                <a:solidFill>
-                  <a:schemeClr val="bg1"/>
-                </a:solidFill>
-              </a:rPr>
-              <a:t>그림바꿔주세요</a:t>
-            </a:r>
-            <a:r>
-              <a:rPr lang="ko-KR" altLang="en-US" sz="1100" dirty="0">
-                <a:solidFill>
-                  <a:schemeClr val="bg1"/>
-                </a:solidFill>
-              </a:rPr>
-              <a:t> </a:t>
-            </a:r>
-          </a:p>
-        </p:txBody>
-      </p:sp>
-      <p:sp>
-        <p:nvSpPr>
-          <p:cNvPr id="23" name="TextBox 22"/>
-          <p:cNvSpPr txBox="1"/>
-          <p:nvPr/>
-        </p:nvSpPr>
-        <p:spPr>
-          <a:xfrm>
-            <a:off x="6228184" y="5013176"/>
-            <a:ext cx="1872208" cy="430887"/>
-          </a:xfrm>
-          <a:prstGeom prst="rect">
-            <a:avLst/>
-          </a:prstGeom>
-          <a:noFill/>
-        </p:spPr>
-        <p:txBody>
-          <a:bodyPr wrap="square" rtlCol="0">
-            <a:spAutoFit/>
-          </a:bodyPr>
-          <a:lstStyle/>
-          <a:p>
-            <a:pPr algn="ctr"/>
-            <a:r>
-              <a:rPr lang="ko-KR" altLang="en-US" sz="1100" dirty="0" err="1">
-                <a:solidFill>
-                  <a:schemeClr val="bg1"/>
-                </a:solidFill>
-              </a:rPr>
-              <a:t>우클릭</a:t>
-            </a:r>
-            <a:r>
-              <a:rPr lang="ko-KR" altLang="en-US" sz="1100" dirty="0">
-                <a:solidFill>
-                  <a:schemeClr val="bg1"/>
-                </a:solidFill>
-              </a:rPr>
-              <a:t> </a:t>
-            </a:r>
-            <a:r>
-              <a:rPr lang="ko-KR" altLang="en-US" sz="1100" dirty="0" err="1">
-                <a:solidFill>
-                  <a:schemeClr val="bg1"/>
-                </a:solidFill>
-              </a:rPr>
-              <a:t>그림바꾸기로</a:t>
-            </a:r>
-            <a:r>
-              <a:rPr lang="ko-KR" altLang="en-US" sz="1100" dirty="0">
-                <a:solidFill>
-                  <a:schemeClr val="bg1"/>
-                </a:solidFill>
-              </a:rPr>
-              <a:t> </a:t>
-            </a:r>
-            <a:endParaRPr lang="en-US" altLang="ko-KR" sz="1100" dirty="0">
-              <a:solidFill>
-                <a:schemeClr val="bg1"/>
-              </a:solidFill>
-            </a:endParaRPr>
-          </a:p>
-          <a:p>
-            <a:pPr algn="ctr"/>
-            <a:r>
-              <a:rPr lang="ko-KR" altLang="en-US" sz="1100" dirty="0" err="1">
-                <a:solidFill>
-                  <a:schemeClr val="bg1"/>
-                </a:solidFill>
-              </a:rPr>
-              <a:t>그림바꿔주세요</a:t>
-            </a:r>
-            <a:r>
-              <a:rPr lang="ko-KR" altLang="en-US" sz="1100" dirty="0">
-                <a:solidFill>
-                  <a:schemeClr val="bg1"/>
-                </a:solidFill>
-              </a:rPr>
-              <a:t> </a:t>
-            </a:r>
           </a:p>
         </p:txBody>
       </p:sp>
@@ -23740,106 +24108,7 @@
           <a:lstStyle/>
           <a:p>
             <a:pPr algn="ctr"/>
-            <a:endParaRPr lang="ko-KR" altLang="en-US"/>
-          </a:p>
-        </p:txBody>
-      </p:sp>
-      <p:sp>
-        <p:nvSpPr>
-          <p:cNvPr id="19" name="모서리가 둥근 직사각형 18"/>
-          <p:cNvSpPr/>
-          <p:nvPr/>
-        </p:nvSpPr>
-        <p:spPr>
-          <a:xfrm>
-            <a:off x="755576" y="3109069"/>
-            <a:ext cx="1296144" cy="432048"/>
-          </a:xfrm>
-          <a:prstGeom prst="roundRect">
-            <a:avLst/>
-          </a:prstGeom>
-          <a:solidFill>
-            <a:schemeClr val="accent5">
-              <a:lumMod val="50000"/>
-            </a:schemeClr>
-          </a:solidFill>
-          <a:ln>
-            <a:noFill/>
-          </a:ln>
-        </p:spPr>
-        <p:style>
-          <a:lnRef idx="2">
-            <a:schemeClr val="accent5">
-              <a:shade val="50000"/>
-            </a:schemeClr>
-          </a:lnRef>
-          <a:fillRef idx="1">
-            <a:schemeClr val="accent5"/>
-          </a:fillRef>
-          <a:effectRef idx="0">
-            <a:schemeClr val="accent5"/>
-          </a:effectRef>
-          <a:fontRef idx="minor">
-            <a:schemeClr val="lt1"/>
-          </a:fontRef>
-        </p:style>
-        <p:txBody>
-          <a:bodyPr rtlCol="0" anchor="ctr"/>
-          <a:lstStyle/>
-          <a:p>
-            <a:pPr algn="ctr"/>
-            <a:endParaRPr lang="ko-KR" altLang="en-US" dirty="0">
-              <a:solidFill>
-                <a:schemeClr val="bg1"/>
-              </a:solidFill>
-            </a:endParaRPr>
-          </a:p>
-        </p:txBody>
-      </p:sp>
-      <p:sp>
-        <p:nvSpPr>
-          <p:cNvPr id="18" name="모서리가 둥근 직사각형 17"/>
-          <p:cNvSpPr/>
-          <p:nvPr/>
-        </p:nvSpPr>
-        <p:spPr>
-          <a:xfrm>
-            <a:off x="755576" y="2495319"/>
-            <a:ext cx="1296144" cy="432048"/>
-          </a:xfrm>
-          <a:prstGeom prst="roundRect">
-            <a:avLst/>
-          </a:prstGeom>
-          <a:ln>
-            <a:noFill/>
-          </a:ln>
-        </p:spPr>
-        <p:style>
-          <a:lnRef idx="2">
-            <a:schemeClr val="accent5">
-              <a:shade val="50000"/>
-            </a:schemeClr>
-          </a:lnRef>
-          <a:fillRef idx="1">
-            <a:schemeClr val="accent5"/>
-          </a:fillRef>
-          <a:effectRef idx="0">
-            <a:schemeClr val="accent5"/>
-          </a:effectRef>
-          <a:fontRef idx="minor">
-            <a:schemeClr val="lt1"/>
-          </a:fontRef>
-        </p:style>
-        <p:txBody>
-          <a:bodyPr rtlCol="0" anchor="ctr"/>
-          <a:lstStyle/>
-          <a:p>
-            <a:pPr algn="ctr"/>
-            <a:endParaRPr lang="ko-KR" altLang="en-US" dirty="0">
-              <a:solidFill>
-                <a:schemeClr val="bg1"/>
-              </a:solidFill>
-            </a:endParaRPr>
+            <a:endParaRPr lang="ko-KR" altLang="en-US" dirty="0"/>
           </a:p>
         </p:txBody>
       </p:sp>
@@ -23943,7 +24212,7 @@
         <p:spPr>
           <a:xfrm>
             <a:off x="539552" y="1484784"/>
-            <a:ext cx="6768752" cy="369332"/>
+            <a:ext cx="2520280" cy="369332"/>
           </a:xfrm>
           <a:prstGeom prst="rect">
             <a:avLst/>
@@ -23967,246 +24236,76 @@
           </a:p>
         </p:txBody>
       </p:sp>
-      <p:sp>
-        <p:nvSpPr>
-          <p:cNvPr id="15" name="TextBox 14"/>
-          <p:cNvSpPr txBox="1"/>
-          <p:nvPr/>
-        </p:nvSpPr>
-        <p:spPr>
-          <a:xfrm>
-            <a:off x="827584" y="1772816"/>
-            <a:ext cx="7776864" cy="707886"/>
+      <p:pic>
+        <p:nvPicPr>
+          <p:cNvPr id="17410" name="Picture 2" descr="사람 픽토그램에 대한 이미지 검색결과"/>
+          <p:cNvPicPr>
+            <a:picLocks noChangeAspect="1" noChangeArrowheads="1"/>
+          </p:cNvPicPr>
+          <p:nvPr/>
+        </p:nvPicPr>
+        <p:blipFill>
+          <a:blip r:embed="rId3" cstate="print"/>
+          <a:srcRect l="26893" r="49202" b="46815"/>
+          <a:stretch>
+            <a:fillRect/>
+          </a:stretch>
+        </p:blipFill>
+        <p:spPr bwMode="auto">
+          <a:xfrm>
+            <a:off x="5004048" y="2474894"/>
+            <a:ext cx="576064" cy="1008112"/>
           </a:xfrm>
           <a:prstGeom prst="rect">
             <a:avLst/>
           </a:prstGeom>
           <a:noFill/>
         </p:spPr>
-        <p:txBody>
-          <a:bodyPr wrap="square" rtlCol="0">
-            <a:spAutoFit/>
-          </a:bodyPr>
-          <a:lstStyle/>
-          <a:p>
-            <a:pPr fontAlgn="base">
-              <a:lnSpc>
-                <a:spcPct val="200000"/>
-              </a:lnSpc>
-            </a:pPr>
-            <a:r>
-              <a:rPr lang="en-US" altLang="ko-KR" sz="2000" b="1" spc="-150" dirty="0"/>
-              <a:t>“</a:t>
-            </a:r>
-            <a:r>
-              <a:rPr lang="ko-KR" altLang="en-US" sz="2000" b="1" spc="-150" dirty="0" err="1"/>
-              <a:t>민희블로그</a:t>
-            </a:r>
-            <a:r>
-              <a:rPr lang="en-US" altLang="ko-KR" sz="2000" b="1" spc="-150" dirty="0"/>
-              <a:t>”</a:t>
-            </a:r>
-            <a:r>
-              <a:rPr lang="ko-KR" altLang="en-US" sz="2000" spc="-150" dirty="0"/>
-              <a:t>는 심플한 피피티를 얻을 수 있는 좋은 </a:t>
-            </a:r>
-            <a:r>
-              <a:rPr lang="ko-KR" altLang="en-US" sz="2000" spc="-150" dirty="0" err="1"/>
-              <a:t>블로그</a:t>
-            </a:r>
-            <a:r>
-              <a:rPr lang="ko-KR" altLang="en-US" sz="2000" spc="-150" dirty="0"/>
-              <a:t> 이다</a:t>
-            </a:r>
-            <a:r>
-              <a:rPr lang="en-US" altLang="ko-KR" sz="2000" spc="-150" dirty="0"/>
-              <a:t>.</a:t>
-            </a:r>
-            <a:endParaRPr lang="ko-KR" altLang="en-US" spc="-150" dirty="0"/>
-          </a:p>
-        </p:txBody>
-      </p:sp>
-      <p:sp>
-        <p:nvSpPr>
-          <p:cNvPr id="22" name="TextBox 21"/>
-          <p:cNvSpPr txBox="1"/>
-          <p:nvPr/>
-        </p:nvSpPr>
-        <p:spPr>
-          <a:xfrm>
-            <a:off x="2699792" y="4005064"/>
-            <a:ext cx="4896544" cy="738664"/>
+      </p:pic>
+      <p:pic>
+        <p:nvPicPr>
+          <p:cNvPr id="27" name="Picture 2" descr="사람 픽토그램에 대한 이미지 검색결과"/>
+          <p:cNvPicPr>
+            <a:picLocks noChangeAspect="1" noChangeArrowheads="1"/>
+          </p:cNvPicPr>
+          <p:nvPr/>
+        </p:nvPicPr>
+        <p:blipFill>
+          <a:blip r:embed="rId3" cstate="print"/>
+          <a:srcRect l="50798" r="25297" b="46815"/>
+          <a:stretch>
+            <a:fillRect/>
+          </a:stretch>
+        </p:blipFill>
+        <p:spPr bwMode="auto">
+          <a:xfrm>
+            <a:off x="6084168" y="2618910"/>
+            <a:ext cx="462909" cy="810090"/>
           </a:xfrm>
           <a:prstGeom prst="rect">
             <a:avLst/>
           </a:prstGeom>
           <a:noFill/>
         </p:spPr>
-        <p:txBody>
-          <a:bodyPr wrap="square" rtlCol="0">
-            <a:spAutoFit/>
-          </a:bodyPr>
-          <a:lstStyle/>
-          <a:p>
-            <a:r>
-              <a:rPr lang="ko-KR" altLang="en-US" sz="1400" dirty="0"/>
-              <a:t>내용을 입력하세요</a:t>
-            </a:r>
-            <a:endParaRPr lang="en-US" altLang="ko-KR" sz="1400" dirty="0"/>
-          </a:p>
-          <a:p>
-            <a:r>
-              <a:rPr lang="ko-KR" altLang="en-US" sz="1400" dirty="0"/>
-              <a:t>내용을 입력하세요</a:t>
-            </a:r>
-            <a:endParaRPr lang="en-US" altLang="ko-KR" sz="1400" dirty="0"/>
-          </a:p>
-          <a:p>
-            <a:r>
-              <a:rPr lang="ko-KR" altLang="en-US" sz="1400" dirty="0"/>
-              <a:t>내용을 입력하세요</a:t>
-            </a:r>
-          </a:p>
-        </p:txBody>
-      </p:sp>
-      <p:sp>
-        <p:nvSpPr>
-          <p:cNvPr id="23" name="TextBox 22"/>
-          <p:cNvSpPr txBox="1"/>
-          <p:nvPr/>
-        </p:nvSpPr>
-        <p:spPr>
-          <a:xfrm>
-            <a:off x="2267744" y="3995772"/>
-            <a:ext cx="648072" cy="307777"/>
-          </a:xfrm>
-          <a:prstGeom prst="rect">
-            <a:avLst/>
-          </a:prstGeom>
-          <a:noFill/>
-        </p:spPr>
-        <p:txBody>
-          <a:bodyPr wrap="square" rtlCol="0">
-            <a:spAutoFit/>
-          </a:bodyPr>
-          <a:lstStyle/>
-          <a:p>
-            <a:r>
-              <a:rPr lang="ko-KR" altLang="en-US" sz="1400" spc="-150" dirty="0"/>
-              <a:t>예</a:t>
-            </a:r>
-            <a:r>
-              <a:rPr lang="en-US" altLang="ko-KR" sz="1400" spc="-150" dirty="0"/>
-              <a:t>)</a:t>
-            </a:r>
-            <a:endParaRPr lang="ko-KR" altLang="en-US" sz="1400" dirty="0"/>
-          </a:p>
-        </p:txBody>
-      </p:sp>
-      <p:sp>
-        <p:nvSpPr>
-          <p:cNvPr id="24" name="직사각형 23"/>
+      </p:pic>
+      <p:sp>
+        <p:nvSpPr>
+          <p:cNvPr id="28" name="갈매기형 수장 27"/>
           <p:cNvSpPr/>
           <p:nvPr/>
         </p:nvSpPr>
         <p:spPr>
           <a:xfrm>
-            <a:off x="2555776" y="4725144"/>
-            <a:ext cx="5760640" cy="1200329"/>
-          </a:xfrm>
-          <a:prstGeom prst="rect">
-            <a:avLst/>
-          </a:prstGeom>
-        </p:spPr>
-        <p:txBody>
-          <a:bodyPr wrap="square">
-            <a:spAutoFit/>
-          </a:bodyPr>
-          <a:lstStyle/>
-          <a:p>
-            <a:pPr fontAlgn="base">
-              <a:lnSpc>
-                <a:spcPct val="200000"/>
-              </a:lnSpc>
-            </a:pPr>
-            <a:r>
-              <a:rPr lang="ko-KR" altLang="en-US" sz="2000" b="1" spc="-150" dirty="0" err="1">
-                <a:solidFill>
-                  <a:schemeClr val="accent5">
-                    <a:lumMod val="50000"/>
-                  </a:schemeClr>
-                </a:solidFill>
-              </a:rPr>
-              <a:t>심플한피피티의</a:t>
-            </a:r>
-            <a:r>
-              <a:rPr lang="ko-KR" altLang="en-US" sz="2000" b="1" spc="-150" dirty="0">
-                <a:solidFill>
-                  <a:schemeClr val="accent5">
-                    <a:lumMod val="50000"/>
-                  </a:schemeClr>
-                </a:solidFill>
-              </a:rPr>
-              <a:t> 목표</a:t>
-            </a:r>
-            <a:endParaRPr lang="en-US" altLang="ko-KR" sz="2000" b="1" spc="-150" dirty="0">
-              <a:solidFill>
-                <a:schemeClr val="accent5">
-                  <a:lumMod val="50000"/>
-                </a:schemeClr>
-              </a:solidFill>
-            </a:endParaRPr>
-          </a:p>
-          <a:p>
-            <a:pPr fontAlgn="base"/>
-            <a:r>
-              <a:rPr lang="ko-KR" altLang="en-US" sz="1600" spc="-150" dirty="0"/>
-              <a:t>그냥 최대한 단순하게 표현을 하도록 한다</a:t>
-            </a:r>
-            <a:r>
-              <a:rPr lang="en-US" altLang="ko-KR" sz="1600" spc="-150" dirty="0"/>
-              <a:t>.</a:t>
-            </a:r>
-          </a:p>
-          <a:p>
-            <a:pPr fontAlgn="base"/>
-            <a:r>
-              <a:rPr lang="ko-KR" altLang="en-US" sz="1600" spc="-150" dirty="0"/>
-              <a:t>색은 </a:t>
-            </a:r>
-            <a:r>
-              <a:rPr lang="en-US" altLang="ko-KR" sz="1600" spc="-150" dirty="0"/>
-              <a:t>4</a:t>
-            </a:r>
-            <a:r>
-              <a:rPr lang="ko-KR" altLang="en-US" sz="1600" spc="-150" dirty="0"/>
-              <a:t>가지 이상을 사용하지 않는 것이  바람직하다고 생각한다</a:t>
-            </a:r>
-            <a:r>
-              <a:rPr lang="en-US" altLang="ko-KR" sz="1600" spc="-150" dirty="0"/>
-              <a:t>.</a:t>
-            </a:r>
-            <a:endParaRPr lang="ko-KR" altLang="en-US" sz="1600" spc="-150" dirty="0"/>
-          </a:p>
-        </p:txBody>
-      </p:sp>
-      <p:sp>
-        <p:nvSpPr>
-          <p:cNvPr id="25" name="줄무늬가 있는 오른쪽 화살표 24"/>
-          <p:cNvSpPr/>
-          <p:nvPr/>
-        </p:nvSpPr>
-        <p:spPr>
-          <a:xfrm>
-            <a:off x="827584" y="4941168"/>
-            <a:ext cx="1296144" cy="864096"/>
-          </a:xfrm>
-          <a:prstGeom prst="stripedRightArrow">
+            <a:off x="5652120" y="2690918"/>
+            <a:ext cx="360040" cy="576064"/>
+          </a:xfrm>
+          <a:prstGeom prst="chevron">
             <a:avLst/>
           </a:prstGeom>
           <a:solidFill>
-            <a:schemeClr val="bg1">
-              <a:lumMod val="85000"/>
+            <a:schemeClr val="accent2">
+              <a:lumMod val="40000"/>
+              <a:lumOff val="60000"/>
             </a:schemeClr>
           </a:solidFill>
           <a:ln>
@@ -24234,31 +24333,88 @@
           <a:lstStyle/>
           <a:p>
             <a:pPr algn="ctr"/>
-            <a:endParaRPr lang="ko-KR" altLang="en-US"/>
-          </a:p>
-        </p:txBody>
-      </p:sp>
-      <p:sp>
-        <p:nvSpPr>
-          <p:cNvPr id="26" name="모서리가 둥근 직사각형 25"/>
+            <a:endParaRPr lang="ko-KR" altLang="en-US">
+              <a:solidFill>
+                <a:schemeClr val="tx1"/>
+              </a:solidFill>
+            </a:endParaRPr>
+          </a:p>
+        </p:txBody>
+      </p:sp>
+      <p:pic>
+        <p:nvPicPr>
+          <p:cNvPr id="29" name="Picture 2" descr="사람 픽토그램에 대한 이미지 검색결과"/>
+          <p:cNvPicPr>
+            <a:picLocks noChangeAspect="1" noChangeArrowheads="1"/>
+          </p:cNvPicPr>
+          <p:nvPr/>
+        </p:nvPicPr>
+        <p:blipFill>
+          <a:blip r:embed="rId3" cstate="print"/>
+          <a:srcRect l="26893" r="49202" b="46815"/>
+          <a:stretch>
+            <a:fillRect/>
+          </a:stretch>
+        </p:blipFill>
+        <p:spPr bwMode="auto">
+          <a:xfrm>
+            <a:off x="2771800" y="2762926"/>
+            <a:ext cx="370327" cy="648072"/>
+          </a:xfrm>
+          <a:prstGeom prst="rect">
+            <a:avLst/>
+          </a:prstGeom>
+          <a:noFill/>
+        </p:spPr>
+      </p:pic>
+      <p:pic>
+        <p:nvPicPr>
+          <p:cNvPr id="30" name="Picture 2" descr="사람 픽토그램에 대한 이미지 검색결과"/>
+          <p:cNvPicPr>
+            <a:picLocks noChangeAspect="1" noChangeArrowheads="1"/>
+          </p:cNvPicPr>
+          <p:nvPr/>
+        </p:nvPicPr>
+        <p:blipFill>
+          <a:blip r:embed="rId3" cstate="print"/>
+          <a:srcRect l="50798" r="25297" b="46815"/>
+          <a:stretch>
+            <a:fillRect/>
+          </a:stretch>
+        </p:blipFill>
+        <p:spPr bwMode="auto">
+          <a:xfrm>
+            <a:off x="3553601" y="2474894"/>
+            <a:ext cx="586351" cy="1026114"/>
+          </a:xfrm>
+          <a:prstGeom prst="rect">
+            <a:avLst/>
+          </a:prstGeom>
+          <a:noFill/>
+        </p:spPr>
+      </p:pic>
+      <p:sp>
+        <p:nvSpPr>
+          <p:cNvPr id="32" name="갈매기형 수장 31"/>
           <p:cNvSpPr/>
           <p:nvPr/>
         </p:nvSpPr>
         <p:spPr>
-          <a:xfrm>
-            <a:off x="2339752" y="4869160"/>
-            <a:ext cx="6192688" cy="1152128"/>
-          </a:xfrm>
-          <a:prstGeom prst="roundRect">
-            <a:avLst/>
-          </a:prstGeom>
-          <a:noFill/>
+          <a:xfrm flipH="1">
+            <a:off x="3203848" y="2690918"/>
+            <a:ext cx="360040" cy="576064"/>
+          </a:xfrm>
+          <a:prstGeom prst="chevron">
+            <a:avLst/>
+          </a:prstGeom>
+          <a:solidFill>
+            <a:schemeClr val="accent1">
+              <a:lumMod val="40000"/>
+              <a:lumOff val="60000"/>
+            </a:schemeClr>
+          </a:solidFill>
           <a:ln>
-            <a:solidFill>
-              <a:schemeClr val="bg1">
-                <a:lumMod val="85000"/>
-              </a:schemeClr>
-            </a:solidFill>
+            <a:noFill/>
           </a:ln>
         </p:spPr>
         <p:style>
@@ -24282,20 +24438,24 @@
           <a:lstStyle/>
           <a:p>
             <a:pPr algn="ctr"/>
-            <a:endParaRPr lang="ko-KR" altLang="en-US"/>
-          </a:p>
-        </p:txBody>
-      </p:sp>
-      <p:sp>
-        <p:nvSpPr>
-          <p:cNvPr id="27" name="TextBox 26"/>
+            <a:endParaRPr lang="ko-KR" altLang="en-US">
+              <a:solidFill>
+                <a:schemeClr val="tx1"/>
+              </a:solidFill>
+            </a:endParaRPr>
+          </a:p>
+        </p:txBody>
+      </p:sp>
+      <p:sp>
+        <p:nvSpPr>
+          <p:cNvPr id="37" name="TextBox 36"/>
           <p:cNvSpPr txBox="1"/>
           <p:nvPr/>
         </p:nvSpPr>
         <p:spPr>
           <a:xfrm>
-            <a:off x="971600" y="2555612"/>
-            <a:ext cx="936104" cy="369332"/>
+            <a:off x="827584" y="3717032"/>
+            <a:ext cx="5976664" cy="1384995"/>
           </a:xfrm>
           <a:prstGeom prst="rect">
             <a:avLst/>
@@ -24308,119 +24468,88 @@
           </a:bodyPr>
           <a:lstStyle/>
           <a:p>
-            <a:r>
-              <a:rPr lang="ko-KR" altLang="en-US" b="1" dirty="0">
+            <a:pPr fontAlgn="base">
+              <a:lnSpc>
+                <a:spcPct val="200000"/>
+              </a:lnSpc>
+            </a:pPr>
+            <a:r>
+              <a:rPr lang="ko-KR" altLang="en-US" sz="1400" b="1" dirty="0"/>
+              <a:t>내용을 입력하세요</a:t>
+            </a:r>
+            <a:endParaRPr lang="en-US" altLang="ko-KR" sz="1400" b="1" dirty="0"/>
+          </a:p>
+          <a:p>
+            <a:pPr fontAlgn="base">
+              <a:lnSpc>
+                <a:spcPct val="200000"/>
+              </a:lnSpc>
+            </a:pPr>
+            <a:r>
+              <a:rPr lang="en-US" altLang="ko-KR" sz="1400" b="1" dirty="0"/>
+              <a:t>-</a:t>
+            </a:r>
+            <a:r>
+              <a:rPr lang="ko-KR" altLang="en-US" sz="1400" b="1" dirty="0"/>
+              <a:t>내용을 입력하세요</a:t>
+            </a:r>
+            <a:endParaRPr lang="en-US" altLang="ko-KR" sz="1400" b="1" dirty="0"/>
+          </a:p>
+          <a:p>
+            <a:pPr fontAlgn="base">
+              <a:lnSpc>
+                <a:spcPct val="200000"/>
+              </a:lnSpc>
+            </a:pPr>
+            <a:r>
+              <a:rPr lang="en-US" altLang="ko-KR" sz="1400" b="1" dirty="0"/>
+              <a:t>-</a:t>
+            </a:r>
+            <a:r>
+              <a:rPr lang="ko-KR" altLang="en-US" sz="1400" b="1" dirty="0"/>
+              <a:t>내용을 입력하세요</a:t>
+            </a:r>
+            <a:endParaRPr lang="ko-KR" altLang="en-US" dirty="0"/>
+          </a:p>
+        </p:txBody>
+      </p:sp>
+      <p:sp>
+        <p:nvSpPr>
+          <p:cNvPr id="39" name="TextBox 38"/>
+          <p:cNvSpPr txBox="1"/>
+          <p:nvPr/>
+        </p:nvSpPr>
+        <p:spPr>
+          <a:xfrm>
+            <a:off x="5364088" y="271681"/>
+            <a:ext cx="3600400" cy="276999"/>
+          </a:xfrm>
+          <a:prstGeom prst="rect">
+            <a:avLst/>
+          </a:prstGeom>
+          <a:noFill/>
+        </p:spPr>
+        <p:txBody>
+          <a:bodyPr wrap="square" rtlCol="0">
+            <a:spAutoFit/>
+          </a:bodyPr>
+          <a:lstStyle/>
+          <a:p>
+            <a:pPr algn="dist"/>
+            <a:r>
+              <a:rPr lang="ko-KR" altLang="en-US" sz="1200" dirty="0">
                 <a:solidFill>
                   <a:schemeClr val="bg1"/>
                 </a:solidFill>
               </a:rPr>
-              <a:t>소제목</a:t>
-            </a:r>
-          </a:p>
-        </p:txBody>
-      </p:sp>
-      <p:sp>
-        <p:nvSpPr>
-          <p:cNvPr id="28" name="TextBox 27"/>
-          <p:cNvSpPr txBox="1"/>
-          <p:nvPr/>
-        </p:nvSpPr>
-        <p:spPr>
-          <a:xfrm>
-            <a:off x="971600" y="3131676"/>
-            <a:ext cx="936104" cy="369332"/>
-          </a:xfrm>
-          <a:prstGeom prst="rect">
-            <a:avLst/>
-          </a:prstGeom>
-          <a:noFill/>
-        </p:spPr>
-        <p:txBody>
-          <a:bodyPr wrap="square" rtlCol="0">
-            <a:spAutoFit/>
-          </a:bodyPr>
-          <a:lstStyle/>
-          <a:p>
-            <a:r>
-              <a:rPr lang="ko-KR" altLang="en-US" b="1" dirty="0">
-                <a:solidFill>
-                  <a:schemeClr val="bg1"/>
-                </a:solidFill>
-              </a:rPr>
-              <a:t>소제목</a:t>
-            </a:r>
-          </a:p>
-        </p:txBody>
-      </p:sp>
-      <p:sp>
-        <p:nvSpPr>
-          <p:cNvPr id="29" name="TextBox 28"/>
-          <p:cNvSpPr txBox="1"/>
-          <p:nvPr/>
-        </p:nvSpPr>
-        <p:spPr>
-          <a:xfrm>
-            <a:off x="2195736" y="2555612"/>
-            <a:ext cx="4248472" cy="369332"/>
-          </a:xfrm>
-          <a:prstGeom prst="rect">
-            <a:avLst/>
-          </a:prstGeom>
-          <a:noFill/>
-        </p:spPr>
-        <p:txBody>
-          <a:bodyPr wrap="square" rtlCol="0">
-            <a:spAutoFit/>
-          </a:bodyPr>
-          <a:lstStyle/>
-          <a:p>
-            <a:r>
-              <a:rPr lang="ko-KR" altLang="en-US" dirty="0"/>
-              <a:t>내용을 입력하세요</a:t>
-            </a:r>
-          </a:p>
-        </p:txBody>
-      </p:sp>
-      <p:sp>
-        <p:nvSpPr>
-          <p:cNvPr id="30" name="TextBox 29"/>
-          <p:cNvSpPr txBox="1"/>
-          <p:nvPr/>
-        </p:nvSpPr>
-        <p:spPr>
-          <a:xfrm>
-            <a:off x="2195736" y="3131676"/>
-            <a:ext cx="6120680" cy="646331"/>
-          </a:xfrm>
-          <a:prstGeom prst="rect">
-            <a:avLst/>
-          </a:prstGeom>
-          <a:noFill/>
-        </p:spPr>
-        <p:txBody>
-          <a:bodyPr wrap="square" rtlCol="0">
-            <a:spAutoFit/>
-          </a:bodyPr>
-          <a:lstStyle/>
-          <a:p>
-            <a:r>
-              <a:rPr lang="ko-KR" altLang="en-US" dirty="0"/>
-              <a:t>내용을 입력하세요</a:t>
-            </a:r>
-            <a:endParaRPr lang="en-US" altLang="ko-KR" dirty="0"/>
-          </a:p>
-          <a:p>
-            <a:r>
-              <a:rPr lang="en-US" altLang="ko-KR" dirty="0"/>
-              <a:t>http://minheeblog.tistory.com/category/PPT</a:t>
-            </a:r>
-            <a:endParaRPr lang="ko-KR" altLang="en-US" dirty="0"/>
-          </a:p>
-        </p:txBody>
-      </p:sp>
-      <p:sp>
-        <p:nvSpPr>
-          <p:cNvPr id="31" name="직사각형 30"/>
+              <a:t>과목이름이나 영문타이틀</a:t>
+            </a:r>
+          </a:p>
+        </p:txBody>
+      </p:sp>
+      <p:sp>
+        <p:nvSpPr>
+          <p:cNvPr id="40" name="직사각형 39"/>
           <p:cNvSpPr/>
           <p:nvPr/>
         </p:nvSpPr>
@@ -24453,41 +24582,7 @@
       </p:sp>
       <p:sp>
         <p:nvSpPr>
-          <p:cNvPr id="32" name="TextBox 31"/>
-          <p:cNvSpPr txBox="1"/>
-          <p:nvPr/>
-        </p:nvSpPr>
-        <p:spPr>
-          <a:xfrm>
-            <a:off x="5364088" y="271681"/>
-            <a:ext cx="3600400" cy="276999"/>
-          </a:xfrm>
-          <a:prstGeom prst="rect">
-            <a:avLst/>
-          </a:prstGeom>
-          <a:noFill/>
-        </p:spPr>
-        <p:txBody>
-          <a:bodyPr wrap="square" rtlCol="0">
-            <a:spAutoFit/>
-          </a:bodyPr>
-          <a:lstStyle/>
-          <a:p>
-            <a:pPr algn="dist"/>
-            <a:r>
-              <a:rPr lang="ko-KR" altLang="en-US" sz="1200" dirty="0">
-                <a:solidFill>
-                  <a:schemeClr val="bg1"/>
-                </a:solidFill>
-              </a:rPr>
-              <a:t>과목이름이나 영문타이틀</a:t>
-            </a:r>
-          </a:p>
-        </p:txBody>
-      </p:sp>
-      <p:sp>
-        <p:nvSpPr>
-          <p:cNvPr id="20" name="TextBox 19"/>
+          <p:cNvPr id="15" name="TextBox 14"/>
           <p:cNvSpPr txBox="1"/>
           <p:nvPr/>
         </p:nvSpPr>
@@ -24540,7 +24635,7 @@
       </p:sp>
       <p:sp>
         <p:nvSpPr>
-          <p:cNvPr id="21" name="TextBox 20"/>
+          <p:cNvPr id="16" name="TextBox 15"/>
           <p:cNvSpPr txBox="1"/>
           <p:nvPr/>
         </p:nvSpPr>
@@ -24585,7 +24680,7 @@
       </p:sp>
       <p:sp>
         <p:nvSpPr>
-          <p:cNvPr id="33" name="TextBox 32"/>
+          <p:cNvPr id="17" name="TextBox 16"/>
           <p:cNvSpPr txBox="1"/>
           <p:nvPr/>
         </p:nvSpPr>
@@ -24703,7 +24798,7 @@
           <a:lstStyle/>
           <a:p>
             <a:pPr algn="ctr"/>
-            <a:endParaRPr lang="ko-KR" altLang="en-US" dirty="0"/>
+            <a:endParaRPr lang="ko-KR" altLang="en-US"/>
           </a:p>
         </p:txBody>
       </p:sp>
@@ -24806,8 +24901,8 @@
         </p:nvSpPr>
         <p:spPr>
           <a:xfrm>
-            <a:off x="539552" y="1484784"/>
-            <a:ext cx="2520280" cy="369332"/>
+            <a:off x="467544" y="1556792"/>
+            <a:ext cx="8208912" cy="4247317"/>
           </a:xfrm>
           <a:prstGeom prst="rect">
             <a:avLst/>
@@ -24820,248 +24915,61 @@
           </a:bodyPr>
           <a:lstStyle/>
           <a:p>
-            <a:r>
-              <a:rPr lang="en-US" altLang="ko-KR" b="1" spc="-150" dirty="0"/>
-              <a:t>1)  </a:t>
-            </a:r>
-            <a:r>
-              <a:rPr lang="ko-KR" altLang="en-US" b="1" spc="-150" dirty="0"/>
+            <a:pPr fontAlgn="base"/>
+            <a:r>
+              <a:rPr lang="en-US" altLang="ko-KR" b="1" dirty="0"/>
+              <a:t>1) </a:t>
+            </a:r>
+            <a:r>
+              <a:rPr lang="ko-KR" altLang="en-US" b="1" dirty="0"/>
               <a:t>소제목을 입력하세요</a:t>
             </a:r>
-          </a:p>
-        </p:txBody>
-      </p:sp>
-      <p:pic>
-        <p:nvPicPr>
-          <p:cNvPr id="17410" name="Picture 2" descr="사람 픽토그램에 대한 이미지 검색결과"/>
-          <p:cNvPicPr>
-            <a:picLocks noChangeAspect="1" noChangeArrowheads="1"/>
-          </p:cNvPicPr>
-          <p:nvPr/>
-        </p:nvPicPr>
-        <p:blipFill>
-          <a:blip r:embed="rId3" cstate="print"/>
-          <a:srcRect l="26893" r="49202" b="46815"/>
-          <a:stretch>
-            <a:fillRect/>
-          </a:stretch>
-        </p:blipFill>
-        <p:spPr bwMode="auto">
-          <a:xfrm>
-            <a:off x="5004048" y="2474894"/>
-            <a:ext cx="576064" cy="1008112"/>
-          </a:xfrm>
-          <a:prstGeom prst="rect">
-            <a:avLst/>
-          </a:prstGeom>
-          <a:noFill/>
-        </p:spPr>
-      </p:pic>
-      <p:pic>
-        <p:nvPicPr>
-          <p:cNvPr id="27" name="Picture 2" descr="사람 픽토그램에 대한 이미지 검색결과"/>
-          <p:cNvPicPr>
-            <a:picLocks noChangeAspect="1" noChangeArrowheads="1"/>
-          </p:cNvPicPr>
-          <p:nvPr/>
-        </p:nvPicPr>
-        <p:blipFill>
-          <a:blip r:embed="rId3" cstate="print"/>
-          <a:srcRect l="50798" r="25297" b="46815"/>
-          <a:stretch>
-            <a:fillRect/>
-          </a:stretch>
-        </p:blipFill>
-        <p:spPr bwMode="auto">
-          <a:xfrm>
-            <a:off x="6084168" y="2618910"/>
-            <a:ext cx="462909" cy="810090"/>
-          </a:xfrm>
-          <a:prstGeom prst="rect">
-            <a:avLst/>
-          </a:prstGeom>
-          <a:noFill/>
-        </p:spPr>
-      </p:pic>
-      <p:sp>
-        <p:nvSpPr>
-          <p:cNvPr id="28" name="갈매기형 수장 27"/>
-          <p:cNvSpPr/>
-          <p:nvPr/>
-        </p:nvSpPr>
-        <p:spPr>
-          <a:xfrm>
-            <a:off x="5652120" y="2690918"/>
-            <a:ext cx="360040" cy="576064"/>
-          </a:xfrm>
-          <a:prstGeom prst="chevron">
-            <a:avLst/>
-          </a:prstGeom>
-          <a:solidFill>
-            <a:schemeClr val="accent2">
-              <a:lumMod val="40000"/>
-              <a:lumOff val="60000"/>
-            </a:schemeClr>
-          </a:solidFill>
-          <a:ln>
-            <a:noFill/>
-          </a:ln>
-        </p:spPr>
-        <p:style>
-          <a:lnRef idx="2">
-            <a:schemeClr val="accent1">
-              <a:shade val="50000"/>
-            </a:schemeClr>
-          </a:lnRef>
-          <a:fillRef idx="1">
-            <a:schemeClr val="accent1"/>
-          </a:fillRef>
-          <a:effectRef idx="0">
-            <a:schemeClr val="accent1"/>
-          </a:effectRef>
-          <a:fontRef idx="minor">
-            <a:schemeClr val="lt1"/>
-          </a:fontRef>
-        </p:style>
-        <p:txBody>
-          <a:bodyPr rtlCol="0" anchor="ctr"/>
-          <a:lstStyle/>
-          <a:p>
-            <a:pPr algn="ctr"/>
-            <a:endParaRPr lang="ko-KR" altLang="en-US">
-              <a:solidFill>
-                <a:schemeClr val="tx1"/>
-              </a:solidFill>
-            </a:endParaRPr>
-          </a:p>
-        </p:txBody>
-      </p:sp>
-      <p:pic>
-        <p:nvPicPr>
-          <p:cNvPr id="29" name="Picture 2" descr="사람 픽토그램에 대한 이미지 검색결과"/>
-          <p:cNvPicPr>
-            <a:picLocks noChangeAspect="1" noChangeArrowheads="1"/>
-          </p:cNvPicPr>
-          <p:nvPr/>
-        </p:nvPicPr>
-        <p:blipFill>
-          <a:blip r:embed="rId3" cstate="print"/>
-          <a:srcRect l="26893" r="49202" b="46815"/>
-          <a:stretch>
-            <a:fillRect/>
-          </a:stretch>
-        </p:blipFill>
-        <p:spPr bwMode="auto">
-          <a:xfrm>
-            <a:off x="2771800" y="2762926"/>
-            <a:ext cx="370327" cy="648072"/>
-          </a:xfrm>
-          <a:prstGeom prst="rect">
-            <a:avLst/>
-          </a:prstGeom>
-          <a:noFill/>
-        </p:spPr>
-      </p:pic>
-      <p:pic>
-        <p:nvPicPr>
-          <p:cNvPr id="30" name="Picture 2" descr="사람 픽토그램에 대한 이미지 검색결과"/>
-          <p:cNvPicPr>
-            <a:picLocks noChangeAspect="1" noChangeArrowheads="1"/>
-          </p:cNvPicPr>
-          <p:nvPr/>
-        </p:nvPicPr>
-        <p:blipFill>
-          <a:blip r:embed="rId3" cstate="print"/>
-          <a:srcRect l="50798" r="25297" b="46815"/>
-          <a:stretch>
-            <a:fillRect/>
-          </a:stretch>
-        </p:blipFill>
-        <p:spPr bwMode="auto">
-          <a:xfrm>
-            <a:off x="3553601" y="2474894"/>
-            <a:ext cx="586351" cy="1026114"/>
-          </a:xfrm>
-          <a:prstGeom prst="rect">
-            <a:avLst/>
-          </a:prstGeom>
-          <a:noFill/>
-        </p:spPr>
-      </p:pic>
-      <p:sp>
-        <p:nvSpPr>
-          <p:cNvPr id="32" name="갈매기형 수장 31"/>
-          <p:cNvSpPr/>
-          <p:nvPr/>
-        </p:nvSpPr>
-        <p:spPr>
-          <a:xfrm flipH="1">
-            <a:off x="3203848" y="2690918"/>
-            <a:ext cx="360040" cy="576064"/>
-          </a:xfrm>
-          <a:prstGeom prst="chevron">
-            <a:avLst/>
-          </a:prstGeom>
-          <a:solidFill>
-            <a:schemeClr val="accent1">
-              <a:lumMod val="40000"/>
-              <a:lumOff val="60000"/>
-            </a:schemeClr>
-          </a:solidFill>
-          <a:ln>
-            <a:noFill/>
-          </a:ln>
-        </p:spPr>
-        <p:style>
-          <a:lnRef idx="2">
-            <a:schemeClr val="accent1">
-              <a:shade val="50000"/>
-            </a:schemeClr>
-          </a:lnRef>
-          <a:fillRef idx="1">
-            <a:schemeClr val="accent1"/>
-          </a:fillRef>
-          <a:effectRef idx="0">
-            <a:schemeClr val="accent1"/>
-          </a:effectRef>
-          <a:fontRef idx="minor">
-            <a:schemeClr val="lt1"/>
-          </a:fontRef>
-        </p:style>
-        <p:txBody>
-          <a:bodyPr rtlCol="0" anchor="ctr"/>
-          <a:lstStyle/>
-          <a:p>
-            <a:pPr algn="ctr"/>
-            <a:endParaRPr lang="ko-KR" altLang="en-US">
-              <a:solidFill>
-                <a:schemeClr val="tx1"/>
-              </a:solidFill>
-            </a:endParaRPr>
-          </a:p>
-        </p:txBody>
-      </p:sp>
-      <p:sp>
-        <p:nvSpPr>
-          <p:cNvPr id="37" name="TextBox 36"/>
-          <p:cNvSpPr txBox="1"/>
-          <p:nvPr/>
-        </p:nvSpPr>
-        <p:spPr>
-          <a:xfrm>
-            <a:off x="827584" y="3717032"/>
-            <a:ext cx="5976664" cy="1384995"/>
-          </a:xfrm>
-          <a:prstGeom prst="rect">
-            <a:avLst/>
-          </a:prstGeom>
-          <a:noFill/>
-        </p:spPr>
-        <p:txBody>
-          <a:bodyPr wrap="square" rtlCol="0">
-            <a:spAutoFit/>
-          </a:bodyPr>
-          <a:lstStyle/>
+            <a:endParaRPr lang="ko-KR" altLang="en-US" dirty="0"/>
+          </a:p>
+          <a:p>
+            <a:pPr fontAlgn="base"/>
+            <a:endParaRPr lang="en-US" altLang="ko-KR" dirty="0"/>
+          </a:p>
+          <a:p>
+            <a:pPr fontAlgn="base"/>
+            <a:endParaRPr lang="en-US" altLang="ko-KR" dirty="0"/>
+          </a:p>
+          <a:p>
+            <a:pPr fontAlgn="base"/>
+            <a:endParaRPr lang="en-US" altLang="ko-KR" dirty="0"/>
+          </a:p>
+          <a:p>
+            <a:pPr fontAlgn="base"/>
+            <a:endParaRPr lang="en-US" altLang="ko-KR" dirty="0"/>
+          </a:p>
+          <a:p>
+            <a:pPr fontAlgn="base"/>
+            <a:endParaRPr lang="en-US" altLang="ko-KR" dirty="0"/>
+          </a:p>
+          <a:p>
+            <a:pPr fontAlgn="base"/>
+            <a:endParaRPr lang="en-US" altLang="ko-KR" dirty="0"/>
+          </a:p>
+          <a:p>
+            <a:pPr fontAlgn="base"/>
+            <a:endParaRPr lang="en-US" altLang="ko-KR" dirty="0"/>
+          </a:p>
+          <a:p>
+            <a:pPr fontAlgn="base"/>
+            <a:endParaRPr lang="en-US" altLang="ko-KR" dirty="0"/>
+          </a:p>
+          <a:p>
+            <a:pPr fontAlgn="base"/>
+            <a:endParaRPr lang="en-US" altLang="ko-KR" dirty="0"/>
+          </a:p>
+          <a:p>
+            <a:pPr fontAlgn="base"/>
+            <a:endParaRPr lang="en-US" altLang="ko-KR" dirty="0"/>
+          </a:p>
+          <a:p>
+            <a:pPr fontAlgn="base"/>
+            <a:endParaRPr lang="en-US" altLang="ko-KR" dirty="0"/>
+          </a:p>
           <a:p>
             <a:pPr fontAlgn="base">
               <a:lnSpc>
@@ -25069,48 +24977,52 @@
               </a:lnSpc>
             </a:pPr>
             <a:r>
-              <a:rPr lang="ko-KR" altLang="en-US" sz="1400" b="1" dirty="0"/>
-              <a:t>내용을 입력하세요</a:t>
-            </a:r>
-            <a:endParaRPr lang="en-US" altLang="ko-KR" sz="1400" b="1" dirty="0"/>
-          </a:p>
-          <a:p>
-            <a:pPr fontAlgn="base">
-              <a:lnSpc>
-                <a:spcPct val="200000"/>
-              </a:lnSpc>
-            </a:pPr>
-            <a:r>
-              <a:rPr lang="en-US" altLang="ko-KR" sz="1400" b="1" dirty="0"/>
-              <a:t>-</a:t>
-            </a:r>
-            <a:r>
-              <a:rPr lang="ko-KR" altLang="en-US" sz="1400" b="1" dirty="0"/>
-              <a:t>내용을 입력하세요</a:t>
-            </a:r>
-            <a:endParaRPr lang="en-US" altLang="ko-KR" sz="1400" b="1" dirty="0"/>
-          </a:p>
-          <a:p>
-            <a:pPr fontAlgn="base">
-              <a:lnSpc>
-                <a:spcPct val="200000"/>
-              </a:lnSpc>
-            </a:pPr>
-            <a:r>
-              <a:rPr lang="en-US" altLang="ko-KR" sz="1400" b="1" dirty="0"/>
-              <a:t>-</a:t>
-            </a:r>
-            <a:r>
-              <a:rPr lang="ko-KR" altLang="en-US" sz="1400" b="1" dirty="0"/>
-              <a:t>내용을 입력하세요</a:t>
+              <a:rPr lang="en-US" altLang="ko-KR" b="1" dirty="0"/>
+              <a:t>2) </a:t>
+            </a:r>
+            <a:r>
+              <a:rPr lang="ko-KR" altLang="en-US" b="1" dirty="0"/>
+              <a:t>소제목을 입력하세요</a:t>
+            </a:r>
+            <a:endParaRPr lang="ko-KR" altLang="en-US" dirty="0">
+              <a:solidFill>
+                <a:schemeClr val="tx2"/>
+              </a:solidFill>
+            </a:endParaRPr>
+          </a:p>
+          <a:p>
+            <a:pPr fontAlgn="base"/>
+            <a:r>
+              <a:rPr lang="en-US" altLang="ko-KR" b="1" dirty="0"/>
+              <a:t>	</a:t>
+            </a:r>
+            <a:r>
+              <a:rPr lang="ko-KR" altLang="en-US" b="1" dirty="0"/>
+              <a:t>→ 내용을 입력하세요</a:t>
             </a:r>
             <a:endParaRPr lang="ko-KR" altLang="en-US" dirty="0"/>
           </a:p>
         </p:txBody>
       </p:sp>
-      <p:sp>
-        <p:nvSpPr>
-          <p:cNvPr id="39" name="TextBox 38"/>
+      <p:graphicFrame>
+        <p:nvGraphicFramePr>
+          <p:cNvPr id="13" name="다이어그램 12"/>
+          <p:cNvGraphicFramePr/>
+          <p:nvPr/>
+        </p:nvGraphicFramePr>
+        <p:xfrm>
+          <a:off x="899592" y="1916832"/>
+          <a:ext cx="7488832" cy="2808312"/>
+        </p:xfrm>
+        <a:graphic>
+          <a:graphicData uri="http://schemas.openxmlformats.org/drawingml/2006/diagram">
+            <dgm:relIds xmlns:dgm="http://schemas.openxmlformats.org/drawingml/2006/diagram" xmlns:r="http://schemas.openxmlformats.org/officeDocument/2006/relationships" r:dm="rId3" r:lo="rId4" r:qs="rId5" r:cs="rId6"/>
+          </a:graphicData>
+        </a:graphic>
+      </p:graphicFrame>
+      <p:sp>
+        <p:nvSpPr>
+          <p:cNvPr id="14" name="TextBox 13"/>
           <p:cNvSpPr txBox="1"/>
           <p:nvPr/>
         </p:nvSpPr>
@@ -25144,7 +25056,7 @@
       </p:sp>
       <p:sp>
         <p:nvSpPr>
-          <p:cNvPr id="40" name="직사각형 39"/>
+          <p:cNvPr id="15" name="직사각형 14"/>
           <p:cNvSpPr/>
           <p:nvPr/>
         </p:nvSpPr>
@@ -25177,7 +25089,7 @@
       </p:sp>
       <p:sp>
         <p:nvSpPr>
-          <p:cNvPr id="15" name="TextBox 14"/>
+          <p:cNvPr id="10" name="TextBox 9"/>
           <p:cNvSpPr txBox="1"/>
           <p:nvPr/>
         </p:nvSpPr>
@@ -25230,7 +25142,7 @@
       </p:sp>
       <p:sp>
         <p:nvSpPr>
-          <p:cNvPr id="16" name="TextBox 15"/>
+          <p:cNvPr id="11" name="TextBox 10"/>
           <p:cNvSpPr txBox="1"/>
           <p:nvPr/>
         </p:nvSpPr>
@@ -25275,7 +25187,7 @@
       </p:sp>
       <p:sp>
         <p:nvSpPr>
-          <p:cNvPr id="17" name="TextBox 16"/>
+          <p:cNvPr id="16" name="TextBox 15"/>
           <p:cNvSpPr txBox="1"/>
           <p:nvPr/>
         </p:nvSpPr>
@@ -25777,513 +25689,6 @@
       </p:sp>
       <p:sp>
         <p:nvSpPr>
-          <p:cNvPr id="12" name="TextBox 11"/>
-          <p:cNvSpPr txBox="1"/>
-          <p:nvPr/>
-        </p:nvSpPr>
-        <p:spPr>
-          <a:xfrm>
-            <a:off x="467544" y="1556792"/>
-            <a:ext cx="8208912" cy="4247317"/>
-          </a:xfrm>
-          <a:prstGeom prst="rect">
-            <a:avLst/>
-          </a:prstGeom>
-          <a:noFill/>
-        </p:spPr>
-        <p:txBody>
-          <a:bodyPr wrap="square" rtlCol="0">
-            <a:spAutoFit/>
-          </a:bodyPr>
-          <a:lstStyle/>
-          <a:p>
-            <a:pPr fontAlgn="base"/>
-            <a:r>
-              <a:rPr lang="en-US" altLang="ko-KR" b="1" dirty="0"/>
-              <a:t>1) </a:t>
-            </a:r>
-            <a:r>
-              <a:rPr lang="ko-KR" altLang="en-US" b="1" dirty="0"/>
-              <a:t>소제목을 입력하세요</a:t>
-            </a:r>
-            <a:endParaRPr lang="ko-KR" altLang="en-US" dirty="0"/>
-          </a:p>
-          <a:p>
-            <a:pPr fontAlgn="base"/>
-            <a:endParaRPr lang="en-US" altLang="ko-KR" dirty="0"/>
-          </a:p>
-          <a:p>
-            <a:pPr fontAlgn="base"/>
-            <a:endParaRPr lang="en-US" altLang="ko-KR" dirty="0"/>
-          </a:p>
-          <a:p>
-            <a:pPr fontAlgn="base"/>
-            <a:endParaRPr lang="en-US" altLang="ko-KR" dirty="0"/>
-          </a:p>
-          <a:p>
-            <a:pPr fontAlgn="base"/>
-            <a:endParaRPr lang="en-US" altLang="ko-KR" dirty="0"/>
-          </a:p>
-          <a:p>
-            <a:pPr fontAlgn="base"/>
-            <a:endParaRPr lang="en-US" altLang="ko-KR" dirty="0"/>
-          </a:p>
-          <a:p>
-            <a:pPr fontAlgn="base"/>
-            <a:endParaRPr lang="en-US" altLang="ko-KR" dirty="0"/>
-          </a:p>
-          <a:p>
-            <a:pPr fontAlgn="base"/>
-            <a:endParaRPr lang="en-US" altLang="ko-KR" dirty="0"/>
-          </a:p>
-          <a:p>
-            <a:pPr fontAlgn="base"/>
-            <a:endParaRPr lang="en-US" altLang="ko-KR" dirty="0"/>
-          </a:p>
-          <a:p>
-            <a:pPr fontAlgn="base"/>
-            <a:endParaRPr lang="en-US" altLang="ko-KR" dirty="0"/>
-          </a:p>
-          <a:p>
-            <a:pPr fontAlgn="base"/>
-            <a:endParaRPr lang="en-US" altLang="ko-KR" dirty="0"/>
-          </a:p>
-          <a:p>
-            <a:pPr fontAlgn="base"/>
-            <a:endParaRPr lang="en-US" altLang="ko-KR" dirty="0"/>
-          </a:p>
-          <a:p>
-            <a:pPr fontAlgn="base">
-              <a:lnSpc>
-                <a:spcPct val="200000"/>
-              </a:lnSpc>
-            </a:pPr>
-            <a:r>
-              <a:rPr lang="en-US" altLang="ko-KR" b="1" dirty="0"/>
-              <a:t>2) </a:t>
-            </a:r>
-            <a:r>
-              <a:rPr lang="ko-KR" altLang="en-US" b="1" dirty="0"/>
-              <a:t>소제목을 입력하세요</a:t>
-            </a:r>
-            <a:endParaRPr lang="ko-KR" altLang="en-US" dirty="0">
-              <a:solidFill>
-                <a:schemeClr val="tx2"/>
-              </a:solidFill>
-            </a:endParaRPr>
-          </a:p>
-          <a:p>
-            <a:pPr fontAlgn="base"/>
-            <a:r>
-              <a:rPr lang="en-US" altLang="ko-KR" b="1" dirty="0"/>
-              <a:t>	</a:t>
-            </a:r>
-            <a:r>
-              <a:rPr lang="ko-KR" altLang="en-US" b="1" dirty="0"/>
-              <a:t>→ 내용을 입력하세요</a:t>
-            </a:r>
-            <a:endParaRPr lang="ko-KR" altLang="en-US" dirty="0"/>
-          </a:p>
-        </p:txBody>
-      </p:sp>
-      <p:graphicFrame>
-        <p:nvGraphicFramePr>
-          <p:cNvPr id="13" name="다이어그램 12"/>
-          <p:cNvGraphicFramePr/>
-          <p:nvPr/>
-        </p:nvGraphicFramePr>
-        <p:xfrm>
-          <a:off x="899592" y="1916832"/>
-          <a:ext cx="7488832" cy="2808312"/>
-        </p:xfrm>
-        <a:graphic>
-          <a:graphicData uri="http://schemas.openxmlformats.org/drawingml/2006/diagram">
-            <dgm:relIds xmlns:dgm="http://schemas.openxmlformats.org/drawingml/2006/diagram" xmlns:r="http://schemas.openxmlformats.org/officeDocument/2006/relationships" r:dm="rId3" r:lo="rId4" r:qs="rId5" r:cs="rId6"/>
-          </a:graphicData>
-        </a:graphic>
-      </p:graphicFrame>
-      <p:sp>
-        <p:nvSpPr>
-          <p:cNvPr id="14" name="TextBox 13"/>
-          <p:cNvSpPr txBox="1"/>
-          <p:nvPr/>
-        </p:nvSpPr>
-        <p:spPr>
-          <a:xfrm>
-            <a:off x="5364088" y="271681"/>
-            <a:ext cx="3600400" cy="276999"/>
-          </a:xfrm>
-          <a:prstGeom prst="rect">
-            <a:avLst/>
-          </a:prstGeom>
-          <a:noFill/>
-        </p:spPr>
-        <p:txBody>
-          <a:bodyPr wrap="square" rtlCol="0">
-            <a:spAutoFit/>
-          </a:bodyPr>
-          <a:lstStyle/>
-          <a:p>
-            <a:pPr algn="dist"/>
-            <a:r>
-              <a:rPr lang="ko-KR" altLang="en-US" sz="1200" dirty="0">
-                <a:solidFill>
-                  <a:schemeClr val="bg1"/>
-                </a:solidFill>
-              </a:rPr>
-              <a:t>과목이름이나 영문타이틀</a:t>
-            </a:r>
-          </a:p>
-        </p:txBody>
-      </p:sp>
-      <p:sp>
-        <p:nvSpPr>
-          <p:cNvPr id="15" name="직사각형 14"/>
-          <p:cNvSpPr/>
-          <p:nvPr/>
-        </p:nvSpPr>
-        <p:spPr>
-          <a:xfrm>
-            <a:off x="219463" y="271681"/>
-            <a:ext cx="1297150" cy="276999"/>
-          </a:xfrm>
-          <a:prstGeom prst="rect">
-            <a:avLst/>
-          </a:prstGeom>
-        </p:spPr>
-        <p:txBody>
-          <a:bodyPr wrap="none">
-            <a:spAutoFit/>
-          </a:bodyPr>
-          <a:lstStyle/>
-          <a:p>
-            <a:pPr algn="ctr"/>
-            <a:r>
-              <a:rPr lang="ko-KR" altLang="en-US" sz="1200" b="1" spc="-150" dirty="0">
-                <a:solidFill>
-                  <a:schemeClr val="bg1"/>
-                </a:solidFill>
-              </a:rPr>
-              <a:t>제목을 입력하세요</a:t>
-            </a:r>
-          </a:p>
-        </p:txBody>
-      </p:sp>
-      <p:sp>
-        <p:nvSpPr>
-          <p:cNvPr id="10" name="TextBox 9"/>
-          <p:cNvSpPr txBox="1"/>
-          <p:nvPr/>
-        </p:nvSpPr>
-        <p:spPr>
-          <a:xfrm>
-            <a:off x="427435" y="836712"/>
-            <a:ext cx="1728192" cy="769441"/>
-          </a:xfrm>
-          <a:prstGeom prst="rect">
-            <a:avLst/>
-          </a:prstGeom>
-          <a:noFill/>
-        </p:spPr>
-        <p:txBody>
-          <a:bodyPr wrap="square" rtlCol="0">
-            <a:spAutoFit/>
-          </a:bodyPr>
-          <a:lstStyle/>
-          <a:p>
-            <a:r>
-              <a:rPr lang="ko-KR" altLang="en-US" sz="2000" b="1" spc="-150" dirty="0" err="1">
-                <a:solidFill>
-                  <a:schemeClr val="tx2">
-                    <a:lumMod val="75000"/>
-                  </a:schemeClr>
-                </a:solidFill>
-                <a:latin typeface="+mj-ea"/>
-              </a:rPr>
-              <a:t>민희블로그</a:t>
-            </a:r>
-            <a:endParaRPr lang="ko-KR" altLang="en-US" sz="2000" b="1" spc="-150" dirty="0">
-              <a:solidFill>
-                <a:schemeClr val="tx2">
-                  <a:lumMod val="75000"/>
-                </a:schemeClr>
-              </a:solidFill>
-              <a:latin typeface="+mj-ea"/>
-            </a:endParaRPr>
-          </a:p>
-          <a:p>
-            <a:endParaRPr lang="ko-KR" altLang="en-US" sz="2400" dirty="0">
-              <a:solidFill>
-                <a:schemeClr val="tx2">
-                  <a:lumMod val="75000"/>
-                </a:schemeClr>
-              </a:solidFill>
-            </a:endParaRPr>
-          </a:p>
-        </p:txBody>
-      </p:sp>
-      <p:sp>
-        <p:nvSpPr>
-          <p:cNvPr id="11" name="TextBox 10"/>
-          <p:cNvSpPr txBox="1"/>
-          <p:nvPr/>
-        </p:nvSpPr>
-        <p:spPr>
-          <a:xfrm>
-            <a:off x="435645" y="1167276"/>
-            <a:ext cx="3240360" cy="307777"/>
-          </a:xfrm>
-          <a:prstGeom prst="rect">
-            <a:avLst/>
-          </a:prstGeom>
-          <a:noFill/>
-        </p:spPr>
-        <p:txBody>
-          <a:bodyPr wrap="square" rtlCol="0">
-            <a:spAutoFit/>
-          </a:bodyPr>
-          <a:lstStyle/>
-          <a:p>
-            <a:r>
-              <a:rPr lang="ko-KR" altLang="en-US" sz="1400" b="1" dirty="0" err="1">
-                <a:solidFill>
-                  <a:schemeClr val="bg1">
-                    <a:lumMod val="50000"/>
-                  </a:schemeClr>
-                </a:solidFill>
-              </a:rPr>
-              <a:t>심플한피피티는</a:t>
-            </a:r>
-            <a:r>
-              <a:rPr lang="ko-KR" altLang="en-US" sz="1400" b="1" dirty="0">
-                <a:solidFill>
-                  <a:schemeClr val="bg1">
-                    <a:lumMod val="50000"/>
-                  </a:schemeClr>
-                </a:solidFill>
-              </a:rPr>
-              <a:t> 무엇인가</a:t>
-            </a:r>
-          </a:p>
-        </p:txBody>
-      </p:sp>
-      <p:sp>
-        <p:nvSpPr>
-          <p:cNvPr id="16" name="TextBox 15"/>
-          <p:cNvSpPr txBox="1"/>
-          <p:nvPr/>
-        </p:nvSpPr>
-        <p:spPr>
-          <a:xfrm>
-            <a:off x="7164288" y="6546830"/>
-            <a:ext cx="1728192" cy="338554"/>
-          </a:xfrm>
-          <a:prstGeom prst="rect">
-            <a:avLst/>
-          </a:prstGeom>
-          <a:noFill/>
-        </p:spPr>
-        <p:txBody>
-          <a:bodyPr wrap="square" rtlCol="0">
-            <a:spAutoFit/>
-          </a:bodyPr>
-          <a:lstStyle/>
-          <a:p>
-            <a:pPr algn="r"/>
-            <a:r>
-              <a:rPr lang="en-US" altLang="ko-KR" sz="1600" dirty="0">
-                <a:solidFill>
-                  <a:schemeClr val="bg1">
-                    <a:lumMod val="75000"/>
-                  </a:schemeClr>
-                </a:solidFill>
-              </a:rPr>
-              <a:t>MINHEEBLOG</a:t>
-            </a:r>
-            <a:endParaRPr lang="ko-KR" altLang="en-US" sz="1600" dirty="0">
-              <a:solidFill>
-                <a:schemeClr val="bg1">
-                  <a:lumMod val="75000"/>
-                </a:schemeClr>
-              </a:solidFill>
-            </a:endParaRPr>
-          </a:p>
-        </p:txBody>
-      </p:sp>
-    </p:spTree>
-  </p:cSld>
-  <p:clrMapOvr>
-    <a:masterClrMapping/>
-  </p:clrMapOvr>
-</p:sld>
-</file>
-
-<file path=ppt/slides/slide31.xml><?xml version="1.0" encoding="utf-8"?>
-<p:sld xmlns:a="http://schemas.openxmlformats.org/drawingml/2006/main" xmlns:r="http://schemas.openxmlformats.org/officeDocument/2006/relationships" xmlns:p="http://schemas.openxmlformats.org/presentationml/2006/main">
-  <p:cSld>
-    <p:bg>
-      <p:bgPr>
-        <a:solidFill>
-          <a:schemeClr val="tx2">
-            <a:lumMod val="75000"/>
-          </a:schemeClr>
-        </a:solidFill>
-        <a:effectLst/>
-      </p:bgPr>
-    </p:bg>
-    <p:spTree>
-      <p:nvGrpSpPr>
-        <p:cNvPr id="1" name=""/>
-        <p:cNvGrpSpPr/>
-        <p:nvPr/>
-      </p:nvGrpSpPr>
-      <p:grpSpPr>
-        <a:xfrm>
-          <a:off x="0" y="0"/>
-          <a:ext cx="0" cy="0"/>
-          <a:chOff x="0" y="0"/>
-          <a:chExt cx="0" cy="0"/>
-        </a:xfrm>
-      </p:grpSpPr>
-      <p:sp>
-        <p:nvSpPr>
-          <p:cNvPr id="2" name="직사각형 1"/>
-          <p:cNvSpPr/>
-          <p:nvPr/>
-        </p:nvSpPr>
-        <p:spPr>
-          <a:xfrm>
-            <a:off x="251520" y="620688"/>
-            <a:ext cx="8640960" cy="5976664"/>
-          </a:xfrm>
-          <a:prstGeom prst="rect">
-            <a:avLst/>
-          </a:prstGeom>
-          <a:solidFill>
-            <a:schemeClr val="bg1"/>
-          </a:solidFill>
-          <a:ln>
-            <a:noFill/>
-          </a:ln>
-        </p:spPr>
-        <p:style>
-          <a:lnRef idx="2">
-            <a:schemeClr val="accent1">
-              <a:shade val="50000"/>
-            </a:schemeClr>
-          </a:lnRef>
-          <a:fillRef idx="1">
-            <a:schemeClr val="accent1"/>
-          </a:fillRef>
-          <a:effectRef idx="0">
-            <a:schemeClr val="accent1"/>
-          </a:effectRef>
-          <a:fontRef idx="minor">
-            <a:schemeClr val="lt1"/>
-          </a:fontRef>
-        </p:style>
-        <p:txBody>
-          <a:bodyPr rtlCol="0" anchor="ctr"/>
-          <a:lstStyle/>
-          <a:p>
-            <a:pPr algn="ctr"/>
-            <a:endParaRPr lang="ko-KR" altLang="en-US"/>
-          </a:p>
-        </p:txBody>
-      </p:sp>
-      <p:sp>
-        <p:nvSpPr>
-          <p:cNvPr id="3" name="타원 2"/>
-          <p:cNvSpPr/>
-          <p:nvPr/>
-        </p:nvSpPr>
-        <p:spPr>
-          <a:xfrm>
-            <a:off x="4067944" y="74100"/>
-            <a:ext cx="936104" cy="936104"/>
-          </a:xfrm>
-          <a:prstGeom prst="ellipse">
-            <a:avLst/>
-          </a:prstGeom>
-          <a:solidFill>
-            <a:schemeClr val="tx2">
-              <a:lumMod val="75000"/>
-            </a:schemeClr>
-          </a:solidFill>
-          <a:ln>
-            <a:noFill/>
-          </a:ln>
-        </p:spPr>
-        <p:style>
-          <a:lnRef idx="2">
-            <a:schemeClr val="accent1">
-              <a:shade val="50000"/>
-            </a:schemeClr>
-          </a:lnRef>
-          <a:fillRef idx="1">
-            <a:schemeClr val="accent1"/>
-          </a:fillRef>
-          <a:effectRef idx="0">
-            <a:schemeClr val="accent1"/>
-          </a:effectRef>
-          <a:fontRef idx="minor">
-            <a:schemeClr val="lt1"/>
-          </a:fontRef>
-        </p:style>
-        <p:txBody>
-          <a:bodyPr rtlCol="0" anchor="ctr"/>
-          <a:lstStyle/>
-          <a:p>
-            <a:pPr algn="ctr"/>
-            <a:endParaRPr lang="ko-KR" altLang="en-US"/>
-          </a:p>
-        </p:txBody>
-      </p:sp>
-      <p:sp>
-        <p:nvSpPr>
-          <p:cNvPr id="9" name="TextBox 8"/>
-          <p:cNvSpPr txBox="1"/>
-          <p:nvPr/>
-        </p:nvSpPr>
-        <p:spPr>
-          <a:xfrm>
-            <a:off x="3995936" y="479095"/>
-            <a:ext cx="1080120" cy="461665"/>
-          </a:xfrm>
-          <a:prstGeom prst="rect">
-            <a:avLst/>
-          </a:prstGeom>
-          <a:noFill/>
-        </p:spPr>
-        <p:txBody>
-          <a:bodyPr wrap="square" rtlCol="0">
-            <a:spAutoFit/>
-          </a:bodyPr>
-          <a:lstStyle/>
-          <a:p>
-            <a:pPr algn="ctr"/>
-            <a:r>
-              <a:rPr lang="en-US" altLang="ko-KR" sz="2400" dirty="0">
-                <a:solidFill>
-                  <a:schemeClr val="bg1"/>
-                </a:solidFill>
-                <a:latin typeface="HY헤드라인M" pitchFamily="18" charset="-127"/>
-                <a:ea typeface="HY헤드라인M" pitchFamily="18" charset="-127"/>
-              </a:rPr>
-              <a:t>01</a:t>
-            </a:r>
-            <a:endParaRPr lang="ko-KR" altLang="en-US" sz="2400" dirty="0">
-              <a:solidFill>
-                <a:schemeClr val="bg1"/>
-              </a:solidFill>
-              <a:latin typeface="HY헤드라인M" pitchFamily="18" charset="-127"/>
-              <a:ea typeface="HY헤드라인M" pitchFamily="18" charset="-127"/>
-            </a:endParaRPr>
-          </a:p>
-        </p:txBody>
-      </p:sp>
-      <p:sp>
-        <p:nvSpPr>
           <p:cNvPr id="21" name="TextBox 20"/>
           <p:cNvSpPr txBox="1"/>
           <p:nvPr/>
@@ -26516,7 +25921,7 @@
 </p:sld>
 </file>
 
-<file path=ppt/slides/slide32.xml><?xml version="1.0" encoding="utf-8"?>
+<file path=ppt/slides/slide31.xml><?xml version="1.0" encoding="utf-8"?>
 <p:sld xmlns:a="http://schemas.openxmlformats.org/drawingml/2006/main" xmlns:r="http://schemas.openxmlformats.org/officeDocument/2006/relationships" xmlns:p="http://schemas.openxmlformats.org/presentationml/2006/main">
   <p:cSld>
     <p:bg>
@@ -27312,7 +26717,7 @@
 </p:sld>
 </file>
 
-<file path=ppt/slides/slide33.xml><?xml version="1.0" encoding="utf-8"?>
+<file path=ppt/slides/slide32.xml><?xml version="1.0" encoding="utf-8"?>
 <p:sld xmlns:a="http://schemas.openxmlformats.org/drawingml/2006/main" xmlns:r="http://schemas.openxmlformats.org/officeDocument/2006/relationships" xmlns:p="http://schemas.openxmlformats.org/presentationml/2006/main">
   <p:cSld>
     <p:bg>
@@ -28355,7 +27760,7 @@
 </p:sld>
 </file>
 
-<file path=ppt/slides/slide34.xml><?xml version="1.0" encoding="utf-8"?>
+<file path=ppt/slides/slide33.xml><?xml version="1.0" encoding="utf-8"?>
 <p:sld xmlns:a="http://schemas.openxmlformats.org/drawingml/2006/main" xmlns:r="http://schemas.openxmlformats.org/officeDocument/2006/relationships" xmlns:p="http://schemas.openxmlformats.org/presentationml/2006/main">
   <p:cSld>
     <p:bg>
@@ -29295,7 +28700,7 @@
 </p:sld>
 </file>
 
-<file path=ppt/slides/slide35.xml><?xml version="1.0" encoding="utf-8"?>
+<file path=ppt/slides/slide34.xml><?xml version="1.0" encoding="utf-8"?>
 <p:sld xmlns:a="http://schemas.openxmlformats.org/drawingml/2006/main" xmlns:r="http://schemas.openxmlformats.org/officeDocument/2006/relationships" xmlns:p="http://schemas.openxmlformats.org/presentationml/2006/main">
   <p:cSld>
     <p:bg>
